--- a/2019系统仿真-10- 多回路系统（编写中）.pptx
+++ b/2019系统仿真-10- 多回路系统（编写中）.pptx
@@ -251,7 +251,7 @@
                 <a:latin typeface="微软雅黑" panose="020B0503020204020204" pitchFamily="34" charset="-122"/>
                 <a:ea typeface="微软雅黑" panose="020B0503020204020204" pitchFamily="34" charset="-122"/>
               </a:rPr>
-              <a:t>2019年4月14日</a:t>
+              <a:t>2019年4月14日 Sunday</a:t>
             </a:fld>
             <a:endParaRPr lang="zh-CN" altLang="en-US" dirty="0">
               <a:latin typeface="微软雅黑" panose="020B0503020204020204" pitchFamily="34" charset="-122"/>
@@ -443,7 +443,7 @@
             <a:fld id="{07D6BDDC-F39A-4E16-93D6-E40B88AA6D58}" type="datetime2">
               <a:rPr lang="zh-CN" altLang="en-US" smtClean="0"/>
               <a:pPr/>
-              <a:t>2019年4月14日</a:t>
+              <a:t>2019年4月14日 Sunday</a:t>
             </a:fld>
             <a:endParaRPr lang="zh-CN" altLang="en-US" dirty="0"/>
           </a:p>
@@ -1761,7 +1761,7 @@
             <a:fld id="{4947C3F0-2957-4D41-9FB7-182757A04D67}" type="datetime2">
               <a:rPr lang="zh-CN" altLang="en-US" smtClean="0"/>
               <a:pPr/>
-              <a:t>2019年4月14日</a:t>
+              <a:t>2019年4月14日 Sunday</a:t>
             </a:fld>
             <a:endParaRPr lang="zh-CN" altLang="en-US" dirty="0"/>
           </a:p>
@@ -1994,7 +1994,7 @@
             <a:fld id="{8DF8E148-EC1F-43A2-8C9E-1F57F6D08A76}" type="datetime2">
               <a:rPr lang="zh-CN" altLang="en-US" smtClean="0"/>
               <a:pPr/>
-              <a:t>2019年4月14日</a:t>
+              <a:t>2019年4月14日 Sunday</a:t>
             </a:fld>
             <a:endParaRPr lang="zh-CN" altLang="en-US" dirty="0"/>
           </a:p>
@@ -2877,7 +2877,7 @@
             <a:fld id="{FB7B4C11-1E14-4887-9E78-A9346EC068F1}" type="datetime2">
               <a:rPr lang="zh-CN" altLang="en-US" smtClean="0"/>
               <a:pPr/>
-              <a:t>2019年4月14日</a:t>
+              <a:t>2019年4月14日 Sunday</a:t>
             </a:fld>
             <a:endParaRPr lang="zh-CN" altLang="en-US" dirty="0"/>
           </a:p>
@@ -3136,7 +3136,7 @@
             <a:fld id="{86FD5D46-E987-42B2-B42C-B8920598FADE}" type="datetime2">
               <a:rPr lang="zh-CN" altLang="en-US" smtClean="0"/>
               <a:pPr/>
-              <a:t>2019年4月14日</a:t>
+              <a:t>2019年4月14日 Sunday</a:t>
             </a:fld>
             <a:endParaRPr lang="zh-CN" altLang="en-US" dirty="0"/>
           </a:p>
@@ -4463,7 +4463,7 @@
             <a:fld id="{8365F240-A7EF-41C8-A85B-C448CF84B5E5}" type="datetime2">
               <a:rPr lang="zh-CN" altLang="en-US" smtClean="0"/>
               <a:pPr/>
-              <a:t>2019年4月14日</a:t>
+              <a:t>2019年4月14日 Sunday</a:t>
             </a:fld>
             <a:endParaRPr lang="zh-CN" altLang="en-US" dirty="0"/>
           </a:p>
@@ -4798,7 +4798,7 @@
             <a:fld id="{F770B30E-8728-44DB-AEE3-E4A75AEDBBD9}" type="datetime2">
               <a:rPr lang="zh-CN" altLang="en-US" smtClean="0"/>
               <a:pPr/>
-              <a:t>2019年4月14日</a:t>
+              <a:t>2019年4月14日 Sunday</a:t>
             </a:fld>
             <a:endParaRPr lang="zh-CN" altLang="en-US" dirty="0"/>
           </a:p>
@@ -5299,7 +5299,7 @@
             <a:fld id="{680BCF82-A51A-4389-A573-378AD02C5141}" type="datetime2">
               <a:rPr lang="zh-CN" altLang="en-US" smtClean="0"/>
               <a:pPr/>
-              <a:t>2019年4月14日</a:t>
+              <a:t>2019年4月14日 Sunday</a:t>
             </a:fld>
             <a:endParaRPr lang="zh-CN" altLang="en-US" dirty="0"/>
           </a:p>
@@ -5454,7 +5454,7 @@
             <a:fld id="{CE03A716-E3DC-4D9D-823C-60FCD8C9B163}" type="datetime2">
               <a:rPr lang="zh-CN" altLang="en-US" smtClean="0"/>
               <a:pPr/>
-              <a:t>2019年4月14日</a:t>
+              <a:t>2019年4月14日 Sunday</a:t>
             </a:fld>
             <a:endParaRPr lang="zh-CN" altLang="en-US" dirty="0"/>
           </a:p>
@@ -5814,7 +5814,7 @@
             <a:fld id="{C16B8A94-44E5-4844-A22C-F796FCAA90D9}" type="datetime2">
               <a:rPr lang="zh-CN" altLang="en-US" smtClean="0"/>
               <a:pPr/>
-              <a:t>2019年4月14日</a:t>
+              <a:t>2019年4月14日 Sunday</a:t>
             </a:fld>
             <a:endParaRPr lang="zh-CN" altLang="en-US" dirty="0"/>
           </a:p>
@@ -6356,7 +6356,7 @@
             <a:fld id="{F288B2AC-AC0A-4E49-82A3-94EE74FA7FBF}" type="datetime2">
               <a:rPr lang="zh-CN" altLang="en-US" smtClean="0"/>
               <a:pPr/>
-              <a:t>2019年4月14日</a:t>
+              <a:t>2019年4月14日 Sunday</a:t>
             </a:fld>
             <a:endParaRPr lang="zh-CN" altLang="en-US" dirty="0"/>
           </a:p>
@@ -6842,7 +6842,7 @@
             <a:fld id="{1878E339-1BD2-4FEE-A113-9A0301740CF6}" type="datetime2">
               <a:rPr lang="zh-CN" altLang="en-US" smtClean="0"/>
               <a:pPr/>
-              <a:t>2019年4月14日</a:t>
+              <a:t>2019年4月14日 Sunday</a:t>
             </a:fld>
             <a:endParaRPr lang="zh-CN" altLang="en-US" dirty="0"/>
           </a:p>
@@ -7766,7 +7766,7 @@
             <a:fld id="{A339CB27-C670-4AAB-948C-7E3D1D9FAE30}" type="datetime2">
               <a:rPr lang="zh-CN" altLang="en-US" smtClean="0"/>
               <a:pPr/>
-              <a:t>2019年4月14日</a:t>
+              <a:t>2019年4月14日 Sunday</a:t>
             </a:fld>
             <a:endParaRPr lang="zh-CN" altLang="en-US" dirty="0"/>
           </a:p>
@@ -8278,6 +8278,36 @@
           </a:p>
         </p:txBody>
       </p:sp>
+      <p:pic>
+        <p:nvPicPr>
+          <p:cNvPr id="5" name="图片 4">
+            <a:extLst>
+              <a:ext uri="{FF2B5EF4-FFF2-40B4-BE49-F238E27FC236}">
+                <a16:creationId xmlns:a16="http://schemas.microsoft.com/office/drawing/2014/main" id="{4FBA4544-247D-CB46-8CCE-B19D9FDB806B}"/>
+              </a:ext>
+            </a:extLst>
+          </p:cNvPr>
+          <p:cNvPicPr>
+            <a:picLocks noChangeAspect="1"/>
+          </p:cNvPicPr>
+          <p:nvPr/>
+        </p:nvPicPr>
+        <p:blipFill>
+          <a:blip r:link="rId3"/>
+          <a:stretch>
+            <a:fillRect/>
+          </a:stretch>
+        </p:blipFill>
+        <p:spPr>
+          <a:xfrm>
+            <a:off x="1270000" y="1270000"/>
+            <a:ext cx="63500" cy="76200"/>
+          </a:xfrm>
+          <a:prstGeom prst="rect">
+            <a:avLst/>
+          </a:prstGeom>
+        </p:spPr>
+      </p:pic>
     </p:spTree>
     <p:extLst>
       <p:ext uri="{BB962C8B-B14F-4D97-AF65-F5344CB8AC3E}">
@@ -14374,17 +14404,35 @@
 
 <file path=customXml/item1.xml><?xml version="1.0" encoding="utf-8"?>
 <Control xmlns="http://schemas.microsoft.com/VisualStudio/2011/storyboarding/control">
-  <Id Name="System.Storyboarding.Common.DragSelection" Revision="1" Stencil="System.Storyboarding.Common" StencilVersion="0.1"/>
+  <Id Name="System.Storyboarding.Annotation.StickyNote" Revision="1" Stencil="System.Storyboarding.Annotation" StencilVersion="0.1"/>
 </Control>
 </file>
 
 <file path=customXml/item2.xml><?xml version="1.0" encoding="utf-8"?>
 <Control xmlns="http://schemas.microsoft.com/VisualStudio/2011/storyboarding/control">
-  <Id Name="System.Storyboarding.Annotation.StickyNote" Revision="1" Stencil="System.Storyboarding.Annotation" StencilVersion="0.1"/>
+  <Id Name="System.Storyboarding.Common.DragSelection" Revision="1" Stencil="System.Storyboarding.Common" StencilVersion="0.1"/>
 </Control>
 </file>
 
 <file path=customXml/item3.xml><?xml version="1.0" encoding="utf-8"?>
+<Control xmlns="http://schemas.microsoft.com/VisualStudio/2011/storyboarding/control">
+  <Id Name="5e505f8e-b0aa-429a-bb4c-92ab0e8a8ee6" RevisionId="d2083f08-ba4f-4330-87aa-e4d23a4443d7" Stencil="172d6d98-e5c9-42e9-a209-79f7a94bbd38" StencilRevisionId="00000000-0000-0000-0000-000000000000" StencilVersion="0.0"/>
+</Control>
+</file>
+
+<file path=customXml/item4.xml><?xml version="1.0" encoding="utf-8"?>
+<Control xmlns="http://schemas.microsoft.com/VisualStudio/2011/storyboarding/control">
+  <Id Name="System.Storyboarding.WindowsApps.WindowsAppsListBox" Revision="1" Stencil="System.Storyboarding.WindowsApps" StencilVersion="0.1"/>
+</Control>
+</file>
+
+<file path=customXml/item5.xml><?xml version="1.0" encoding="utf-8"?>
+<Control xmlns="http://schemas.microsoft.com/VisualStudio/2011/storyboarding/control">
+  <Id Name="System.Storyboarding.WindowsApps.WindowsAppsProgressRing" Revision="1" Stencil="System.Storyboarding.WindowsApps" StencilVersion="0.1"/>
+</Control>
+</file>
+
+<file path=customXml/item6.xml><?xml version="1.0" encoding="utf-8"?>
 <p:properties xmlns:p="http://schemas.microsoft.com/office/2006/metadata/properties" xmlns:xsi="http://www.w3.org/2001/XMLSchema-instance" xmlns:pc="http://schemas.microsoft.com/office/infopath/2007/PartnerControls">
   <documentManagement>
     <_dlc_DocId xmlns="b4ebf394-daf6-497a-96c5-a2f8c10b38cf">TT6HZDVJM2HV-178-321</_dlc_DocId>
@@ -14396,24 +14444,6 @@
 </p:properties>
 </file>
 
-<file path=customXml/item4.xml><?xml version="1.0" encoding="utf-8"?>
-<Control xmlns="http://schemas.microsoft.com/VisualStudio/2011/storyboarding/control">
-  <Id Name="System.Storyboarding.WindowsApps.WindowsAppsProgressRing" Revision="1" Stencil="System.Storyboarding.WindowsApps" StencilVersion="0.1"/>
-</Control>
-</file>
-
-<file path=customXml/item5.xml><?xml version="1.0" encoding="utf-8"?>
-<Control xmlns="http://schemas.microsoft.com/VisualStudio/2011/storyboarding/control">
-  <Id Name="System.Storyboarding.WindowsApps.WindowsAppsListBox" Revision="1" Stencil="System.Storyboarding.WindowsApps" StencilVersion="0.1"/>
-</Control>
-</file>
-
-<file path=customXml/item6.xml><?xml version="1.0" encoding="utf-8"?>
-<Control xmlns="http://schemas.microsoft.com/VisualStudio/2011/storyboarding/control">
-  <Id Name="5e505f8e-b0aa-429a-bb4c-92ab0e8a8ee6" RevisionId="d2083f08-ba4f-4330-87aa-e4d23a4443d7" Stencil="172d6d98-e5c9-42e9-a209-79f7a94bbd38" StencilRevisionId="00000000-0000-0000-0000-000000000000" StencilVersion="0.0"/>
-</Control>
-</file>
-
 <file path=customXml/item7.xml><?xml version="1.0" encoding="utf-8"?>
 <Control xmlns="http://schemas.microsoft.com/VisualStudio/2011/storyboarding/control">
   <Id Name="System.Storyboarding.Common.TextInput" Revision="1" Stencil="System.Storyboarding.Common" StencilVersion="0.1"/>
@@ -14421,6 +14451,14 @@
 </file>
 
 <file path=customXml/itemProps1.xml><?xml version="1.0" encoding="utf-8"?>
+<ds:datastoreItem xmlns:ds="http://schemas.openxmlformats.org/officeDocument/2006/customXml" ds:itemID="{35CD12A2-2187-402A-B9D9-EF68624DB0B9}">
+  <ds:schemaRefs>
+    <ds:schemaRef ds:uri="http://schemas.microsoft.com/VisualStudio/2011/storyboarding/control"/>
+  </ds:schemaRefs>
+</ds:datastoreItem>
+</file>
+
+<file path=customXml/itemProps2.xml><?xml version="1.0" encoding="utf-8"?>
 <ds:datastoreItem xmlns:ds="http://schemas.openxmlformats.org/officeDocument/2006/customXml" ds:itemID="{74F50758-6994-47AF-ADB4-84074E43B95D}">
   <ds:schemaRefs>
     <ds:schemaRef ds:uri="http://schemas.microsoft.com/VisualStudio/2011/storyboarding/control"/>
@@ -14428,25 +14466,23 @@
 </ds:datastoreItem>
 </file>
 
-<file path=customXml/itemProps2.xml><?xml version="1.0" encoding="utf-8"?>
-<ds:datastoreItem xmlns:ds="http://schemas.openxmlformats.org/officeDocument/2006/customXml" ds:itemID="{35CD12A2-2187-402A-B9D9-EF68624DB0B9}">
+<file path=customXml/itemProps3.xml><?xml version="1.0" encoding="utf-8"?>
+<ds:datastoreItem xmlns:ds="http://schemas.openxmlformats.org/officeDocument/2006/customXml" ds:itemID="{22271091-DDCE-44B5-B608-BB96BCA0C299}">
   <ds:schemaRefs>
     <ds:schemaRef ds:uri="http://schemas.microsoft.com/VisualStudio/2011/storyboarding/control"/>
   </ds:schemaRefs>
 </ds:datastoreItem>
 </file>
 
-<file path=customXml/itemProps3.xml><?xml version="1.0" encoding="utf-8"?>
-<ds:datastoreItem xmlns:ds="http://schemas.openxmlformats.org/officeDocument/2006/customXml" ds:itemID="{1322E1B6-B69B-4B1E-9F64-FFB1E4A65691}">
+<file path=customXml/itemProps4.xml><?xml version="1.0" encoding="utf-8"?>
+<ds:datastoreItem xmlns:ds="http://schemas.openxmlformats.org/officeDocument/2006/customXml" ds:itemID="{925928FA-66B2-4992-9AF7-6AAB34665E06}">
   <ds:schemaRefs>
-    <ds:schemaRef ds:uri="http://schemas.microsoft.com/office/2006/metadata/properties"/>
-    <ds:schemaRef ds:uri="http://schemas.microsoft.com/office/infopath/2007/PartnerControls"/>
-    <ds:schemaRef ds:uri="b4ebf394-daf6-497a-96c5-a2f8c10b38cf"/>
+    <ds:schemaRef ds:uri="http://schemas.microsoft.com/VisualStudio/2011/storyboarding/control"/>
   </ds:schemaRefs>
 </ds:datastoreItem>
 </file>
 
-<file path=customXml/itemProps4.xml><?xml version="1.0" encoding="utf-8"?>
+<file path=customXml/itemProps5.xml><?xml version="1.0" encoding="utf-8"?>
 <ds:datastoreItem xmlns:ds="http://schemas.openxmlformats.org/officeDocument/2006/customXml" ds:itemID="{EE994FE8-9D1B-4C75-9803-F4D3D8088B5B}">
   <ds:schemaRefs>
     <ds:schemaRef ds:uri="http://schemas.microsoft.com/VisualStudio/2011/storyboarding/control"/>
@@ -14454,18 +14490,12 @@
 </ds:datastoreItem>
 </file>
 
-<file path=customXml/itemProps5.xml><?xml version="1.0" encoding="utf-8"?>
-<ds:datastoreItem xmlns:ds="http://schemas.openxmlformats.org/officeDocument/2006/customXml" ds:itemID="{925928FA-66B2-4992-9AF7-6AAB34665E06}">
+<file path=customXml/itemProps6.xml><?xml version="1.0" encoding="utf-8"?>
+<ds:datastoreItem xmlns:ds="http://schemas.openxmlformats.org/officeDocument/2006/customXml" ds:itemID="{1322E1B6-B69B-4B1E-9F64-FFB1E4A65691}">
   <ds:schemaRefs>
-    <ds:schemaRef ds:uri="http://schemas.microsoft.com/VisualStudio/2011/storyboarding/control"/>
-  </ds:schemaRefs>
-</ds:datastoreItem>
-</file>
-
-<file path=customXml/itemProps6.xml><?xml version="1.0" encoding="utf-8"?>
-<ds:datastoreItem xmlns:ds="http://schemas.openxmlformats.org/officeDocument/2006/customXml" ds:itemID="{22271091-DDCE-44B5-B608-BB96BCA0C299}">
-  <ds:schemaRefs>
-    <ds:schemaRef ds:uri="http://schemas.microsoft.com/VisualStudio/2011/storyboarding/control"/>
+    <ds:schemaRef ds:uri="http://schemas.microsoft.com/office/2006/metadata/properties"/>
+    <ds:schemaRef ds:uri="http://schemas.microsoft.com/office/infopath/2007/PartnerControls"/>
+    <ds:schemaRef ds:uri="b4ebf394-daf6-497a-96c5-a2f8c10b38cf"/>
   </ds:schemaRefs>
 </ds:datastoreItem>
 </file>

--- a/2019系统仿真-10- 多回路系统（编写中）.pptx
+++ b/2019系统仿真-10- 多回路系统（编写中）.pptx
@@ -5,10 +5,10 @@
     <p:sldMasterId id="2147483648" r:id="rId8"/>
   </p:sldMasterIdLst>
   <p:notesMasterIdLst>
-    <p:notesMasterId r:id="rId23"/>
+    <p:notesMasterId r:id="rId24"/>
   </p:notesMasterIdLst>
   <p:handoutMasterIdLst>
-    <p:handoutMasterId r:id="rId24"/>
+    <p:handoutMasterId r:id="rId25"/>
   </p:handoutMasterIdLst>
   <p:sldIdLst>
     <p:sldId id="256" r:id="rId9"/>
@@ -17,14 +17,15 @@
     <p:sldId id="270" r:id="rId12"/>
     <p:sldId id="271" r:id="rId13"/>
     <p:sldId id="272" r:id="rId14"/>
-    <p:sldId id="257" r:id="rId15"/>
-    <p:sldId id="259" r:id="rId16"/>
-    <p:sldId id="260" r:id="rId17"/>
-    <p:sldId id="266" r:id="rId18"/>
-    <p:sldId id="262" r:id="rId19"/>
-    <p:sldId id="261" r:id="rId20"/>
-    <p:sldId id="273" r:id="rId21"/>
-    <p:sldId id="258" r:id="rId22"/>
+    <p:sldId id="275" r:id="rId15"/>
+    <p:sldId id="257" r:id="rId16"/>
+    <p:sldId id="259" r:id="rId17"/>
+    <p:sldId id="260" r:id="rId18"/>
+    <p:sldId id="266" r:id="rId19"/>
+    <p:sldId id="262" r:id="rId20"/>
+    <p:sldId id="261" r:id="rId21"/>
+    <p:sldId id="273" r:id="rId22"/>
+    <p:sldId id="258" r:id="rId23"/>
   </p:sldIdLst>
   <p:sldSz cx="12188825" cy="6858000"/>
   <p:notesSz cx="6858000" cy="9144000"/>
@@ -159,6 +160,2473 @@
     </p:ext>
   </p:extLst>
 </p:presentation>
+</file>
+
+<file path=ppt/diagrams/colors1.xml><?xml version="1.0" encoding="utf-8"?>
+<dgm:colorsDef xmlns:dgm="http://schemas.openxmlformats.org/drawingml/2006/diagram" xmlns:a="http://schemas.openxmlformats.org/drawingml/2006/main" uniqueId="urn:microsoft.com/office/officeart/2005/8/colors/accent5_2">
+  <dgm:title val=""/>
+  <dgm:desc val=""/>
+  <dgm:catLst>
+    <dgm:cat type="accent5" pri="11200"/>
+  </dgm:catLst>
+  <dgm:styleLbl name="node0">
+    <dgm:fillClrLst meth="repeat">
+      <a:schemeClr val="accent5"/>
+    </dgm:fillClrLst>
+    <dgm:linClrLst meth="repeat">
+      <a:schemeClr val="lt1"/>
+    </dgm:linClrLst>
+    <dgm:effectClrLst/>
+    <dgm:txLinClrLst/>
+    <dgm:txFillClrLst/>
+    <dgm:txEffectClrLst/>
+  </dgm:styleLbl>
+  <dgm:styleLbl name="node1">
+    <dgm:fillClrLst meth="repeat">
+      <a:schemeClr val="accent5"/>
+    </dgm:fillClrLst>
+    <dgm:linClrLst meth="repeat">
+      <a:schemeClr val="lt1"/>
+    </dgm:linClrLst>
+    <dgm:effectClrLst/>
+    <dgm:txLinClrLst/>
+    <dgm:txFillClrLst/>
+    <dgm:txEffectClrLst/>
+  </dgm:styleLbl>
+  <dgm:styleLbl name="alignNode1">
+    <dgm:fillClrLst meth="repeat">
+      <a:schemeClr val="accent5"/>
+    </dgm:fillClrLst>
+    <dgm:linClrLst meth="repeat">
+      <a:schemeClr val="accent5"/>
+    </dgm:linClrLst>
+    <dgm:effectClrLst/>
+    <dgm:txLinClrLst/>
+    <dgm:txFillClrLst/>
+    <dgm:txEffectClrLst/>
+  </dgm:styleLbl>
+  <dgm:styleLbl name="lnNode1">
+    <dgm:fillClrLst meth="repeat">
+      <a:schemeClr val="accent5"/>
+    </dgm:fillClrLst>
+    <dgm:linClrLst meth="repeat">
+      <a:schemeClr val="lt1"/>
+    </dgm:linClrLst>
+    <dgm:effectClrLst/>
+    <dgm:txLinClrLst/>
+    <dgm:txFillClrLst/>
+    <dgm:txEffectClrLst/>
+  </dgm:styleLbl>
+  <dgm:styleLbl name="vennNode1">
+    <dgm:fillClrLst meth="repeat">
+      <a:schemeClr val="accent5">
+        <a:alpha val="50000"/>
+      </a:schemeClr>
+    </dgm:fillClrLst>
+    <dgm:linClrLst meth="repeat">
+      <a:schemeClr val="lt1"/>
+    </dgm:linClrLst>
+    <dgm:effectClrLst/>
+    <dgm:txLinClrLst/>
+    <dgm:txFillClrLst/>
+    <dgm:txEffectClrLst/>
+  </dgm:styleLbl>
+  <dgm:styleLbl name="node2">
+    <dgm:fillClrLst meth="repeat">
+      <a:schemeClr val="accent5"/>
+    </dgm:fillClrLst>
+    <dgm:linClrLst meth="repeat">
+      <a:schemeClr val="lt1"/>
+    </dgm:linClrLst>
+    <dgm:effectClrLst/>
+    <dgm:txLinClrLst/>
+    <dgm:txFillClrLst/>
+    <dgm:txEffectClrLst/>
+  </dgm:styleLbl>
+  <dgm:styleLbl name="node3">
+    <dgm:fillClrLst meth="repeat">
+      <a:schemeClr val="accent5"/>
+    </dgm:fillClrLst>
+    <dgm:linClrLst meth="repeat">
+      <a:schemeClr val="lt1"/>
+    </dgm:linClrLst>
+    <dgm:effectClrLst/>
+    <dgm:txLinClrLst/>
+    <dgm:txFillClrLst/>
+    <dgm:txEffectClrLst/>
+  </dgm:styleLbl>
+  <dgm:styleLbl name="node4">
+    <dgm:fillClrLst meth="repeat">
+      <a:schemeClr val="accent5"/>
+    </dgm:fillClrLst>
+    <dgm:linClrLst meth="repeat">
+      <a:schemeClr val="lt1"/>
+    </dgm:linClrLst>
+    <dgm:effectClrLst/>
+    <dgm:txLinClrLst/>
+    <dgm:txFillClrLst/>
+    <dgm:txEffectClrLst/>
+  </dgm:styleLbl>
+  <dgm:styleLbl name="fgImgPlace1">
+    <dgm:fillClrLst meth="repeat">
+      <a:schemeClr val="accent5">
+        <a:tint val="50000"/>
+      </a:schemeClr>
+    </dgm:fillClrLst>
+    <dgm:linClrLst meth="repeat">
+      <a:schemeClr val="lt1"/>
+    </dgm:linClrLst>
+    <dgm:effectClrLst/>
+    <dgm:txLinClrLst/>
+    <dgm:txFillClrLst meth="repeat">
+      <a:schemeClr val="lt1"/>
+    </dgm:txFillClrLst>
+    <dgm:txEffectClrLst/>
+  </dgm:styleLbl>
+  <dgm:styleLbl name="alignImgPlace1">
+    <dgm:fillClrLst meth="repeat">
+      <a:schemeClr val="accent5">
+        <a:tint val="50000"/>
+      </a:schemeClr>
+    </dgm:fillClrLst>
+    <dgm:linClrLst meth="repeat">
+      <a:schemeClr val="lt1"/>
+    </dgm:linClrLst>
+    <dgm:effectClrLst/>
+    <dgm:txLinClrLst/>
+    <dgm:txFillClrLst meth="repeat">
+      <a:schemeClr val="lt1"/>
+    </dgm:txFillClrLst>
+    <dgm:txEffectClrLst/>
+  </dgm:styleLbl>
+  <dgm:styleLbl name="bgImgPlace1">
+    <dgm:fillClrLst meth="repeat">
+      <a:schemeClr val="accent5">
+        <a:tint val="50000"/>
+      </a:schemeClr>
+    </dgm:fillClrLst>
+    <dgm:linClrLst meth="repeat">
+      <a:schemeClr val="lt1"/>
+    </dgm:linClrLst>
+    <dgm:effectClrLst/>
+    <dgm:txLinClrLst/>
+    <dgm:txFillClrLst meth="repeat">
+      <a:schemeClr val="lt1"/>
+    </dgm:txFillClrLst>
+    <dgm:txEffectClrLst/>
+  </dgm:styleLbl>
+  <dgm:styleLbl name="sibTrans2D1">
+    <dgm:fillClrLst meth="repeat">
+      <a:schemeClr val="accent5">
+        <a:tint val="60000"/>
+      </a:schemeClr>
+    </dgm:fillClrLst>
+    <dgm:linClrLst meth="repeat">
+      <a:schemeClr val="accent5">
+        <a:tint val="60000"/>
+      </a:schemeClr>
+    </dgm:linClrLst>
+    <dgm:effectClrLst/>
+    <dgm:txLinClrLst/>
+    <dgm:txFillClrLst/>
+    <dgm:txEffectClrLst/>
+  </dgm:styleLbl>
+  <dgm:styleLbl name="fgSibTrans2D1">
+    <dgm:fillClrLst meth="repeat">
+      <a:schemeClr val="accent5">
+        <a:tint val="60000"/>
+      </a:schemeClr>
+    </dgm:fillClrLst>
+    <dgm:linClrLst meth="repeat">
+      <a:schemeClr val="accent5">
+        <a:tint val="60000"/>
+      </a:schemeClr>
+    </dgm:linClrLst>
+    <dgm:effectClrLst/>
+    <dgm:txLinClrLst/>
+    <dgm:txFillClrLst/>
+    <dgm:txEffectClrLst/>
+  </dgm:styleLbl>
+  <dgm:styleLbl name="bgSibTrans2D1">
+    <dgm:fillClrLst meth="repeat">
+      <a:schemeClr val="accent5">
+        <a:tint val="60000"/>
+      </a:schemeClr>
+    </dgm:fillClrLst>
+    <dgm:linClrLst meth="repeat">
+      <a:schemeClr val="accent5">
+        <a:tint val="60000"/>
+      </a:schemeClr>
+    </dgm:linClrLst>
+    <dgm:effectClrLst/>
+    <dgm:txLinClrLst/>
+    <dgm:txFillClrLst/>
+    <dgm:txEffectClrLst/>
+  </dgm:styleLbl>
+  <dgm:styleLbl name="sibTrans1D1">
+    <dgm:fillClrLst meth="repeat">
+      <a:schemeClr val="accent5"/>
+    </dgm:fillClrLst>
+    <dgm:linClrLst meth="repeat">
+      <a:schemeClr val="accent5"/>
+    </dgm:linClrLst>
+    <dgm:effectClrLst/>
+    <dgm:txLinClrLst/>
+    <dgm:txFillClrLst meth="repeat">
+      <a:schemeClr val="tx1"/>
+    </dgm:txFillClrLst>
+    <dgm:txEffectClrLst/>
+  </dgm:styleLbl>
+  <dgm:styleLbl name="callout">
+    <dgm:fillClrLst meth="repeat">
+      <a:schemeClr val="accent5"/>
+    </dgm:fillClrLst>
+    <dgm:linClrLst meth="repeat">
+      <a:schemeClr val="accent5">
+        <a:tint val="50000"/>
+      </a:schemeClr>
+    </dgm:linClrLst>
+    <dgm:effectClrLst/>
+    <dgm:txLinClrLst/>
+    <dgm:txFillClrLst meth="repeat">
+      <a:schemeClr val="tx1"/>
+    </dgm:txFillClrLst>
+    <dgm:txEffectClrLst/>
+  </dgm:styleLbl>
+  <dgm:styleLbl name="asst0">
+    <dgm:fillClrLst meth="repeat">
+      <a:schemeClr val="accent5"/>
+    </dgm:fillClrLst>
+    <dgm:linClrLst meth="repeat">
+      <a:schemeClr val="lt1"/>
+    </dgm:linClrLst>
+    <dgm:effectClrLst/>
+    <dgm:txLinClrLst/>
+    <dgm:txFillClrLst/>
+    <dgm:txEffectClrLst/>
+  </dgm:styleLbl>
+  <dgm:styleLbl name="asst1">
+    <dgm:fillClrLst meth="repeat">
+      <a:schemeClr val="accent5"/>
+    </dgm:fillClrLst>
+    <dgm:linClrLst meth="repeat">
+      <a:schemeClr val="lt1"/>
+    </dgm:linClrLst>
+    <dgm:effectClrLst/>
+    <dgm:txLinClrLst/>
+    <dgm:txFillClrLst/>
+    <dgm:txEffectClrLst/>
+  </dgm:styleLbl>
+  <dgm:styleLbl name="asst2">
+    <dgm:fillClrLst meth="repeat">
+      <a:schemeClr val="accent5"/>
+    </dgm:fillClrLst>
+    <dgm:linClrLst meth="repeat">
+      <a:schemeClr val="lt1"/>
+    </dgm:linClrLst>
+    <dgm:effectClrLst/>
+    <dgm:txLinClrLst/>
+    <dgm:txFillClrLst/>
+    <dgm:txEffectClrLst/>
+  </dgm:styleLbl>
+  <dgm:styleLbl name="asst3">
+    <dgm:fillClrLst meth="repeat">
+      <a:schemeClr val="accent5"/>
+    </dgm:fillClrLst>
+    <dgm:linClrLst meth="repeat">
+      <a:schemeClr val="lt1"/>
+    </dgm:linClrLst>
+    <dgm:effectClrLst/>
+    <dgm:txLinClrLst/>
+    <dgm:txFillClrLst/>
+    <dgm:txEffectClrLst/>
+  </dgm:styleLbl>
+  <dgm:styleLbl name="asst4">
+    <dgm:fillClrLst meth="repeat">
+      <a:schemeClr val="accent5"/>
+    </dgm:fillClrLst>
+    <dgm:linClrLst meth="repeat">
+      <a:schemeClr val="lt1"/>
+    </dgm:linClrLst>
+    <dgm:effectClrLst/>
+    <dgm:txLinClrLst/>
+    <dgm:txFillClrLst/>
+    <dgm:txEffectClrLst/>
+  </dgm:styleLbl>
+  <dgm:styleLbl name="parChTrans2D1">
+    <dgm:fillClrLst meth="repeat">
+      <a:schemeClr val="accent5">
+        <a:tint val="60000"/>
+      </a:schemeClr>
+    </dgm:fillClrLst>
+    <dgm:linClrLst meth="repeat">
+      <a:schemeClr val="accent5">
+        <a:tint val="60000"/>
+      </a:schemeClr>
+    </dgm:linClrLst>
+    <dgm:effectClrLst/>
+    <dgm:txLinClrLst/>
+    <dgm:txFillClrLst meth="repeat">
+      <a:schemeClr val="lt1"/>
+    </dgm:txFillClrLst>
+    <dgm:txEffectClrLst/>
+  </dgm:styleLbl>
+  <dgm:styleLbl name="parChTrans2D2">
+    <dgm:fillClrLst meth="repeat">
+      <a:schemeClr val="accent5"/>
+    </dgm:fillClrLst>
+    <dgm:linClrLst meth="repeat">
+      <a:schemeClr val="accent5"/>
+    </dgm:linClrLst>
+    <dgm:effectClrLst/>
+    <dgm:txLinClrLst/>
+    <dgm:txFillClrLst meth="repeat">
+      <a:schemeClr val="lt1"/>
+    </dgm:txFillClrLst>
+    <dgm:txEffectClrLst/>
+  </dgm:styleLbl>
+  <dgm:styleLbl name="parChTrans2D3">
+    <dgm:fillClrLst meth="repeat">
+      <a:schemeClr val="accent5"/>
+    </dgm:fillClrLst>
+    <dgm:linClrLst meth="repeat">
+      <a:schemeClr val="accent5"/>
+    </dgm:linClrLst>
+    <dgm:effectClrLst/>
+    <dgm:txLinClrLst/>
+    <dgm:txFillClrLst meth="repeat">
+      <a:schemeClr val="lt1"/>
+    </dgm:txFillClrLst>
+    <dgm:txEffectClrLst/>
+  </dgm:styleLbl>
+  <dgm:styleLbl name="parChTrans2D4">
+    <dgm:fillClrLst meth="repeat">
+      <a:schemeClr val="accent5"/>
+    </dgm:fillClrLst>
+    <dgm:linClrLst meth="repeat">
+      <a:schemeClr val="accent5"/>
+    </dgm:linClrLst>
+    <dgm:effectClrLst/>
+    <dgm:txLinClrLst/>
+    <dgm:txFillClrLst meth="repeat">
+      <a:schemeClr val="lt1"/>
+    </dgm:txFillClrLst>
+    <dgm:txEffectClrLst/>
+  </dgm:styleLbl>
+  <dgm:styleLbl name="parChTrans1D1">
+    <dgm:fillClrLst meth="repeat">
+      <a:schemeClr val="accent5"/>
+    </dgm:fillClrLst>
+    <dgm:linClrLst meth="repeat">
+      <a:schemeClr val="accent5">
+        <a:shade val="60000"/>
+      </a:schemeClr>
+    </dgm:linClrLst>
+    <dgm:effectClrLst/>
+    <dgm:txLinClrLst/>
+    <dgm:txFillClrLst meth="repeat">
+      <a:schemeClr val="tx1"/>
+    </dgm:txFillClrLst>
+    <dgm:txEffectClrLst/>
+  </dgm:styleLbl>
+  <dgm:styleLbl name="parChTrans1D2">
+    <dgm:fillClrLst meth="repeat">
+      <a:schemeClr val="accent5"/>
+    </dgm:fillClrLst>
+    <dgm:linClrLst meth="repeat">
+      <a:schemeClr val="accent5">
+        <a:shade val="60000"/>
+      </a:schemeClr>
+    </dgm:linClrLst>
+    <dgm:effectClrLst/>
+    <dgm:txLinClrLst/>
+    <dgm:txFillClrLst meth="repeat">
+      <a:schemeClr val="tx1"/>
+    </dgm:txFillClrLst>
+    <dgm:txEffectClrLst/>
+  </dgm:styleLbl>
+  <dgm:styleLbl name="parChTrans1D3">
+    <dgm:fillClrLst meth="repeat">
+      <a:schemeClr val="accent5"/>
+    </dgm:fillClrLst>
+    <dgm:linClrLst meth="repeat">
+      <a:schemeClr val="accent5">
+        <a:shade val="80000"/>
+      </a:schemeClr>
+    </dgm:linClrLst>
+    <dgm:effectClrLst/>
+    <dgm:txLinClrLst/>
+    <dgm:txFillClrLst meth="repeat">
+      <a:schemeClr val="tx1"/>
+    </dgm:txFillClrLst>
+    <dgm:txEffectClrLst/>
+  </dgm:styleLbl>
+  <dgm:styleLbl name="parChTrans1D4">
+    <dgm:fillClrLst meth="repeat">
+      <a:schemeClr val="accent5"/>
+    </dgm:fillClrLst>
+    <dgm:linClrLst meth="repeat">
+      <a:schemeClr val="accent5">
+        <a:shade val="80000"/>
+      </a:schemeClr>
+    </dgm:linClrLst>
+    <dgm:effectClrLst/>
+    <dgm:txLinClrLst/>
+    <dgm:txFillClrLst meth="repeat">
+      <a:schemeClr val="tx1"/>
+    </dgm:txFillClrLst>
+    <dgm:txEffectClrLst/>
+  </dgm:styleLbl>
+  <dgm:styleLbl name="fgAcc1">
+    <dgm:fillClrLst meth="repeat">
+      <a:schemeClr val="lt1">
+        <a:alpha val="90000"/>
+      </a:schemeClr>
+    </dgm:fillClrLst>
+    <dgm:linClrLst meth="repeat">
+      <a:schemeClr val="accent5"/>
+    </dgm:linClrLst>
+    <dgm:effectClrLst/>
+    <dgm:txLinClrLst/>
+    <dgm:txFillClrLst meth="repeat">
+      <a:schemeClr val="dk1"/>
+    </dgm:txFillClrLst>
+    <dgm:txEffectClrLst/>
+  </dgm:styleLbl>
+  <dgm:styleLbl name="conFgAcc1">
+    <dgm:fillClrLst meth="repeat">
+      <a:schemeClr val="lt1">
+        <a:alpha val="90000"/>
+      </a:schemeClr>
+    </dgm:fillClrLst>
+    <dgm:linClrLst meth="repeat">
+      <a:schemeClr val="accent5"/>
+    </dgm:linClrLst>
+    <dgm:effectClrLst/>
+    <dgm:txLinClrLst/>
+    <dgm:txFillClrLst meth="repeat">
+      <a:schemeClr val="dk1"/>
+    </dgm:txFillClrLst>
+    <dgm:txEffectClrLst/>
+  </dgm:styleLbl>
+  <dgm:styleLbl name="alignAcc1">
+    <dgm:fillClrLst meth="repeat">
+      <a:schemeClr val="lt1">
+        <a:alpha val="90000"/>
+      </a:schemeClr>
+    </dgm:fillClrLst>
+    <dgm:linClrLst meth="repeat">
+      <a:schemeClr val="accent5"/>
+    </dgm:linClrLst>
+    <dgm:effectClrLst/>
+    <dgm:txLinClrLst/>
+    <dgm:txFillClrLst meth="repeat">
+      <a:schemeClr val="dk1"/>
+    </dgm:txFillClrLst>
+    <dgm:txEffectClrLst/>
+  </dgm:styleLbl>
+  <dgm:styleLbl name="trAlignAcc1">
+    <dgm:fillClrLst meth="repeat">
+      <a:schemeClr val="lt1">
+        <a:alpha val="40000"/>
+      </a:schemeClr>
+    </dgm:fillClrLst>
+    <dgm:linClrLst meth="repeat">
+      <a:schemeClr val="accent5"/>
+    </dgm:linClrLst>
+    <dgm:effectClrLst/>
+    <dgm:txLinClrLst/>
+    <dgm:txFillClrLst meth="repeat">
+      <a:schemeClr val="dk1"/>
+    </dgm:txFillClrLst>
+    <dgm:txEffectClrLst/>
+  </dgm:styleLbl>
+  <dgm:styleLbl name="bgAcc1">
+    <dgm:fillClrLst meth="repeat">
+      <a:schemeClr val="lt1">
+        <a:alpha val="90000"/>
+      </a:schemeClr>
+    </dgm:fillClrLst>
+    <dgm:linClrLst meth="repeat">
+      <a:schemeClr val="accent5"/>
+    </dgm:linClrLst>
+    <dgm:effectClrLst/>
+    <dgm:txLinClrLst/>
+    <dgm:txFillClrLst meth="repeat">
+      <a:schemeClr val="dk1"/>
+    </dgm:txFillClrLst>
+    <dgm:txEffectClrLst/>
+  </dgm:styleLbl>
+  <dgm:styleLbl name="solidFgAcc1">
+    <dgm:fillClrLst meth="repeat">
+      <a:schemeClr val="lt1"/>
+    </dgm:fillClrLst>
+    <dgm:linClrLst meth="repeat">
+      <a:schemeClr val="accent5"/>
+    </dgm:linClrLst>
+    <dgm:effectClrLst/>
+    <dgm:txLinClrLst/>
+    <dgm:txFillClrLst meth="repeat">
+      <a:schemeClr val="dk1"/>
+    </dgm:txFillClrLst>
+    <dgm:txEffectClrLst/>
+  </dgm:styleLbl>
+  <dgm:styleLbl name="solidAlignAcc1">
+    <dgm:fillClrLst meth="repeat">
+      <a:schemeClr val="lt1"/>
+    </dgm:fillClrLst>
+    <dgm:linClrLst meth="repeat">
+      <a:schemeClr val="accent5"/>
+    </dgm:linClrLst>
+    <dgm:effectClrLst/>
+    <dgm:txLinClrLst/>
+    <dgm:txFillClrLst meth="repeat">
+      <a:schemeClr val="dk1"/>
+    </dgm:txFillClrLst>
+    <dgm:txEffectClrLst/>
+  </dgm:styleLbl>
+  <dgm:styleLbl name="solidBgAcc1">
+    <dgm:fillClrLst meth="repeat">
+      <a:schemeClr val="lt1"/>
+    </dgm:fillClrLst>
+    <dgm:linClrLst meth="repeat">
+      <a:schemeClr val="accent5"/>
+    </dgm:linClrLst>
+    <dgm:effectClrLst/>
+    <dgm:txLinClrLst/>
+    <dgm:txFillClrLst meth="repeat">
+      <a:schemeClr val="dk1"/>
+    </dgm:txFillClrLst>
+    <dgm:txEffectClrLst/>
+  </dgm:styleLbl>
+  <dgm:styleLbl name="fgAccFollowNode1">
+    <dgm:fillClrLst meth="repeat">
+      <a:schemeClr val="accent5">
+        <a:alpha val="90000"/>
+        <a:tint val="40000"/>
+      </a:schemeClr>
+    </dgm:fillClrLst>
+    <dgm:linClrLst meth="repeat">
+      <a:schemeClr val="accent5">
+        <a:alpha val="90000"/>
+        <a:tint val="40000"/>
+      </a:schemeClr>
+    </dgm:linClrLst>
+    <dgm:effectClrLst/>
+    <dgm:txLinClrLst/>
+    <dgm:txFillClrLst meth="repeat">
+      <a:schemeClr val="dk1"/>
+    </dgm:txFillClrLst>
+    <dgm:txEffectClrLst/>
+  </dgm:styleLbl>
+  <dgm:styleLbl name="alignAccFollowNode1">
+    <dgm:fillClrLst meth="repeat">
+      <a:schemeClr val="accent5">
+        <a:alpha val="90000"/>
+        <a:tint val="40000"/>
+      </a:schemeClr>
+    </dgm:fillClrLst>
+    <dgm:linClrLst meth="repeat">
+      <a:schemeClr val="accent5">
+        <a:alpha val="90000"/>
+        <a:tint val="40000"/>
+      </a:schemeClr>
+    </dgm:linClrLst>
+    <dgm:effectClrLst/>
+    <dgm:txLinClrLst/>
+    <dgm:txFillClrLst meth="repeat">
+      <a:schemeClr val="dk1"/>
+    </dgm:txFillClrLst>
+    <dgm:txEffectClrLst/>
+  </dgm:styleLbl>
+  <dgm:styleLbl name="bgAccFollowNode1">
+    <dgm:fillClrLst meth="repeat">
+      <a:schemeClr val="accent5">
+        <a:alpha val="90000"/>
+        <a:tint val="40000"/>
+      </a:schemeClr>
+    </dgm:fillClrLst>
+    <dgm:linClrLst meth="repeat">
+      <a:schemeClr val="accent5">
+        <a:alpha val="90000"/>
+        <a:tint val="40000"/>
+      </a:schemeClr>
+    </dgm:linClrLst>
+    <dgm:effectClrLst/>
+    <dgm:txLinClrLst/>
+    <dgm:txFillClrLst meth="repeat">
+      <a:schemeClr val="dk1"/>
+    </dgm:txFillClrLst>
+    <dgm:txEffectClrLst/>
+  </dgm:styleLbl>
+  <dgm:styleLbl name="fgAcc0">
+    <dgm:fillClrLst meth="repeat">
+      <a:schemeClr val="lt1">
+        <a:alpha val="90000"/>
+      </a:schemeClr>
+    </dgm:fillClrLst>
+    <dgm:linClrLst meth="repeat">
+      <a:schemeClr val="accent5"/>
+    </dgm:linClrLst>
+    <dgm:effectClrLst/>
+    <dgm:txLinClrLst/>
+    <dgm:txFillClrLst meth="repeat">
+      <a:schemeClr val="dk1"/>
+    </dgm:txFillClrLst>
+    <dgm:txEffectClrLst/>
+  </dgm:styleLbl>
+  <dgm:styleLbl name="fgAcc2">
+    <dgm:fillClrLst meth="repeat">
+      <a:schemeClr val="lt1">
+        <a:alpha val="90000"/>
+      </a:schemeClr>
+    </dgm:fillClrLst>
+    <dgm:linClrLst meth="repeat">
+      <a:schemeClr val="accent5"/>
+    </dgm:linClrLst>
+    <dgm:effectClrLst/>
+    <dgm:txLinClrLst/>
+    <dgm:txFillClrLst meth="repeat">
+      <a:schemeClr val="dk1"/>
+    </dgm:txFillClrLst>
+    <dgm:txEffectClrLst/>
+  </dgm:styleLbl>
+  <dgm:styleLbl name="fgAcc3">
+    <dgm:fillClrLst meth="repeat">
+      <a:schemeClr val="lt1">
+        <a:alpha val="90000"/>
+      </a:schemeClr>
+    </dgm:fillClrLst>
+    <dgm:linClrLst meth="repeat">
+      <a:schemeClr val="accent5"/>
+    </dgm:linClrLst>
+    <dgm:effectClrLst/>
+    <dgm:txLinClrLst/>
+    <dgm:txFillClrLst meth="repeat">
+      <a:schemeClr val="dk1"/>
+    </dgm:txFillClrLst>
+    <dgm:txEffectClrLst/>
+  </dgm:styleLbl>
+  <dgm:styleLbl name="fgAcc4">
+    <dgm:fillClrLst meth="repeat">
+      <a:schemeClr val="lt1">
+        <a:alpha val="90000"/>
+      </a:schemeClr>
+    </dgm:fillClrLst>
+    <dgm:linClrLst meth="repeat">
+      <a:schemeClr val="accent5"/>
+    </dgm:linClrLst>
+    <dgm:effectClrLst/>
+    <dgm:txLinClrLst/>
+    <dgm:txFillClrLst meth="repeat">
+      <a:schemeClr val="dk1"/>
+    </dgm:txFillClrLst>
+    <dgm:txEffectClrLst/>
+  </dgm:styleLbl>
+  <dgm:styleLbl name="bgShp">
+    <dgm:fillClrLst meth="repeat">
+      <a:schemeClr val="accent5">
+        <a:tint val="40000"/>
+      </a:schemeClr>
+    </dgm:fillClrLst>
+    <dgm:linClrLst meth="repeat">
+      <a:schemeClr val="accent5"/>
+    </dgm:linClrLst>
+    <dgm:effectClrLst/>
+    <dgm:txLinClrLst/>
+    <dgm:txFillClrLst meth="repeat">
+      <a:schemeClr val="dk1"/>
+    </dgm:txFillClrLst>
+    <dgm:txEffectClrLst/>
+  </dgm:styleLbl>
+  <dgm:styleLbl name="dkBgShp">
+    <dgm:fillClrLst meth="repeat">
+      <a:schemeClr val="accent5">
+        <a:shade val="80000"/>
+      </a:schemeClr>
+    </dgm:fillClrLst>
+    <dgm:linClrLst meth="repeat">
+      <a:schemeClr val="accent5"/>
+    </dgm:linClrLst>
+    <dgm:effectClrLst/>
+    <dgm:txLinClrLst/>
+    <dgm:txFillClrLst meth="repeat">
+      <a:schemeClr val="lt1"/>
+    </dgm:txFillClrLst>
+    <dgm:txEffectClrLst/>
+  </dgm:styleLbl>
+  <dgm:styleLbl name="trBgShp">
+    <dgm:fillClrLst meth="repeat">
+      <a:schemeClr val="accent5">
+        <a:tint val="50000"/>
+        <a:alpha val="40000"/>
+      </a:schemeClr>
+    </dgm:fillClrLst>
+    <dgm:linClrLst meth="repeat">
+      <a:schemeClr val="accent5"/>
+    </dgm:linClrLst>
+    <dgm:effectClrLst/>
+    <dgm:txLinClrLst/>
+    <dgm:txFillClrLst meth="repeat">
+      <a:schemeClr val="lt1"/>
+    </dgm:txFillClrLst>
+    <dgm:txEffectClrLst/>
+  </dgm:styleLbl>
+  <dgm:styleLbl name="fgShp">
+    <dgm:fillClrLst meth="repeat">
+      <a:schemeClr val="accent5">
+        <a:tint val="60000"/>
+      </a:schemeClr>
+    </dgm:fillClrLst>
+    <dgm:linClrLst meth="repeat">
+      <a:schemeClr val="lt1"/>
+    </dgm:linClrLst>
+    <dgm:effectClrLst/>
+    <dgm:txLinClrLst/>
+    <dgm:txFillClrLst meth="repeat">
+      <a:schemeClr val="dk1"/>
+    </dgm:txFillClrLst>
+    <dgm:txEffectClrLst/>
+  </dgm:styleLbl>
+  <dgm:styleLbl name="revTx">
+    <dgm:fillClrLst meth="repeat">
+      <a:schemeClr val="lt1">
+        <a:alpha val="0"/>
+      </a:schemeClr>
+    </dgm:fillClrLst>
+    <dgm:linClrLst meth="repeat">
+      <a:schemeClr val="dk1">
+        <a:alpha val="0"/>
+      </a:schemeClr>
+    </dgm:linClrLst>
+    <dgm:effectClrLst/>
+    <dgm:txLinClrLst/>
+    <dgm:txFillClrLst meth="repeat">
+      <a:schemeClr val="tx1"/>
+    </dgm:txFillClrLst>
+    <dgm:txEffectClrLst/>
+  </dgm:styleLbl>
+</dgm:colorsDef>
+</file>
+
+<file path=ppt/diagrams/data1.xml><?xml version="1.0" encoding="utf-8"?>
+<dgm:dataModel xmlns:dgm="http://schemas.openxmlformats.org/drawingml/2006/diagram" xmlns:a="http://schemas.openxmlformats.org/drawingml/2006/main">
+  <dgm:ptLst>
+    <dgm:pt modelId="{A08AFF26-4600-4BA8-8D58-BCF13E651FD4}" type="doc">
+      <dgm:prSet loTypeId="urn:microsoft.com/office/officeart/2005/8/layout/arrow3" loCatId="relationship" qsTypeId="urn:microsoft.com/office/officeart/2005/8/quickstyle/simple1" qsCatId="simple" csTypeId="urn:microsoft.com/office/officeart/2005/8/colors/accent5_2" csCatId="accent5" phldr="1"/>
+      <dgm:spPr/>
+      <dgm:t>
+        <a:bodyPr/>
+        <a:lstStyle/>
+        <a:p>
+          <a:endParaRPr lang="zh-CN" altLang="en-US"/>
+        </a:p>
+      </dgm:t>
+    </dgm:pt>
+    <dgm:pt modelId="{7A575F39-EB57-4FC1-B67D-05531B47A68B}">
+      <dgm:prSet phldrT="[文本]" custT="1"/>
+      <dgm:spPr/>
+      <dgm:t>
+        <a:bodyPr/>
+        <a:lstStyle/>
+        <a:p>
+          <a:r>
+            <a:rPr lang="zh-CN" altLang="en-US" sz="1800" dirty="0">
+              <a:latin typeface="华文行楷" panose="02010800040101010101" pitchFamily="2" charset="-122"/>
+              <a:ea typeface="华文行楷" panose="02010800040101010101" pitchFamily="2" charset="-122"/>
+            </a:rPr>
+            <a:t>正反馈回路</a:t>
+          </a:r>
+        </a:p>
+      </dgm:t>
+    </dgm:pt>
+    <dgm:pt modelId="{2867CEAF-009F-469A-BED0-482CEB2AA5F1}" type="parTrans" cxnId="{9BB463B2-664F-4FE5-BF4C-ACC7BD37B52D}">
+      <dgm:prSet/>
+      <dgm:spPr/>
+      <dgm:t>
+        <a:bodyPr/>
+        <a:lstStyle/>
+        <a:p>
+          <a:endParaRPr lang="zh-CN" altLang="en-US"/>
+        </a:p>
+      </dgm:t>
+    </dgm:pt>
+    <dgm:pt modelId="{1893DF59-5F04-4616-A449-FC08D8921E60}" type="sibTrans" cxnId="{9BB463B2-664F-4FE5-BF4C-ACC7BD37B52D}">
+      <dgm:prSet/>
+      <dgm:spPr/>
+      <dgm:t>
+        <a:bodyPr/>
+        <a:lstStyle/>
+        <a:p>
+          <a:endParaRPr lang="zh-CN" altLang="en-US"/>
+        </a:p>
+      </dgm:t>
+    </dgm:pt>
+    <dgm:pt modelId="{08BA976D-B62B-4CB1-B6C3-9452FCB0972C}">
+      <dgm:prSet phldrT="[文本]" custT="1"/>
+      <dgm:spPr/>
+      <dgm:t>
+        <a:bodyPr/>
+        <a:lstStyle/>
+        <a:p>
+          <a:r>
+            <a:rPr lang="zh-CN" altLang="en-US" sz="1800" dirty="0">
+              <a:latin typeface="华文行楷" panose="02010800040101010101" pitchFamily="2" charset="-122"/>
+              <a:ea typeface="华文行楷" panose="02010800040101010101" pitchFamily="2" charset="-122"/>
+            </a:rPr>
+            <a:t>负反馈回路</a:t>
+          </a:r>
+        </a:p>
+      </dgm:t>
+    </dgm:pt>
+    <dgm:pt modelId="{AFBE87E7-69B8-4C2C-BEA1-65DAE70DB0FE}" type="parTrans" cxnId="{F6402EED-4777-4D2D-9474-545533D84207}">
+      <dgm:prSet/>
+      <dgm:spPr/>
+      <dgm:t>
+        <a:bodyPr/>
+        <a:lstStyle/>
+        <a:p>
+          <a:endParaRPr lang="zh-CN" altLang="en-US"/>
+        </a:p>
+      </dgm:t>
+    </dgm:pt>
+    <dgm:pt modelId="{55D827B9-6DC0-4A1B-8CE2-6A22F6D01BF9}" type="sibTrans" cxnId="{F6402EED-4777-4D2D-9474-545533D84207}">
+      <dgm:prSet/>
+      <dgm:spPr/>
+      <dgm:t>
+        <a:bodyPr/>
+        <a:lstStyle/>
+        <a:p>
+          <a:endParaRPr lang="zh-CN" altLang="en-US"/>
+        </a:p>
+      </dgm:t>
+    </dgm:pt>
+    <dgm:pt modelId="{A72B058A-8504-47A2-A9A6-3DB3F5046B43}" type="pres">
+      <dgm:prSet presAssocID="{A08AFF26-4600-4BA8-8D58-BCF13E651FD4}" presName="compositeShape" presStyleCnt="0">
+        <dgm:presLayoutVars>
+          <dgm:chMax val="2"/>
+          <dgm:dir/>
+          <dgm:resizeHandles val="exact"/>
+        </dgm:presLayoutVars>
+      </dgm:prSet>
+      <dgm:spPr/>
+    </dgm:pt>
+    <dgm:pt modelId="{FC5B00AA-8297-45DB-A9CE-D7010DDFFBC2}" type="pres">
+      <dgm:prSet presAssocID="{A08AFF26-4600-4BA8-8D58-BCF13E651FD4}" presName="divider" presStyleLbl="fgShp" presStyleIdx="0" presStyleCnt="1"/>
+      <dgm:spPr>
+        <a:solidFill>
+          <a:srgbClr val="7030A0"/>
+        </a:solidFill>
+      </dgm:spPr>
+    </dgm:pt>
+    <dgm:pt modelId="{96685DDE-D6B0-452F-BF53-5176FB6AA6E2}" type="pres">
+      <dgm:prSet presAssocID="{7A575F39-EB57-4FC1-B67D-05531B47A68B}" presName="downArrow" presStyleLbl="node1" presStyleIdx="0" presStyleCnt="2"/>
+      <dgm:spPr/>
+    </dgm:pt>
+    <dgm:pt modelId="{009DC60F-73BF-41AB-8CE5-BCDB50B5107D}" type="pres">
+      <dgm:prSet presAssocID="{7A575F39-EB57-4FC1-B67D-05531B47A68B}" presName="downArrowText" presStyleLbl="revTx" presStyleIdx="0" presStyleCnt="2">
+        <dgm:presLayoutVars>
+          <dgm:bulletEnabled val="1"/>
+        </dgm:presLayoutVars>
+      </dgm:prSet>
+      <dgm:spPr/>
+    </dgm:pt>
+    <dgm:pt modelId="{21D82551-F3BA-44CD-970E-86845BACF258}" type="pres">
+      <dgm:prSet presAssocID="{08BA976D-B62B-4CB1-B6C3-9452FCB0972C}" presName="upArrow" presStyleLbl="node1" presStyleIdx="1" presStyleCnt="2"/>
+      <dgm:spPr/>
+    </dgm:pt>
+    <dgm:pt modelId="{15578B2B-E1B5-42E9-9F18-0D53A2611240}" type="pres">
+      <dgm:prSet presAssocID="{08BA976D-B62B-4CB1-B6C3-9452FCB0972C}" presName="upArrowText" presStyleLbl="revTx" presStyleIdx="1" presStyleCnt="2">
+        <dgm:presLayoutVars>
+          <dgm:bulletEnabled val="1"/>
+        </dgm:presLayoutVars>
+      </dgm:prSet>
+      <dgm:spPr/>
+    </dgm:pt>
+  </dgm:ptLst>
+  <dgm:cxnLst>
+    <dgm:cxn modelId="{937DF62B-E7E0-4E52-AB93-12F401F88001}" type="presOf" srcId="{A08AFF26-4600-4BA8-8D58-BCF13E651FD4}" destId="{A72B058A-8504-47A2-A9A6-3DB3F5046B43}" srcOrd="0" destOrd="0" presId="urn:microsoft.com/office/officeart/2005/8/layout/arrow3"/>
+    <dgm:cxn modelId="{67370737-60FB-4427-A9F7-123A23E7021C}" type="presOf" srcId="{7A575F39-EB57-4FC1-B67D-05531B47A68B}" destId="{009DC60F-73BF-41AB-8CE5-BCDB50B5107D}" srcOrd="0" destOrd="0" presId="urn:microsoft.com/office/officeart/2005/8/layout/arrow3"/>
+    <dgm:cxn modelId="{290C4E6B-60F4-41A1-A06C-FE5D445290A9}" type="presOf" srcId="{08BA976D-B62B-4CB1-B6C3-9452FCB0972C}" destId="{15578B2B-E1B5-42E9-9F18-0D53A2611240}" srcOrd="0" destOrd="0" presId="urn:microsoft.com/office/officeart/2005/8/layout/arrow3"/>
+    <dgm:cxn modelId="{9BB463B2-664F-4FE5-BF4C-ACC7BD37B52D}" srcId="{A08AFF26-4600-4BA8-8D58-BCF13E651FD4}" destId="{7A575F39-EB57-4FC1-B67D-05531B47A68B}" srcOrd="0" destOrd="0" parTransId="{2867CEAF-009F-469A-BED0-482CEB2AA5F1}" sibTransId="{1893DF59-5F04-4616-A449-FC08D8921E60}"/>
+    <dgm:cxn modelId="{F6402EED-4777-4D2D-9474-545533D84207}" srcId="{A08AFF26-4600-4BA8-8D58-BCF13E651FD4}" destId="{08BA976D-B62B-4CB1-B6C3-9452FCB0972C}" srcOrd="1" destOrd="0" parTransId="{AFBE87E7-69B8-4C2C-BEA1-65DAE70DB0FE}" sibTransId="{55D827B9-6DC0-4A1B-8CE2-6A22F6D01BF9}"/>
+    <dgm:cxn modelId="{A16D2F46-F20D-4877-B629-83417B608F57}" type="presParOf" srcId="{A72B058A-8504-47A2-A9A6-3DB3F5046B43}" destId="{FC5B00AA-8297-45DB-A9CE-D7010DDFFBC2}" srcOrd="0" destOrd="0" presId="urn:microsoft.com/office/officeart/2005/8/layout/arrow3"/>
+    <dgm:cxn modelId="{CF2763C0-FFB4-4C8B-A391-3E692E0304C7}" type="presParOf" srcId="{A72B058A-8504-47A2-A9A6-3DB3F5046B43}" destId="{96685DDE-D6B0-452F-BF53-5176FB6AA6E2}" srcOrd="1" destOrd="0" presId="urn:microsoft.com/office/officeart/2005/8/layout/arrow3"/>
+    <dgm:cxn modelId="{945BD927-3E48-4744-A8F7-153D16F72BF4}" type="presParOf" srcId="{A72B058A-8504-47A2-A9A6-3DB3F5046B43}" destId="{009DC60F-73BF-41AB-8CE5-BCDB50B5107D}" srcOrd="2" destOrd="0" presId="urn:microsoft.com/office/officeart/2005/8/layout/arrow3"/>
+    <dgm:cxn modelId="{22E486E2-D529-414E-8ED4-340F3D0DD7EF}" type="presParOf" srcId="{A72B058A-8504-47A2-A9A6-3DB3F5046B43}" destId="{21D82551-F3BA-44CD-970E-86845BACF258}" srcOrd="3" destOrd="0" presId="urn:microsoft.com/office/officeart/2005/8/layout/arrow3"/>
+    <dgm:cxn modelId="{5552B612-EBFB-4EBC-AA65-2156D74F7DDF}" type="presParOf" srcId="{A72B058A-8504-47A2-A9A6-3DB3F5046B43}" destId="{15578B2B-E1B5-42E9-9F18-0D53A2611240}" srcOrd="4" destOrd="0" presId="urn:microsoft.com/office/officeart/2005/8/layout/arrow3"/>
+  </dgm:cxnLst>
+  <dgm:bg/>
+  <dgm:whole/>
+  <dgm:extLst>
+    <a:ext uri="http://schemas.microsoft.com/office/drawing/2008/diagram">
+      <dsp:dataModelExt xmlns:dsp="http://schemas.microsoft.com/office/drawing/2008/diagram" relId="rId6" minVer="http://schemas.openxmlformats.org/drawingml/2006/diagram"/>
+    </a:ext>
+  </dgm:extLst>
+</dgm:dataModel>
+</file>
+
+<file path=ppt/diagrams/drawing1.xml><?xml version="1.0" encoding="utf-8"?>
+<dsp:drawing xmlns:dgm="http://schemas.openxmlformats.org/drawingml/2006/diagram" xmlns:dsp="http://schemas.microsoft.com/office/drawing/2008/diagram" xmlns:a="http://schemas.openxmlformats.org/drawingml/2006/main">
+  <dsp:spTree>
+    <dsp:nvGrpSpPr>
+      <dsp:cNvPr id="0" name=""/>
+      <dsp:cNvGrpSpPr/>
+    </dsp:nvGrpSpPr>
+    <dsp:grpSpPr/>
+    <dsp:sp modelId="{FC5B00AA-8297-45DB-A9CE-D7010DDFFBC2}">
+      <dsp:nvSpPr>
+        <dsp:cNvPr id="0" name=""/>
+        <dsp:cNvSpPr/>
+      </dsp:nvSpPr>
+      <dsp:spPr>
+        <a:xfrm rot="21300000">
+          <a:off x="640777" y="834495"/>
+          <a:ext cx="4791955" cy="419241"/>
+        </a:xfrm>
+        <a:prstGeom prst="mathMinus">
+          <a:avLst/>
+        </a:prstGeom>
+        <a:solidFill>
+          <a:srgbClr val="7030A0"/>
+        </a:solidFill>
+        <a:ln w="12700" cap="flat" cmpd="sng" algn="ctr">
+          <a:solidFill>
+            <a:schemeClr val="lt1">
+              <a:hueOff val="0"/>
+              <a:satOff val="0"/>
+              <a:lumOff val="0"/>
+              <a:alphaOff val="0"/>
+            </a:schemeClr>
+          </a:solidFill>
+          <a:prstDash val="solid"/>
+          <a:miter lim="800000"/>
+        </a:ln>
+        <a:effectLst/>
+      </dsp:spPr>
+      <dsp:style>
+        <a:lnRef idx="2">
+          <a:scrgbClr r="0" g="0" b="0"/>
+        </a:lnRef>
+        <a:fillRef idx="1">
+          <a:scrgbClr r="0" g="0" b="0"/>
+        </a:fillRef>
+        <a:effectRef idx="0">
+          <a:scrgbClr r="0" g="0" b="0"/>
+        </a:effectRef>
+        <a:fontRef idx="minor"/>
+      </dsp:style>
+    </dsp:sp>
+    <dsp:sp modelId="{96685DDE-D6B0-452F-BF53-5176FB6AA6E2}">
+      <dsp:nvSpPr>
+        <dsp:cNvPr id="0" name=""/>
+        <dsp:cNvSpPr/>
+      </dsp:nvSpPr>
+      <dsp:spPr>
+        <a:xfrm>
+          <a:off x="728821" y="104411"/>
+          <a:ext cx="1822053" cy="835292"/>
+        </a:xfrm>
+        <a:prstGeom prst="downArrow">
+          <a:avLst/>
+        </a:prstGeom>
+        <a:solidFill>
+          <a:schemeClr val="accent5">
+            <a:hueOff val="0"/>
+            <a:satOff val="0"/>
+            <a:lumOff val="0"/>
+            <a:alphaOff val="0"/>
+          </a:schemeClr>
+        </a:solidFill>
+        <a:ln w="12700" cap="flat" cmpd="sng" algn="ctr">
+          <a:solidFill>
+            <a:schemeClr val="lt1">
+              <a:hueOff val="0"/>
+              <a:satOff val="0"/>
+              <a:lumOff val="0"/>
+              <a:alphaOff val="0"/>
+            </a:schemeClr>
+          </a:solidFill>
+          <a:prstDash val="solid"/>
+          <a:miter lim="800000"/>
+        </a:ln>
+        <a:effectLst/>
+      </dsp:spPr>
+      <dsp:style>
+        <a:lnRef idx="2">
+          <a:scrgbClr r="0" g="0" b="0"/>
+        </a:lnRef>
+        <a:fillRef idx="1">
+          <a:scrgbClr r="0" g="0" b="0"/>
+        </a:fillRef>
+        <a:effectRef idx="0">
+          <a:scrgbClr r="0" g="0" b="0"/>
+        </a:effectRef>
+        <a:fontRef idx="minor">
+          <a:schemeClr val="lt1"/>
+        </a:fontRef>
+      </dsp:style>
+    </dsp:sp>
+    <dsp:sp modelId="{009DC60F-73BF-41AB-8CE5-BCDB50B5107D}">
+      <dsp:nvSpPr>
+        <dsp:cNvPr id="0" name=""/>
+        <dsp:cNvSpPr/>
+      </dsp:nvSpPr>
+      <dsp:spPr>
+        <a:xfrm>
+          <a:off x="3218960" y="0"/>
+          <a:ext cx="1943523" cy="877057"/>
+        </a:xfrm>
+        <a:prstGeom prst="rect">
+          <a:avLst/>
+        </a:prstGeom>
+        <a:noFill/>
+        <a:ln>
+          <a:noFill/>
+        </a:ln>
+        <a:effectLst/>
+      </dsp:spPr>
+      <dsp:style>
+        <a:lnRef idx="0">
+          <a:scrgbClr r="0" g="0" b="0"/>
+        </a:lnRef>
+        <a:fillRef idx="0">
+          <a:scrgbClr r="0" g="0" b="0"/>
+        </a:fillRef>
+        <a:effectRef idx="0">
+          <a:scrgbClr r="0" g="0" b="0"/>
+        </a:effectRef>
+        <a:fontRef idx="minor"/>
+      </dsp:style>
+      <dsp:txBody>
+        <a:bodyPr spcFirstLastPara="0" vert="horz" wrap="square" lIns="128016" tIns="128016" rIns="128016" bIns="128016" numCol="1" spcCol="1270" anchor="ctr" anchorCtr="0">
+          <a:noAutofit/>
+        </a:bodyPr>
+        <a:lstStyle/>
+        <a:p>
+          <a:pPr marL="0" lvl="0" indent="0" algn="ctr" defTabSz="800100">
+            <a:lnSpc>
+              <a:spcPct val="90000"/>
+            </a:lnSpc>
+            <a:spcBef>
+              <a:spcPct val="0"/>
+            </a:spcBef>
+            <a:spcAft>
+              <a:spcPct val="35000"/>
+            </a:spcAft>
+            <a:buNone/>
+          </a:pPr>
+          <a:r>
+            <a:rPr lang="zh-CN" altLang="en-US" sz="1800" kern="1200" dirty="0">
+              <a:latin typeface="华文行楷" panose="02010800040101010101" pitchFamily="2" charset="-122"/>
+              <a:ea typeface="华文行楷" panose="02010800040101010101" pitchFamily="2" charset="-122"/>
+            </a:rPr>
+            <a:t>正反馈回路</a:t>
+          </a:r>
+        </a:p>
+      </dsp:txBody>
+      <dsp:txXfrm>
+        <a:off x="3218960" y="0"/>
+        <a:ext cx="1943523" cy="877057"/>
+      </dsp:txXfrm>
+    </dsp:sp>
+    <dsp:sp modelId="{21D82551-F3BA-44CD-970E-86845BACF258}">
+      <dsp:nvSpPr>
+        <dsp:cNvPr id="0" name=""/>
+        <dsp:cNvSpPr/>
+      </dsp:nvSpPr>
+      <dsp:spPr>
+        <a:xfrm>
+          <a:off x="3522636" y="1148527"/>
+          <a:ext cx="1822053" cy="835292"/>
+        </a:xfrm>
+        <a:prstGeom prst="upArrow">
+          <a:avLst/>
+        </a:prstGeom>
+        <a:solidFill>
+          <a:schemeClr val="accent5">
+            <a:hueOff val="0"/>
+            <a:satOff val="0"/>
+            <a:lumOff val="0"/>
+            <a:alphaOff val="0"/>
+          </a:schemeClr>
+        </a:solidFill>
+        <a:ln w="12700" cap="flat" cmpd="sng" algn="ctr">
+          <a:solidFill>
+            <a:schemeClr val="lt1">
+              <a:hueOff val="0"/>
+              <a:satOff val="0"/>
+              <a:lumOff val="0"/>
+              <a:alphaOff val="0"/>
+            </a:schemeClr>
+          </a:solidFill>
+          <a:prstDash val="solid"/>
+          <a:miter lim="800000"/>
+        </a:ln>
+        <a:effectLst/>
+      </dsp:spPr>
+      <dsp:style>
+        <a:lnRef idx="2">
+          <a:scrgbClr r="0" g="0" b="0"/>
+        </a:lnRef>
+        <a:fillRef idx="1">
+          <a:scrgbClr r="0" g="0" b="0"/>
+        </a:fillRef>
+        <a:effectRef idx="0">
+          <a:scrgbClr r="0" g="0" b="0"/>
+        </a:effectRef>
+        <a:fontRef idx="minor">
+          <a:schemeClr val="lt1"/>
+        </a:fontRef>
+      </dsp:style>
+    </dsp:sp>
+    <dsp:sp modelId="{15578B2B-E1B5-42E9-9F18-0D53A2611240}">
+      <dsp:nvSpPr>
+        <dsp:cNvPr id="0" name=""/>
+        <dsp:cNvSpPr/>
+      </dsp:nvSpPr>
+      <dsp:spPr>
+        <a:xfrm>
+          <a:off x="911026" y="1211174"/>
+          <a:ext cx="1943523" cy="877057"/>
+        </a:xfrm>
+        <a:prstGeom prst="rect">
+          <a:avLst/>
+        </a:prstGeom>
+        <a:noFill/>
+        <a:ln>
+          <a:noFill/>
+        </a:ln>
+        <a:effectLst/>
+      </dsp:spPr>
+      <dsp:style>
+        <a:lnRef idx="0">
+          <a:scrgbClr r="0" g="0" b="0"/>
+        </a:lnRef>
+        <a:fillRef idx="0">
+          <a:scrgbClr r="0" g="0" b="0"/>
+        </a:fillRef>
+        <a:effectRef idx="0">
+          <a:scrgbClr r="0" g="0" b="0"/>
+        </a:effectRef>
+        <a:fontRef idx="minor"/>
+      </dsp:style>
+      <dsp:txBody>
+        <a:bodyPr spcFirstLastPara="0" vert="horz" wrap="square" lIns="128016" tIns="128016" rIns="128016" bIns="128016" numCol="1" spcCol="1270" anchor="ctr" anchorCtr="0">
+          <a:noAutofit/>
+        </a:bodyPr>
+        <a:lstStyle/>
+        <a:p>
+          <a:pPr marL="0" lvl="0" indent="0" algn="ctr" defTabSz="800100">
+            <a:lnSpc>
+              <a:spcPct val="90000"/>
+            </a:lnSpc>
+            <a:spcBef>
+              <a:spcPct val="0"/>
+            </a:spcBef>
+            <a:spcAft>
+              <a:spcPct val="35000"/>
+            </a:spcAft>
+            <a:buNone/>
+          </a:pPr>
+          <a:r>
+            <a:rPr lang="zh-CN" altLang="en-US" sz="1800" kern="1200" dirty="0">
+              <a:latin typeface="华文行楷" panose="02010800040101010101" pitchFamily="2" charset="-122"/>
+              <a:ea typeface="华文行楷" panose="02010800040101010101" pitchFamily="2" charset="-122"/>
+            </a:rPr>
+            <a:t>负反馈回路</a:t>
+          </a:r>
+        </a:p>
+      </dsp:txBody>
+      <dsp:txXfrm>
+        <a:off x="911026" y="1211174"/>
+        <a:ext cx="1943523" cy="877057"/>
+      </dsp:txXfrm>
+    </dsp:sp>
+  </dsp:spTree>
+</dsp:drawing>
+</file>
+
+<file path=ppt/diagrams/layout1.xml><?xml version="1.0" encoding="utf-8"?>
+<dgm:layoutDef xmlns:dgm="http://schemas.openxmlformats.org/drawingml/2006/diagram" xmlns:a="http://schemas.openxmlformats.org/drawingml/2006/main" uniqueId="urn:microsoft.com/office/officeart/2005/8/layout/arrow3">
+  <dgm:title val=""/>
+  <dgm:desc val=""/>
+  <dgm:catLst>
+    <dgm:cat type="relationship" pri="5000"/>
+  </dgm:catLst>
+  <dgm:sampData>
+    <dgm:dataModel>
+      <dgm:ptLst>
+        <dgm:pt modelId="0" type="doc"/>
+        <dgm:pt modelId="1">
+          <dgm:prSet phldr="1"/>
+        </dgm:pt>
+        <dgm:pt modelId="2">
+          <dgm:prSet phldr="1"/>
+        </dgm:pt>
+      </dgm:ptLst>
+      <dgm:cxnLst>
+        <dgm:cxn modelId="4" srcId="0" destId="1" srcOrd="0" destOrd="0"/>
+        <dgm:cxn modelId="5" srcId="0" destId="2" srcOrd="1" destOrd="0"/>
+      </dgm:cxnLst>
+      <dgm:bg/>
+      <dgm:whole/>
+    </dgm:dataModel>
+  </dgm:sampData>
+  <dgm:styleData>
+    <dgm:dataModel>
+      <dgm:ptLst>
+        <dgm:pt modelId="0" type="doc"/>
+        <dgm:pt modelId="1"/>
+        <dgm:pt modelId="2"/>
+      </dgm:ptLst>
+      <dgm:cxnLst>
+        <dgm:cxn modelId="3" srcId="0" destId="1" srcOrd="0" destOrd="0"/>
+        <dgm:cxn modelId="4" srcId="0" destId="2" srcOrd="1" destOrd="0"/>
+      </dgm:cxnLst>
+      <dgm:bg/>
+      <dgm:whole/>
+    </dgm:dataModel>
+  </dgm:styleData>
+  <dgm:clrData>
+    <dgm:dataModel>
+      <dgm:ptLst>
+        <dgm:pt modelId="0" type="doc"/>
+        <dgm:pt modelId="1"/>
+        <dgm:pt modelId="2"/>
+      </dgm:ptLst>
+      <dgm:cxnLst>
+        <dgm:cxn modelId="3" srcId="0" destId="1" srcOrd="0" destOrd="0"/>
+        <dgm:cxn modelId="4" srcId="0" destId="2" srcOrd="1" destOrd="0"/>
+      </dgm:cxnLst>
+      <dgm:bg/>
+      <dgm:whole/>
+    </dgm:dataModel>
+  </dgm:clrData>
+  <dgm:layoutNode name="compositeShape">
+    <dgm:varLst>
+      <dgm:chMax val="2"/>
+      <dgm:dir/>
+      <dgm:resizeHandles val="exact"/>
+    </dgm:varLst>
+    <dgm:alg type="composite">
+      <dgm:param type="horzAlign" val="none"/>
+      <dgm:param type="vertAlign" val="none"/>
+    </dgm:alg>
+    <dgm:shape xmlns:r="http://schemas.openxmlformats.org/officeDocument/2006/relationships" r:blip="">
+      <dgm:adjLst/>
+    </dgm:shape>
+    <dgm:presOf/>
+    <dgm:choose name="Name0">
+      <dgm:if name="Name1" func="var" arg="dir" op="equ" val="norm">
+        <dgm:choose name="Name2">
+          <dgm:if name="Name3" axis="ch" ptType="node" func="cnt" op="gte" val="2">
+            <dgm:constrLst>
+              <dgm:constr type="w" for="ch" forName="divider" refType="w"/>
+              <dgm:constr type="h" for="ch" forName="divider" refType="w" fact="0.2"/>
+              <dgm:constr type="h" for="ch" forName="divider" refType="h" op="gte" fact="0.2"/>
+              <dgm:constr type="h" for="ch" forName="divider" refType="h" op="lte" fact="0.4"/>
+              <dgm:constr type="ctrX" for="ch" forName="divider" refType="w" fact="0.5"/>
+              <dgm:constr type="ctrY" for="ch" forName="divider" refType="h" fact="0.5"/>
+              <dgm:constr type="w" for="ch" forName="downArrow" refType="w" fact="0.3"/>
+              <dgm:constr type="h" for="ch" forName="downArrow" refType="h" fact="0.4"/>
+              <dgm:constr type="l" for="ch" forName="downArrow" refType="w" fact="0.1"/>
+              <dgm:constr type="t" for="ch" forName="downArrow" refType="h" fact="0.05"/>
+              <dgm:constr type="lOff" for="ch" forName="downArrow" refType="w" fact="0.02"/>
+              <dgm:constr type="w" for="ch" forName="downArrowText" refType="w" fact="0.32"/>
+              <dgm:constr type="h" for="ch" forName="downArrowText" refType="h" fact="0.42"/>
+              <dgm:constr type="t" for="ch" forName="downArrowText"/>
+              <dgm:constr type="r" for="ch" forName="downArrowText" refType="w" fact="0.85"/>
+              <dgm:constr type="w" for="ch" forName="upArrow" refType="w" fact="0.3"/>
+              <dgm:constr type="h" for="ch" forName="upArrow" refType="h" fact="0.4"/>
+              <dgm:constr type="b" for="ch" forName="upArrow" refType="h" fact="0.95"/>
+              <dgm:constr type="r" for="ch" forName="upArrow" refType="w" fact="0.9"/>
+              <dgm:constr type="rOff" for="ch" forName="upArrow" refType="w" fact="-0.02"/>
+              <dgm:constr type="w" for="ch" forName="upArrowText" refType="w" fact="0.32"/>
+              <dgm:constr type="h" for="ch" forName="upArrowText" refType="h" fact="0.42"/>
+              <dgm:constr type="b" for="ch" forName="upArrowText" refType="h"/>
+              <dgm:constr type="l" for="ch" forName="upArrowText" refType="w" fact="0.15"/>
+              <dgm:constr type="primFontSz" for="ch" ptType="node" op="equ" val="65"/>
+            </dgm:constrLst>
+          </dgm:if>
+          <dgm:else name="Name4">
+            <dgm:constrLst>
+              <dgm:constr type="w" for="ch" forName="downArrow" refType="w" fact="0.4"/>
+              <dgm:constr type="h" for="ch" forName="downArrow" refType="h" fact="0.8"/>
+              <dgm:constr type="l" for="ch" forName="downArrow" refType="w" fact="0.02"/>
+              <dgm:constr type="t" for="ch" forName="downArrow" refType="h" fact="0.05"/>
+              <dgm:constr type="lOff" for="ch" forName="downArrow" refType="w" fact="0.02"/>
+              <dgm:constr type="w" for="ch" forName="downArrowText" refType="w" fact="0.5"/>
+              <dgm:constr type="h" for="ch" forName="downArrowText" refType="h"/>
+              <dgm:constr type="t" for="ch" forName="downArrowText"/>
+              <dgm:constr type="r" for="ch" forName="downArrowText" refType="w"/>
+              <dgm:constr type="primFontSz" for="ch" ptType="node" op="equ" val="65"/>
+            </dgm:constrLst>
+          </dgm:else>
+        </dgm:choose>
+      </dgm:if>
+      <dgm:else name="Name5">
+        <dgm:choose name="Name6">
+          <dgm:if name="Name7" axis="ch" ptType="node" func="cnt" op="gte" val="2">
+            <dgm:constrLst>
+              <dgm:constr type="w" for="ch" forName="divider" refType="w"/>
+              <dgm:constr type="h" for="ch" forName="divider" refType="w" fact="0.2"/>
+              <dgm:constr type="h" for="ch" forName="divider" refType="h" op="gte" fact="0.2"/>
+              <dgm:constr type="h" for="ch" forName="divider" refType="h" op="lte" fact="0.4"/>
+              <dgm:constr type="ctrX" for="ch" forName="divider" refType="w" fact="0.5"/>
+              <dgm:constr type="ctrY" for="ch" forName="divider" refType="h" fact="0.5"/>
+              <dgm:constr type="w" for="ch" forName="downArrow" refType="w" fact="0.3"/>
+              <dgm:constr type="h" for="ch" forName="downArrow" refType="h" fact="0.4"/>
+              <dgm:constr type="r" for="ch" forName="downArrow" refType="w" fact="0.9"/>
+              <dgm:constr type="t" for="ch" forName="downArrow" refType="h" fact="0.05"/>
+              <dgm:constr type="rOff" for="ch" forName="downArrow" refType="w" fact="-0.02"/>
+              <dgm:constr type="w" for="ch" forName="downArrowText" refType="w" fact="0.32"/>
+              <dgm:constr type="h" for="ch" forName="downArrowText" refType="h" fact="0.42"/>
+              <dgm:constr type="t" for="ch" forName="downArrowText"/>
+              <dgm:constr type="l" for="ch" forName="downArrowText" refType="w" fact="0.15"/>
+              <dgm:constr type="w" for="ch" forName="upArrow" refType="w" fact="0.3"/>
+              <dgm:constr type="h" for="ch" forName="upArrow" refType="h" fact="0.4"/>
+              <dgm:constr type="b" for="ch" forName="upArrow" refType="h" fact="0.95"/>
+              <dgm:constr type="l" for="ch" forName="upArrow" refType="w" fact="0.1"/>
+              <dgm:constr type="lOff" for="ch" forName="upArrow" refType="w" fact="0.02"/>
+              <dgm:constr type="w" for="ch" forName="upArrowText" refType="w" fact="0.32"/>
+              <dgm:constr type="h" for="ch" forName="upArrowText" refType="h" fact="0.42"/>
+              <dgm:constr type="b" for="ch" forName="upArrowText" refType="h"/>
+              <dgm:constr type="r" for="ch" forName="upArrowText" refType="w" fact="0.85"/>
+              <dgm:constr type="primFontSz" for="ch" ptType="node" op="equ" val="65"/>
+            </dgm:constrLst>
+          </dgm:if>
+          <dgm:else name="Name8">
+            <dgm:constrLst>
+              <dgm:constr type="w" for="ch" forName="downArrow" refType="w" fact="0.4"/>
+              <dgm:constr type="h" for="ch" forName="downArrow" refType="h" fact="0.8"/>
+              <dgm:constr type="r" for="ch" forName="downArrow" refType="w" fact="0.98"/>
+              <dgm:constr type="t" for="ch" forName="downArrow" refType="h" fact="0.05"/>
+              <dgm:constr type="rOff" for="ch" forName="downArrow" refType="w" fact="-0.02"/>
+              <dgm:constr type="w" for="ch" forName="downArrowText" refType="w" fact="0.5"/>
+              <dgm:constr type="h" for="ch" forName="downArrowText" refType="h"/>
+              <dgm:constr type="t" for="ch" forName="downArrowText"/>
+              <dgm:constr type="l" for="ch" forName="downArrowText"/>
+              <dgm:constr type="primFontSz" for="ch" ptType="node" op="equ" val="65"/>
+            </dgm:constrLst>
+          </dgm:else>
+        </dgm:choose>
+      </dgm:else>
+    </dgm:choose>
+    <dgm:ruleLst/>
+    <dgm:choose name="Name9">
+      <dgm:if name="Name10" axis="ch" ptType="node" func="cnt" op="gte" val="2">
+        <dgm:layoutNode name="divider" styleLbl="fgShp">
+          <dgm:alg type="sp"/>
+          <dgm:choose name="Name11">
+            <dgm:if name="Name12" func="var" arg="dir" op="equ" val="norm">
+              <dgm:shape xmlns:r="http://schemas.openxmlformats.org/officeDocument/2006/relationships" rot="-5" type="mathMinus" r:blip="">
+                <dgm:adjLst/>
+              </dgm:shape>
+            </dgm:if>
+            <dgm:else name="Name13">
+              <dgm:shape xmlns:r="http://schemas.openxmlformats.org/officeDocument/2006/relationships" rot="5" type="mathMinus" r:blip="">
+                <dgm:adjLst/>
+              </dgm:shape>
+            </dgm:else>
+          </dgm:choose>
+          <dgm:presOf/>
+          <dgm:constrLst/>
+          <dgm:ruleLst/>
+        </dgm:layoutNode>
+      </dgm:if>
+      <dgm:else name="Name14"/>
+    </dgm:choose>
+    <dgm:forEach name="Name15" axis="ch" ptType="node" cnt="1">
+      <dgm:layoutNode name="downArrow" styleLbl="node1">
+        <dgm:alg type="sp"/>
+        <dgm:shape xmlns:r="http://schemas.openxmlformats.org/officeDocument/2006/relationships" type="downArrow" r:blip="">
+          <dgm:adjLst/>
+        </dgm:shape>
+        <dgm:presOf/>
+        <dgm:constrLst/>
+        <dgm:ruleLst/>
+      </dgm:layoutNode>
+      <dgm:layoutNode name="downArrowText" styleLbl="revTx">
+        <dgm:varLst>
+          <dgm:bulletEnabled val="1"/>
+        </dgm:varLst>
+        <dgm:alg type="tx">
+          <dgm:param type="txAnchorVertCh" val="mid"/>
+        </dgm:alg>
+        <dgm:shape xmlns:r="http://schemas.openxmlformats.org/officeDocument/2006/relationships" type="rect" r:blip="">
+          <dgm:adjLst/>
+        </dgm:shape>
+        <dgm:presOf axis="desOrSelf" ptType="node"/>
+        <dgm:constrLst/>
+        <dgm:ruleLst>
+          <dgm:rule type="primFontSz" val="5" fact="NaN" max="NaN"/>
+        </dgm:ruleLst>
+      </dgm:layoutNode>
+    </dgm:forEach>
+    <dgm:forEach name="Name16" axis="ch" ptType="node" st="2" cnt="1">
+      <dgm:layoutNode name="upArrow" styleLbl="node1">
+        <dgm:alg type="sp"/>
+        <dgm:shape xmlns:r="http://schemas.openxmlformats.org/officeDocument/2006/relationships" type="upArrow" r:blip="">
+          <dgm:adjLst/>
+        </dgm:shape>
+        <dgm:presOf/>
+        <dgm:constrLst/>
+        <dgm:ruleLst/>
+      </dgm:layoutNode>
+      <dgm:layoutNode name="upArrowText" styleLbl="revTx">
+        <dgm:varLst>
+          <dgm:bulletEnabled val="1"/>
+        </dgm:varLst>
+        <dgm:alg type="tx">
+          <dgm:param type="txAnchorVertCh" val="mid"/>
+        </dgm:alg>
+        <dgm:shape xmlns:r="http://schemas.openxmlformats.org/officeDocument/2006/relationships" type="rect" r:blip="">
+          <dgm:adjLst/>
+        </dgm:shape>
+        <dgm:presOf axis="desOrSelf" ptType="node"/>
+        <dgm:constrLst/>
+        <dgm:ruleLst>
+          <dgm:rule type="primFontSz" val="5" fact="NaN" max="NaN"/>
+        </dgm:ruleLst>
+      </dgm:layoutNode>
+    </dgm:forEach>
+  </dgm:layoutNode>
+</dgm:layoutDef>
+</file>
+
+<file path=ppt/diagrams/quickStyle1.xml><?xml version="1.0" encoding="utf-8"?>
+<dgm:styleDef xmlns:dgm="http://schemas.openxmlformats.org/drawingml/2006/diagram" xmlns:a="http://schemas.openxmlformats.org/drawingml/2006/main" uniqueId="urn:microsoft.com/office/officeart/2005/8/quickstyle/simple1">
+  <dgm:title val=""/>
+  <dgm:desc val=""/>
+  <dgm:catLst>
+    <dgm:cat type="simple" pri="10100"/>
+  </dgm:catLst>
+  <dgm:scene3d>
+    <a:camera prst="orthographicFront"/>
+    <a:lightRig rig="threePt" dir="t"/>
+  </dgm:scene3d>
+  <dgm:styleLbl name="node0">
+    <dgm:scene3d>
+      <a:camera prst="orthographicFront"/>
+      <a:lightRig rig="threePt" dir="t"/>
+    </dgm:scene3d>
+    <dgm:sp3d/>
+    <dgm:txPr/>
+    <dgm:style>
+      <a:lnRef idx="2">
+        <a:scrgbClr r="0" g="0" b="0"/>
+      </a:lnRef>
+      <a:fillRef idx="1">
+        <a:scrgbClr r="0" g="0" b="0"/>
+      </a:fillRef>
+      <a:effectRef idx="0">
+        <a:scrgbClr r="0" g="0" b="0"/>
+      </a:effectRef>
+      <a:fontRef idx="minor">
+        <a:schemeClr val="lt1"/>
+      </a:fontRef>
+    </dgm:style>
+  </dgm:styleLbl>
+  <dgm:styleLbl name="lnNode1">
+    <dgm:scene3d>
+      <a:camera prst="orthographicFront"/>
+      <a:lightRig rig="threePt" dir="t"/>
+    </dgm:scene3d>
+    <dgm:sp3d/>
+    <dgm:txPr/>
+    <dgm:style>
+      <a:lnRef idx="2">
+        <a:scrgbClr r="0" g="0" b="0"/>
+      </a:lnRef>
+      <a:fillRef idx="1">
+        <a:scrgbClr r="0" g="0" b="0"/>
+      </a:fillRef>
+      <a:effectRef idx="0">
+        <a:scrgbClr r="0" g="0" b="0"/>
+      </a:effectRef>
+      <a:fontRef idx="minor">
+        <a:schemeClr val="lt1"/>
+      </a:fontRef>
+    </dgm:style>
+  </dgm:styleLbl>
+  <dgm:styleLbl name="vennNode1">
+    <dgm:scene3d>
+      <a:camera prst="orthographicFront"/>
+      <a:lightRig rig="threePt" dir="t"/>
+    </dgm:scene3d>
+    <dgm:sp3d/>
+    <dgm:txPr/>
+    <dgm:style>
+      <a:lnRef idx="2">
+        <a:scrgbClr r="0" g="0" b="0"/>
+      </a:lnRef>
+      <a:fillRef idx="1">
+        <a:scrgbClr r="0" g="0" b="0"/>
+      </a:fillRef>
+      <a:effectRef idx="0">
+        <a:scrgbClr r="0" g="0" b="0"/>
+      </a:effectRef>
+      <a:fontRef idx="minor">
+        <a:schemeClr val="tx1"/>
+      </a:fontRef>
+    </dgm:style>
+  </dgm:styleLbl>
+  <dgm:styleLbl name="alignNode1">
+    <dgm:scene3d>
+      <a:camera prst="orthographicFront"/>
+      <a:lightRig rig="threePt" dir="t"/>
+    </dgm:scene3d>
+    <dgm:sp3d/>
+    <dgm:txPr/>
+    <dgm:style>
+      <a:lnRef idx="2">
+        <a:scrgbClr r="0" g="0" b="0"/>
+      </a:lnRef>
+      <a:fillRef idx="1">
+        <a:scrgbClr r="0" g="0" b="0"/>
+      </a:fillRef>
+      <a:effectRef idx="0">
+        <a:scrgbClr r="0" g="0" b="0"/>
+      </a:effectRef>
+      <a:fontRef idx="minor">
+        <a:schemeClr val="lt1"/>
+      </a:fontRef>
+    </dgm:style>
+  </dgm:styleLbl>
+  <dgm:styleLbl name="node1">
+    <dgm:scene3d>
+      <a:camera prst="orthographicFront"/>
+      <a:lightRig rig="threePt" dir="t"/>
+    </dgm:scene3d>
+    <dgm:sp3d/>
+    <dgm:txPr/>
+    <dgm:style>
+      <a:lnRef idx="2">
+        <a:scrgbClr r="0" g="0" b="0"/>
+      </a:lnRef>
+      <a:fillRef idx="1">
+        <a:scrgbClr r="0" g="0" b="0"/>
+      </a:fillRef>
+      <a:effectRef idx="0">
+        <a:scrgbClr r="0" g="0" b="0"/>
+      </a:effectRef>
+      <a:fontRef idx="minor">
+        <a:schemeClr val="lt1"/>
+      </a:fontRef>
+    </dgm:style>
+  </dgm:styleLbl>
+  <dgm:styleLbl name="node2">
+    <dgm:scene3d>
+      <a:camera prst="orthographicFront"/>
+      <a:lightRig rig="threePt" dir="t"/>
+    </dgm:scene3d>
+    <dgm:sp3d/>
+    <dgm:txPr/>
+    <dgm:style>
+      <a:lnRef idx="2">
+        <a:scrgbClr r="0" g="0" b="0"/>
+      </a:lnRef>
+      <a:fillRef idx="1">
+        <a:scrgbClr r="0" g="0" b="0"/>
+      </a:fillRef>
+      <a:effectRef idx="0">
+        <a:scrgbClr r="0" g="0" b="0"/>
+      </a:effectRef>
+      <a:fontRef idx="minor">
+        <a:schemeClr val="lt1"/>
+      </a:fontRef>
+    </dgm:style>
+  </dgm:styleLbl>
+  <dgm:styleLbl name="node3">
+    <dgm:scene3d>
+      <a:camera prst="orthographicFront"/>
+      <a:lightRig rig="threePt" dir="t"/>
+    </dgm:scene3d>
+    <dgm:sp3d/>
+    <dgm:txPr/>
+    <dgm:style>
+      <a:lnRef idx="2">
+        <a:scrgbClr r="0" g="0" b="0"/>
+      </a:lnRef>
+      <a:fillRef idx="1">
+        <a:scrgbClr r="0" g="0" b="0"/>
+      </a:fillRef>
+      <a:effectRef idx="0">
+        <a:scrgbClr r="0" g="0" b="0"/>
+      </a:effectRef>
+      <a:fontRef idx="minor">
+        <a:schemeClr val="lt1"/>
+      </a:fontRef>
+    </dgm:style>
+  </dgm:styleLbl>
+  <dgm:styleLbl name="node4">
+    <dgm:scene3d>
+      <a:camera prst="orthographicFront"/>
+      <a:lightRig rig="threePt" dir="t"/>
+    </dgm:scene3d>
+    <dgm:sp3d/>
+    <dgm:txPr/>
+    <dgm:style>
+      <a:lnRef idx="2">
+        <a:scrgbClr r="0" g="0" b="0"/>
+      </a:lnRef>
+      <a:fillRef idx="1">
+        <a:scrgbClr r="0" g="0" b="0"/>
+      </a:fillRef>
+      <a:effectRef idx="0">
+        <a:scrgbClr r="0" g="0" b="0"/>
+      </a:effectRef>
+      <a:fontRef idx="minor">
+        <a:schemeClr val="lt1"/>
+      </a:fontRef>
+    </dgm:style>
+  </dgm:styleLbl>
+  <dgm:styleLbl name="fgImgPlace1">
+    <dgm:scene3d>
+      <a:camera prst="orthographicFront"/>
+      <a:lightRig rig="threePt" dir="t"/>
+    </dgm:scene3d>
+    <dgm:sp3d/>
+    <dgm:txPr/>
+    <dgm:style>
+      <a:lnRef idx="2">
+        <a:scrgbClr r="0" g="0" b="0"/>
+      </a:lnRef>
+      <a:fillRef idx="1">
+        <a:scrgbClr r="0" g="0" b="0"/>
+      </a:fillRef>
+      <a:effectRef idx="0">
+        <a:scrgbClr r="0" g="0" b="0"/>
+      </a:effectRef>
+      <a:fontRef idx="minor"/>
+    </dgm:style>
+  </dgm:styleLbl>
+  <dgm:styleLbl name="alignImgPlace1">
+    <dgm:scene3d>
+      <a:camera prst="orthographicFront"/>
+      <a:lightRig rig="threePt" dir="t"/>
+    </dgm:scene3d>
+    <dgm:sp3d/>
+    <dgm:txPr/>
+    <dgm:style>
+      <a:lnRef idx="2">
+        <a:scrgbClr r="0" g="0" b="0"/>
+      </a:lnRef>
+      <a:fillRef idx="1">
+        <a:scrgbClr r="0" g="0" b="0"/>
+      </a:fillRef>
+      <a:effectRef idx="0">
+        <a:scrgbClr r="0" g="0" b="0"/>
+      </a:effectRef>
+      <a:fontRef idx="minor"/>
+    </dgm:style>
+  </dgm:styleLbl>
+  <dgm:styleLbl name="bgImgPlace1">
+    <dgm:scene3d>
+      <a:camera prst="orthographicFront"/>
+      <a:lightRig rig="threePt" dir="t"/>
+    </dgm:scene3d>
+    <dgm:sp3d/>
+    <dgm:txPr/>
+    <dgm:style>
+      <a:lnRef idx="2">
+        <a:scrgbClr r="0" g="0" b="0"/>
+      </a:lnRef>
+      <a:fillRef idx="1">
+        <a:scrgbClr r="0" g="0" b="0"/>
+      </a:fillRef>
+      <a:effectRef idx="0">
+        <a:scrgbClr r="0" g="0" b="0"/>
+      </a:effectRef>
+      <a:fontRef idx="minor"/>
+    </dgm:style>
+  </dgm:styleLbl>
+  <dgm:styleLbl name="sibTrans2D1">
+    <dgm:scene3d>
+      <a:camera prst="orthographicFront"/>
+      <a:lightRig rig="threePt" dir="t"/>
+    </dgm:scene3d>
+    <dgm:sp3d/>
+    <dgm:txPr/>
+    <dgm:style>
+      <a:lnRef idx="0">
+        <a:scrgbClr r="0" g="0" b="0"/>
+      </a:lnRef>
+      <a:fillRef idx="1">
+        <a:scrgbClr r="0" g="0" b="0"/>
+      </a:fillRef>
+      <a:effectRef idx="0">
+        <a:scrgbClr r="0" g="0" b="0"/>
+      </a:effectRef>
+      <a:fontRef idx="minor">
+        <a:schemeClr val="lt1"/>
+      </a:fontRef>
+    </dgm:style>
+  </dgm:styleLbl>
+  <dgm:styleLbl name="fgSibTrans2D1">
+    <dgm:scene3d>
+      <a:camera prst="orthographicFront"/>
+      <a:lightRig rig="threePt" dir="t"/>
+    </dgm:scene3d>
+    <dgm:sp3d/>
+    <dgm:txPr/>
+    <dgm:style>
+      <a:lnRef idx="0">
+        <a:scrgbClr r="0" g="0" b="0"/>
+      </a:lnRef>
+      <a:fillRef idx="1">
+        <a:scrgbClr r="0" g="0" b="0"/>
+      </a:fillRef>
+      <a:effectRef idx="0">
+        <a:scrgbClr r="0" g="0" b="0"/>
+      </a:effectRef>
+      <a:fontRef idx="minor">
+        <a:schemeClr val="lt1"/>
+      </a:fontRef>
+    </dgm:style>
+  </dgm:styleLbl>
+  <dgm:styleLbl name="bgSibTrans2D1">
+    <dgm:scene3d>
+      <a:camera prst="orthographicFront"/>
+      <a:lightRig rig="threePt" dir="t"/>
+    </dgm:scene3d>
+    <dgm:sp3d/>
+    <dgm:txPr/>
+    <dgm:style>
+      <a:lnRef idx="0">
+        <a:scrgbClr r="0" g="0" b="0"/>
+      </a:lnRef>
+      <a:fillRef idx="1">
+        <a:scrgbClr r="0" g="0" b="0"/>
+      </a:fillRef>
+      <a:effectRef idx="0">
+        <a:scrgbClr r="0" g="0" b="0"/>
+      </a:effectRef>
+      <a:fontRef idx="minor">
+        <a:schemeClr val="lt1"/>
+      </a:fontRef>
+    </dgm:style>
+  </dgm:styleLbl>
+  <dgm:styleLbl name="sibTrans1D1">
+    <dgm:scene3d>
+      <a:camera prst="orthographicFront"/>
+      <a:lightRig rig="threePt" dir="t"/>
+    </dgm:scene3d>
+    <dgm:sp3d/>
+    <dgm:txPr/>
+    <dgm:style>
+      <a:lnRef idx="1">
+        <a:scrgbClr r="0" g="0" b="0"/>
+      </a:lnRef>
+      <a:fillRef idx="0">
+        <a:scrgbClr r="0" g="0" b="0"/>
+      </a:fillRef>
+      <a:effectRef idx="0">
+        <a:scrgbClr r="0" g="0" b="0"/>
+      </a:effectRef>
+      <a:fontRef idx="minor"/>
+    </dgm:style>
+  </dgm:styleLbl>
+  <dgm:styleLbl name="callout">
+    <dgm:scene3d>
+      <a:camera prst="orthographicFront"/>
+      <a:lightRig rig="threePt" dir="t"/>
+    </dgm:scene3d>
+    <dgm:sp3d/>
+    <dgm:txPr/>
+    <dgm:style>
+      <a:lnRef idx="2">
+        <a:scrgbClr r="0" g="0" b="0"/>
+      </a:lnRef>
+      <a:fillRef idx="1">
+        <a:scrgbClr r="0" g="0" b="0"/>
+      </a:fillRef>
+      <a:effectRef idx="0">
+        <a:scrgbClr r="0" g="0" b="0"/>
+      </a:effectRef>
+      <a:fontRef idx="minor"/>
+    </dgm:style>
+  </dgm:styleLbl>
+  <dgm:styleLbl name="asst0">
+    <dgm:scene3d>
+      <a:camera prst="orthographicFront"/>
+      <a:lightRig rig="threePt" dir="t"/>
+    </dgm:scene3d>
+    <dgm:sp3d/>
+    <dgm:txPr/>
+    <dgm:style>
+      <a:lnRef idx="2">
+        <a:scrgbClr r="0" g="0" b="0"/>
+      </a:lnRef>
+      <a:fillRef idx="1">
+        <a:scrgbClr r="0" g="0" b="0"/>
+      </a:fillRef>
+      <a:effectRef idx="0">
+        <a:scrgbClr r="0" g="0" b="0"/>
+      </a:effectRef>
+      <a:fontRef idx="minor">
+        <a:schemeClr val="lt1"/>
+      </a:fontRef>
+    </dgm:style>
+  </dgm:styleLbl>
+  <dgm:styleLbl name="asst1">
+    <dgm:scene3d>
+      <a:camera prst="orthographicFront"/>
+      <a:lightRig rig="threePt" dir="t"/>
+    </dgm:scene3d>
+    <dgm:sp3d/>
+    <dgm:txPr/>
+    <dgm:style>
+      <a:lnRef idx="2">
+        <a:scrgbClr r="0" g="0" b="0"/>
+      </a:lnRef>
+      <a:fillRef idx="1">
+        <a:scrgbClr r="0" g="0" b="0"/>
+      </a:fillRef>
+      <a:effectRef idx="0">
+        <a:scrgbClr r="0" g="0" b="0"/>
+      </a:effectRef>
+      <a:fontRef idx="minor">
+        <a:schemeClr val="lt1"/>
+      </a:fontRef>
+    </dgm:style>
+  </dgm:styleLbl>
+  <dgm:styleLbl name="asst2">
+    <dgm:scene3d>
+      <a:camera prst="orthographicFront"/>
+      <a:lightRig rig="threePt" dir="t"/>
+    </dgm:scene3d>
+    <dgm:sp3d/>
+    <dgm:txPr/>
+    <dgm:style>
+      <a:lnRef idx="2">
+        <a:scrgbClr r="0" g="0" b="0"/>
+      </a:lnRef>
+      <a:fillRef idx="1">
+        <a:scrgbClr r="0" g="0" b="0"/>
+      </a:fillRef>
+      <a:effectRef idx="0">
+        <a:scrgbClr r="0" g="0" b="0"/>
+      </a:effectRef>
+      <a:fontRef idx="minor">
+        <a:schemeClr val="lt1"/>
+      </a:fontRef>
+    </dgm:style>
+  </dgm:styleLbl>
+  <dgm:styleLbl name="asst3">
+    <dgm:scene3d>
+      <a:camera prst="orthographicFront"/>
+      <a:lightRig rig="threePt" dir="t"/>
+    </dgm:scene3d>
+    <dgm:sp3d/>
+    <dgm:txPr/>
+    <dgm:style>
+      <a:lnRef idx="2">
+        <a:scrgbClr r="0" g="0" b="0"/>
+      </a:lnRef>
+      <a:fillRef idx="1">
+        <a:scrgbClr r="0" g="0" b="0"/>
+      </a:fillRef>
+      <a:effectRef idx="0">
+        <a:scrgbClr r="0" g="0" b="0"/>
+      </a:effectRef>
+      <a:fontRef idx="minor">
+        <a:schemeClr val="lt1"/>
+      </a:fontRef>
+    </dgm:style>
+  </dgm:styleLbl>
+  <dgm:styleLbl name="asst4">
+    <dgm:scene3d>
+      <a:camera prst="orthographicFront"/>
+      <a:lightRig rig="threePt" dir="t"/>
+    </dgm:scene3d>
+    <dgm:sp3d/>
+    <dgm:txPr/>
+    <dgm:style>
+      <a:lnRef idx="2">
+        <a:scrgbClr r="0" g="0" b="0"/>
+      </a:lnRef>
+      <a:fillRef idx="1">
+        <a:scrgbClr r="0" g="0" b="0"/>
+      </a:fillRef>
+      <a:effectRef idx="0">
+        <a:scrgbClr r="0" g="0" b="0"/>
+      </a:effectRef>
+      <a:fontRef idx="minor">
+        <a:schemeClr val="lt1"/>
+      </a:fontRef>
+    </dgm:style>
+  </dgm:styleLbl>
+  <dgm:styleLbl name="parChTrans2D1">
+    <dgm:scene3d>
+      <a:camera prst="orthographicFront"/>
+      <a:lightRig rig="threePt" dir="t"/>
+    </dgm:scene3d>
+    <dgm:sp3d/>
+    <dgm:txPr/>
+    <dgm:style>
+      <a:lnRef idx="2">
+        <a:scrgbClr r="0" g="0" b="0"/>
+      </a:lnRef>
+      <a:fillRef idx="1">
+        <a:scrgbClr r="0" g="0" b="0"/>
+      </a:fillRef>
+      <a:effectRef idx="0">
+        <a:scrgbClr r="0" g="0" b="0"/>
+      </a:effectRef>
+      <a:fontRef idx="minor">
+        <a:schemeClr val="lt1"/>
+      </a:fontRef>
+    </dgm:style>
+  </dgm:styleLbl>
+  <dgm:styleLbl name="parChTrans2D2">
+    <dgm:scene3d>
+      <a:camera prst="orthographicFront"/>
+      <a:lightRig rig="threePt" dir="t"/>
+    </dgm:scene3d>
+    <dgm:sp3d/>
+    <dgm:txPr/>
+    <dgm:style>
+      <a:lnRef idx="2">
+        <a:scrgbClr r="0" g="0" b="0"/>
+      </a:lnRef>
+      <a:fillRef idx="1">
+        <a:scrgbClr r="0" g="0" b="0"/>
+      </a:fillRef>
+      <a:effectRef idx="0">
+        <a:scrgbClr r="0" g="0" b="0"/>
+      </a:effectRef>
+      <a:fontRef idx="minor">
+        <a:schemeClr val="lt1"/>
+      </a:fontRef>
+    </dgm:style>
+  </dgm:styleLbl>
+  <dgm:styleLbl name="parChTrans2D3">
+    <dgm:scene3d>
+      <a:camera prst="orthographicFront"/>
+      <a:lightRig rig="threePt" dir="t"/>
+    </dgm:scene3d>
+    <dgm:sp3d/>
+    <dgm:txPr/>
+    <dgm:style>
+      <a:lnRef idx="2">
+        <a:scrgbClr r="0" g="0" b="0"/>
+      </a:lnRef>
+      <a:fillRef idx="1">
+        <a:scrgbClr r="0" g="0" b="0"/>
+      </a:fillRef>
+      <a:effectRef idx="0">
+        <a:scrgbClr r="0" g="0" b="0"/>
+      </a:effectRef>
+      <a:fontRef idx="minor">
+        <a:schemeClr val="lt1"/>
+      </a:fontRef>
+    </dgm:style>
+  </dgm:styleLbl>
+  <dgm:styleLbl name="parChTrans2D4">
+    <dgm:scene3d>
+      <a:camera prst="orthographicFront"/>
+      <a:lightRig rig="threePt" dir="t"/>
+    </dgm:scene3d>
+    <dgm:sp3d/>
+    <dgm:txPr/>
+    <dgm:style>
+      <a:lnRef idx="2">
+        <a:scrgbClr r="0" g="0" b="0"/>
+      </a:lnRef>
+      <a:fillRef idx="1">
+        <a:scrgbClr r="0" g="0" b="0"/>
+      </a:fillRef>
+      <a:effectRef idx="0">
+        <a:scrgbClr r="0" g="0" b="0"/>
+      </a:effectRef>
+      <a:fontRef idx="minor">
+        <a:schemeClr val="lt1"/>
+      </a:fontRef>
+    </dgm:style>
+  </dgm:styleLbl>
+  <dgm:styleLbl name="parChTrans1D1">
+    <dgm:scene3d>
+      <a:camera prst="orthographicFront"/>
+      <a:lightRig rig="threePt" dir="t"/>
+    </dgm:scene3d>
+    <dgm:sp3d/>
+    <dgm:txPr/>
+    <dgm:style>
+      <a:lnRef idx="2">
+        <a:scrgbClr r="0" g="0" b="0"/>
+      </a:lnRef>
+      <a:fillRef idx="0">
+        <a:scrgbClr r="0" g="0" b="0"/>
+      </a:fillRef>
+      <a:effectRef idx="0">
+        <a:scrgbClr r="0" g="0" b="0"/>
+      </a:effectRef>
+      <a:fontRef idx="minor"/>
+    </dgm:style>
+  </dgm:styleLbl>
+  <dgm:styleLbl name="parChTrans1D2">
+    <dgm:scene3d>
+      <a:camera prst="orthographicFront"/>
+      <a:lightRig rig="threePt" dir="t"/>
+    </dgm:scene3d>
+    <dgm:sp3d/>
+    <dgm:txPr/>
+    <dgm:style>
+      <a:lnRef idx="2">
+        <a:scrgbClr r="0" g="0" b="0"/>
+      </a:lnRef>
+      <a:fillRef idx="0">
+        <a:scrgbClr r="0" g="0" b="0"/>
+      </a:fillRef>
+      <a:effectRef idx="0">
+        <a:scrgbClr r="0" g="0" b="0"/>
+      </a:effectRef>
+      <a:fontRef idx="minor"/>
+    </dgm:style>
+  </dgm:styleLbl>
+  <dgm:styleLbl name="parChTrans1D3">
+    <dgm:scene3d>
+      <a:camera prst="orthographicFront"/>
+      <a:lightRig rig="threePt" dir="t"/>
+    </dgm:scene3d>
+    <dgm:sp3d/>
+    <dgm:txPr/>
+    <dgm:style>
+      <a:lnRef idx="2">
+        <a:scrgbClr r="0" g="0" b="0"/>
+      </a:lnRef>
+      <a:fillRef idx="0">
+        <a:scrgbClr r="0" g="0" b="0"/>
+      </a:fillRef>
+      <a:effectRef idx="0">
+        <a:scrgbClr r="0" g="0" b="0"/>
+      </a:effectRef>
+      <a:fontRef idx="minor"/>
+    </dgm:style>
+  </dgm:styleLbl>
+  <dgm:styleLbl name="parChTrans1D4">
+    <dgm:scene3d>
+      <a:camera prst="orthographicFront"/>
+      <a:lightRig rig="threePt" dir="t"/>
+    </dgm:scene3d>
+    <dgm:sp3d/>
+    <dgm:txPr/>
+    <dgm:style>
+      <a:lnRef idx="2">
+        <a:scrgbClr r="0" g="0" b="0"/>
+      </a:lnRef>
+      <a:fillRef idx="0">
+        <a:scrgbClr r="0" g="0" b="0"/>
+      </a:fillRef>
+      <a:effectRef idx="0">
+        <a:scrgbClr r="0" g="0" b="0"/>
+      </a:effectRef>
+      <a:fontRef idx="minor"/>
+    </dgm:style>
+  </dgm:styleLbl>
+  <dgm:styleLbl name="fgAcc1">
+    <dgm:scene3d>
+      <a:camera prst="orthographicFront"/>
+      <a:lightRig rig="threePt" dir="t"/>
+    </dgm:scene3d>
+    <dgm:sp3d/>
+    <dgm:txPr/>
+    <dgm:style>
+      <a:lnRef idx="2">
+        <a:scrgbClr r="0" g="0" b="0"/>
+      </a:lnRef>
+      <a:fillRef idx="1">
+        <a:scrgbClr r="0" g="0" b="0"/>
+      </a:fillRef>
+      <a:effectRef idx="0">
+        <a:scrgbClr r="0" g="0" b="0"/>
+      </a:effectRef>
+      <a:fontRef idx="minor"/>
+    </dgm:style>
+  </dgm:styleLbl>
+  <dgm:styleLbl name="conFgAcc1">
+    <dgm:scene3d>
+      <a:camera prst="orthographicFront"/>
+      <a:lightRig rig="threePt" dir="t"/>
+    </dgm:scene3d>
+    <dgm:sp3d/>
+    <dgm:txPr/>
+    <dgm:style>
+      <a:lnRef idx="2">
+        <a:scrgbClr r="0" g="0" b="0"/>
+      </a:lnRef>
+      <a:fillRef idx="1">
+        <a:scrgbClr r="0" g="0" b="0"/>
+      </a:fillRef>
+      <a:effectRef idx="0">
+        <a:scrgbClr r="0" g="0" b="0"/>
+      </a:effectRef>
+      <a:fontRef idx="minor"/>
+    </dgm:style>
+  </dgm:styleLbl>
+  <dgm:styleLbl name="alignAcc1">
+    <dgm:scene3d>
+      <a:camera prst="orthographicFront"/>
+      <a:lightRig rig="threePt" dir="t"/>
+    </dgm:scene3d>
+    <dgm:sp3d/>
+    <dgm:txPr/>
+    <dgm:style>
+      <a:lnRef idx="2">
+        <a:scrgbClr r="0" g="0" b="0"/>
+      </a:lnRef>
+      <a:fillRef idx="1">
+        <a:scrgbClr r="0" g="0" b="0"/>
+      </a:fillRef>
+      <a:effectRef idx="0">
+        <a:scrgbClr r="0" g="0" b="0"/>
+      </a:effectRef>
+      <a:fontRef idx="minor"/>
+    </dgm:style>
+  </dgm:styleLbl>
+  <dgm:styleLbl name="trAlignAcc1">
+    <dgm:scene3d>
+      <a:camera prst="orthographicFront"/>
+      <a:lightRig rig="threePt" dir="t"/>
+    </dgm:scene3d>
+    <dgm:sp3d/>
+    <dgm:txPr/>
+    <dgm:style>
+      <a:lnRef idx="1">
+        <a:scrgbClr r="0" g="0" b="0"/>
+      </a:lnRef>
+      <a:fillRef idx="1">
+        <a:scrgbClr r="0" g="0" b="0"/>
+      </a:fillRef>
+      <a:effectRef idx="0">
+        <a:scrgbClr r="0" g="0" b="0"/>
+      </a:effectRef>
+      <a:fontRef idx="minor"/>
+    </dgm:style>
+  </dgm:styleLbl>
+  <dgm:styleLbl name="bgAcc1">
+    <dgm:scene3d>
+      <a:camera prst="orthographicFront"/>
+      <a:lightRig rig="threePt" dir="t"/>
+    </dgm:scene3d>
+    <dgm:sp3d/>
+    <dgm:txPr/>
+    <dgm:style>
+      <a:lnRef idx="2">
+        <a:scrgbClr r="0" g="0" b="0"/>
+      </a:lnRef>
+      <a:fillRef idx="1">
+        <a:scrgbClr r="0" g="0" b="0"/>
+      </a:fillRef>
+      <a:effectRef idx="0">
+        <a:scrgbClr r="0" g="0" b="0"/>
+      </a:effectRef>
+      <a:fontRef idx="minor"/>
+    </dgm:style>
+  </dgm:styleLbl>
+  <dgm:styleLbl name="solidFgAcc1">
+    <dgm:scene3d>
+      <a:camera prst="orthographicFront"/>
+      <a:lightRig rig="threePt" dir="t"/>
+    </dgm:scene3d>
+    <dgm:sp3d/>
+    <dgm:txPr/>
+    <dgm:style>
+      <a:lnRef idx="2">
+        <a:scrgbClr r="0" g="0" b="0"/>
+      </a:lnRef>
+      <a:fillRef idx="1">
+        <a:scrgbClr r="0" g="0" b="0"/>
+      </a:fillRef>
+      <a:effectRef idx="0">
+        <a:scrgbClr r="0" g="0" b="0"/>
+      </a:effectRef>
+      <a:fontRef idx="minor"/>
+    </dgm:style>
+  </dgm:styleLbl>
+  <dgm:styleLbl name="solidAlignAcc1">
+    <dgm:scene3d>
+      <a:camera prst="orthographicFront"/>
+      <a:lightRig rig="threePt" dir="t"/>
+    </dgm:scene3d>
+    <dgm:sp3d/>
+    <dgm:txPr/>
+    <dgm:style>
+      <a:lnRef idx="2">
+        <a:scrgbClr r="0" g="0" b="0"/>
+      </a:lnRef>
+      <a:fillRef idx="1">
+        <a:scrgbClr r="0" g="0" b="0"/>
+      </a:fillRef>
+      <a:effectRef idx="0">
+        <a:scrgbClr r="0" g="0" b="0"/>
+      </a:effectRef>
+      <a:fontRef idx="minor"/>
+    </dgm:style>
+  </dgm:styleLbl>
+  <dgm:styleLbl name="solidBgAcc1">
+    <dgm:scene3d>
+      <a:camera prst="orthographicFront"/>
+      <a:lightRig rig="threePt" dir="t"/>
+    </dgm:scene3d>
+    <dgm:sp3d/>
+    <dgm:txPr/>
+    <dgm:style>
+      <a:lnRef idx="2">
+        <a:scrgbClr r="0" g="0" b="0"/>
+      </a:lnRef>
+      <a:fillRef idx="1">
+        <a:scrgbClr r="0" g="0" b="0"/>
+      </a:fillRef>
+      <a:effectRef idx="0">
+        <a:scrgbClr r="0" g="0" b="0"/>
+      </a:effectRef>
+      <a:fontRef idx="minor"/>
+    </dgm:style>
+  </dgm:styleLbl>
+  <dgm:styleLbl name="fgAccFollowNode1">
+    <dgm:scene3d>
+      <a:camera prst="orthographicFront"/>
+      <a:lightRig rig="threePt" dir="t"/>
+    </dgm:scene3d>
+    <dgm:sp3d/>
+    <dgm:txPr/>
+    <dgm:style>
+      <a:lnRef idx="2">
+        <a:scrgbClr r="0" g="0" b="0"/>
+      </a:lnRef>
+      <a:fillRef idx="1">
+        <a:scrgbClr r="0" g="0" b="0"/>
+      </a:fillRef>
+      <a:effectRef idx="0">
+        <a:scrgbClr r="0" g="0" b="0"/>
+      </a:effectRef>
+      <a:fontRef idx="minor"/>
+    </dgm:style>
+  </dgm:styleLbl>
+  <dgm:styleLbl name="alignAccFollowNode1">
+    <dgm:scene3d>
+      <a:camera prst="orthographicFront"/>
+      <a:lightRig rig="threePt" dir="t"/>
+    </dgm:scene3d>
+    <dgm:sp3d/>
+    <dgm:txPr/>
+    <dgm:style>
+      <a:lnRef idx="2">
+        <a:scrgbClr r="0" g="0" b="0"/>
+      </a:lnRef>
+      <a:fillRef idx="1">
+        <a:scrgbClr r="0" g="0" b="0"/>
+      </a:fillRef>
+      <a:effectRef idx="0">
+        <a:scrgbClr r="0" g="0" b="0"/>
+      </a:effectRef>
+      <a:fontRef idx="minor"/>
+    </dgm:style>
+  </dgm:styleLbl>
+  <dgm:styleLbl name="bgAccFollowNode1">
+    <dgm:scene3d>
+      <a:camera prst="orthographicFront"/>
+      <a:lightRig rig="threePt" dir="t"/>
+    </dgm:scene3d>
+    <dgm:sp3d/>
+    <dgm:txPr/>
+    <dgm:style>
+      <a:lnRef idx="2">
+        <a:scrgbClr r="0" g="0" b="0"/>
+      </a:lnRef>
+      <a:fillRef idx="1">
+        <a:scrgbClr r="0" g="0" b="0"/>
+      </a:fillRef>
+      <a:effectRef idx="0">
+        <a:scrgbClr r="0" g="0" b="0"/>
+      </a:effectRef>
+      <a:fontRef idx="minor"/>
+    </dgm:style>
+  </dgm:styleLbl>
+  <dgm:styleLbl name="fgAcc0">
+    <dgm:scene3d>
+      <a:camera prst="orthographicFront"/>
+      <a:lightRig rig="threePt" dir="t"/>
+    </dgm:scene3d>
+    <dgm:sp3d/>
+    <dgm:txPr/>
+    <dgm:style>
+      <a:lnRef idx="2">
+        <a:scrgbClr r="0" g="0" b="0"/>
+      </a:lnRef>
+      <a:fillRef idx="1">
+        <a:scrgbClr r="0" g="0" b="0"/>
+      </a:fillRef>
+      <a:effectRef idx="0">
+        <a:scrgbClr r="0" g="0" b="0"/>
+      </a:effectRef>
+      <a:fontRef idx="minor"/>
+    </dgm:style>
+  </dgm:styleLbl>
+  <dgm:styleLbl name="fgAcc2">
+    <dgm:scene3d>
+      <a:camera prst="orthographicFront"/>
+      <a:lightRig rig="threePt" dir="t"/>
+    </dgm:scene3d>
+    <dgm:sp3d/>
+    <dgm:txPr/>
+    <dgm:style>
+      <a:lnRef idx="2">
+        <a:scrgbClr r="0" g="0" b="0"/>
+      </a:lnRef>
+      <a:fillRef idx="1">
+        <a:scrgbClr r="0" g="0" b="0"/>
+      </a:fillRef>
+      <a:effectRef idx="0">
+        <a:scrgbClr r="0" g="0" b="0"/>
+      </a:effectRef>
+      <a:fontRef idx="minor"/>
+    </dgm:style>
+  </dgm:styleLbl>
+  <dgm:styleLbl name="fgAcc3">
+    <dgm:scene3d>
+      <a:camera prst="orthographicFront"/>
+      <a:lightRig rig="threePt" dir="t"/>
+    </dgm:scene3d>
+    <dgm:sp3d/>
+    <dgm:txPr/>
+    <dgm:style>
+      <a:lnRef idx="2">
+        <a:scrgbClr r="0" g="0" b="0"/>
+      </a:lnRef>
+      <a:fillRef idx="1">
+        <a:scrgbClr r="0" g="0" b="0"/>
+      </a:fillRef>
+      <a:effectRef idx="0">
+        <a:scrgbClr r="0" g="0" b="0"/>
+      </a:effectRef>
+      <a:fontRef idx="minor"/>
+    </dgm:style>
+  </dgm:styleLbl>
+  <dgm:styleLbl name="fgAcc4">
+    <dgm:scene3d>
+      <a:camera prst="orthographicFront"/>
+      <a:lightRig rig="threePt" dir="t"/>
+    </dgm:scene3d>
+    <dgm:sp3d/>
+    <dgm:txPr/>
+    <dgm:style>
+      <a:lnRef idx="2">
+        <a:scrgbClr r="0" g="0" b="0"/>
+      </a:lnRef>
+      <a:fillRef idx="1">
+        <a:scrgbClr r="0" g="0" b="0"/>
+      </a:fillRef>
+      <a:effectRef idx="0">
+        <a:scrgbClr r="0" g="0" b="0"/>
+      </a:effectRef>
+      <a:fontRef idx="minor"/>
+    </dgm:style>
+  </dgm:styleLbl>
+  <dgm:styleLbl name="bgShp">
+    <dgm:scene3d>
+      <a:camera prst="orthographicFront"/>
+      <a:lightRig rig="threePt" dir="t"/>
+    </dgm:scene3d>
+    <dgm:sp3d/>
+    <dgm:txPr/>
+    <dgm:style>
+      <a:lnRef idx="0">
+        <a:scrgbClr r="0" g="0" b="0"/>
+      </a:lnRef>
+      <a:fillRef idx="1">
+        <a:scrgbClr r="0" g="0" b="0"/>
+      </a:fillRef>
+      <a:effectRef idx="0">
+        <a:scrgbClr r="0" g="0" b="0"/>
+      </a:effectRef>
+      <a:fontRef idx="minor"/>
+    </dgm:style>
+  </dgm:styleLbl>
+  <dgm:styleLbl name="dkBgShp">
+    <dgm:scene3d>
+      <a:camera prst="orthographicFront"/>
+      <a:lightRig rig="threePt" dir="t"/>
+    </dgm:scene3d>
+    <dgm:sp3d/>
+    <dgm:txPr/>
+    <dgm:style>
+      <a:lnRef idx="0">
+        <a:scrgbClr r="0" g="0" b="0"/>
+      </a:lnRef>
+      <a:fillRef idx="1">
+        <a:scrgbClr r="0" g="0" b="0"/>
+      </a:fillRef>
+      <a:effectRef idx="0">
+        <a:scrgbClr r="0" g="0" b="0"/>
+      </a:effectRef>
+      <a:fontRef idx="minor"/>
+    </dgm:style>
+  </dgm:styleLbl>
+  <dgm:styleLbl name="trBgShp">
+    <dgm:scene3d>
+      <a:camera prst="orthographicFront"/>
+      <a:lightRig rig="threePt" dir="t"/>
+    </dgm:scene3d>
+    <dgm:sp3d/>
+    <dgm:txPr/>
+    <dgm:style>
+      <a:lnRef idx="0">
+        <a:scrgbClr r="0" g="0" b="0"/>
+      </a:lnRef>
+      <a:fillRef idx="1">
+        <a:scrgbClr r="0" g="0" b="0"/>
+      </a:fillRef>
+      <a:effectRef idx="0">
+        <a:scrgbClr r="0" g="0" b="0"/>
+      </a:effectRef>
+      <a:fontRef idx="minor"/>
+    </dgm:style>
+  </dgm:styleLbl>
+  <dgm:styleLbl name="fgShp">
+    <dgm:scene3d>
+      <a:camera prst="orthographicFront"/>
+      <a:lightRig rig="threePt" dir="t"/>
+    </dgm:scene3d>
+    <dgm:sp3d/>
+    <dgm:txPr/>
+    <dgm:style>
+      <a:lnRef idx="2">
+        <a:scrgbClr r="0" g="0" b="0"/>
+      </a:lnRef>
+      <a:fillRef idx="1">
+        <a:scrgbClr r="0" g="0" b="0"/>
+      </a:fillRef>
+      <a:effectRef idx="0">
+        <a:scrgbClr r="0" g="0" b="0"/>
+      </a:effectRef>
+      <a:fontRef idx="minor"/>
+    </dgm:style>
+  </dgm:styleLbl>
+  <dgm:styleLbl name="revTx">
+    <dgm:scene3d>
+      <a:camera prst="orthographicFront"/>
+      <a:lightRig rig="threePt" dir="t"/>
+    </dgm:scene3d>
+    <dgm:sp3d/>
+    <dgm:txPr/>
+    <dgm:style>
+      <a:lnRef idx="0">
+        <a:scrgbClr r="0" g="0" b="0"/>
+      </a:lnRef>
+      <a:fillRef idx="0">
+        <a:scrgbClr r="0" g="0" b="0"/>
+      </a:fillRef>
+      <a:effectRef idx="0">
+        <a:scrgbClr r="0" g="0" b="0"/>
+      </a:effectRef>
+      <a:fontRef idx="minor"/>
+    </dgm:style>
+  </dgm:styleLbl>
+</dgm:styleDef>
 </file>
 
 <file path=ppt/handoutMasters/handoutMaster1.xml><?xml version="1.0" encoding="utf-8"?>
@@ -8308,6 +10776,36 @@
           </a:prstGeom>
         </p:spPr>
       </p:pic>
+      <p:pic>
+        <p:nvPicPr>
+          <p:cNvPr id="6" name="图片 5">
+            <a:extLst>
+              <a:ext uri="{FF2B5EF4-FFF2-40B4-BE49-F238E27FC236}">
+                <a16:creationId xmlns:a16="http://schemas.microsoft.com/office/drawing/2014/main" id="{6AD070D4-189C-9C49-9524-E0C59E46059C}"/>
+              </a:ext>
+            </a:extLst>
+          </p:cNvPr>
+          <p:cNvPicPr>
+            <a:picLocks noChangeAspect="1"/>
+          </p:cNvPicPr>
+          <p:nvPr/>
+        </p:nvPicPr>
+        <p:blipFill>
+          <a:blip r:link="rId3"/>
+          <a:stretch>
+            <a:fillRect/>
+          </a:stretch>
+        </p:blipFill>
+        <p:spPr>
+          <a:xfrm>
+            <a:off x="1270000" y="1270000"/>
+            <a:ext cx="63500" cy="76200"/>
+          </a:xfrm>
+          <a:prstGeom prst="rect">
+            <a:avLst/>
+          </a:prstGeom>
+        </p:spPr>
+      </p:pic>
     </p:spTree>
     <p:extLst>
       <p:ext uri="{BB962C8B-B14F-4D97-AF65-F5344CB8AC3E}">
@@ -8334,6 +10832,486 @@
 </file>
 
 <file path=ppt/slides/slide10.xml><?xml version="1.0" encoding="utf-8"?>
+<p:sld xmlns:a="http://schemas.openxmlformats.org/drawingml/2006/main" xmlns:r="http://schemas.openxmlformats.org/officeDocument/2006/relationships" xmlns:p="http://schemas.openxmlformats.org/presentationml/2006/main">
+  <p:cSld>
+    <p:spTree>
+      <p:nvGrpSpPr>
+        <p:cNvPr id="1" name=""/>
+        <p:cNvGrpSpPr/>
+        <p:nvPr/>
+      </p:nvGrpSpPr>
+      <p:grpSpPr>
+        <a:xfrm>
+          <a:off x="0" y="0"/>
+          <a:ext cx="0" cy="0"/>
+          <a:chOff x="0" y="0"/>
+          <a:chExt cx="0" cy="0"/>
+        </a:xfrm>
+      </p:grpSpPr>
+      <p:pic>
+        <p:nvPicPr>
+          <p:cNvPr id="4" name="图片 3"/>
+          <p:cNvPicPr>
+            <a:picLocks noChangeAspect="1"/>
+          </p:cNvPicPr>
+          <p:nvPr/>
+        </p:nvPicPr>
+        <p:blipFill>
+          <a:blip r:embed="rId2"/>
+          <a:stretch>
+            <a:fillRect/>
+          </a:stretch>
+        </p:blipFill>
+        <p:spPr>
+          <a:xfrm>
+            <a:off x="2566020" y="459183"/>
+            <a:ext cx="7979298" cy="5609737"/>
+          </a:xfrm>
+          <a:prstGeom prst="rect">
+            <a:avLst/>
+          </a:prstGeom>
+        </p:spPr>
+      </p:pic>
+      <p:sp>
+        <p:nvSpPr>
+          <p:cNvPr id="2" name="矩形 1">
+            <a:extLst>
+              <a:ext uri="{FF2B5EF4-FFF2-40B4-BE49-F238E27FC236}">
+                <a16:creationId xmlns:a16="http://schemas.microsoft.com/office/drawing/2014/main" id="{D63B7F8A-C3CA-0744-BC8E-52D204AA117C}"/>
+              </a:ext>
+            </a:extLst>
+          </p:cNvPr>
+          <p:cNvSpPr/>
+          <p:nvPr/>
+        </p:nvSpPr>
+        <p:spPr>
+          <a:xfrm>
+            <a:off x="1104834" y="268907"/>
+            <a:ext cx="9577064" cy="380553"/>
+          </a:xfrm>
+          <a:prstGeom prst="rect">
+            <a:avLst/>
+          </a:prstGeom>
+        </p:spPr>
+        <p:txBody>
+          <a:bodyPr wrap="square">
+            <a:spAutoFit/>
+          </a:bodyPr>
+          <a:lstStyle/>
+          <a:p>
+            <a:pPr>
+              <a:lnSpc>
+                <a:spcPct val="120000"/>
+              </a:lnSpc>
+            </a:pPr>
+            <a:r>
+              <a:rPr kumimoji="1" lang="zh-CN" altLang="en-US" dirty="0">
+                <a:latin typeface="楷体" panose="02010609060101010101" pitchFamily="49" charset="-122"/>
+                <a:ea typeface="楷体" panose="02010609060101010101" pitchFamily="49" charset="-122"/>
+              </a:rPr>
+              <a:t>每次投放黑色石头</a:t>
+            </a:r>
+            <a:r>
+              <a:rPr kumimoji="1" lang="en-US" altLang="zh-CN" dirty="0">
+                <a:latin typeface="楷体" panose="02010609060101010101" pitchFamily="49" charset="-122"/>
+                <a:ea typeface="楷体" panose="02010609060101010101" pitchFamily="49" charset="-122"/>
+              </a:rPr>
+              <a:t>=IF THEN ELSE(</a:t>
+            </a:r>
+            <a:r>
+              <a:rPr kumimoji="1" lang="zh-CN" altLang="en-US" dirty="0">
+                <a:latin typeface="楷体" panose="02010609060101010101" pitchFamily="49" charset="-122"/>
+                <a:ea typeface="楷体" panose="02010609060101010101" pitchFamily="49" charset="-122"/>
+              </a:rPr>
+              <a:t>随机投放的石头概率</a:t>
+            </a:r>
+            <a:r>
+              <a:rPr kumimoji="1" lang="en-US" altLang="zh-CN" dirty="0">
+                <a:latin typeface="楷体" panose="02010609060101010101" pitchFamily="49" charset="-122"/>
+                <a:ea typeface="楷体" panose="02010609060101010101" pitchFamily="49" charset="-122"/>
+              </a:rPr>
+              <a:t>&lt;</a:t>
+            </a:r>
+            <a:r>
+              <a:rPr kumimoji="1" lang="zh-CN" altLang="en-US" dirty="0">
+                <a:latin typeface="楷体" panose="02010609060101010101" pitchFamily="49" charset="-122"/>
+                <a:ea typeface="楷体" panose="02010609060101010101" pitchFamily="49" charset="-122"/>
+              </a:rPr>
+              <a:t>黑色石头比例</a:t>
+            </a:r>
+            <a:r>
+              <a:rPr kumimoji="1" lang="en-US" altLang="zh-CN" dirty="0">
+                <a:latin typeface="楷体" panose="02010609060101010101" pitchFamily="49" charset="-122"/>
+                <a:ea typeface="楷体" panose="02010609060101010101" pitchFamily="49" charset="-122"/>
+              </a:rPr>
+              <a:t>, </a:t>
+            </a:r>
+            <a:r>
+              <a:rPr kumimoji="1" lang="zh-CN" altLang="en-US" dirty="0">
+                <a:latin typeface="楷体" panose="02010609060101010101" pitchFamily="49" charset="-122"/>
+                <a:ea typeface="楷体" panose="02010609060101010101" pitchFamily="49" charset="-122"/>
+              </a:rPr>
+              <a:t>每次投放的石头 </a:t>
+            </a:r>
+            <a:r>
+              <a:rPr kumimoji="1" lang="en-US" altLang="zh-CN" dirty="0">
+                <a:latin typeface="楷体" panose="02010609060101010101" pitchFamily="49" charset="-122"/>
+                <a:ea typeface="楷体" panose="02010609060101010101" pitchFamily="49" charset="-122"/>
+              </a:rPr>
+              <a:t>,0 )</a:t>
+            </a:r>
+          </a:p>
+        </p:txBody>
+      </p:sp>
+      <p:sp>
+        <p:nvSpPr>
+          <p:cNvPr id="3" name="矩形 2">
+            <a:extLst>
+              <a:ext uri="{FF2B5EF4-FFF2-40B4-BE49-F238E27FC236}">
+                <a16:creationId xmlns:a16="http://schemas.microsoft.com/office/drawing/2014/main" id="{E440893E-63CF-F943-BC67-32A8351650C6}"/>
+              </a:ext>
+            </a:extLst>
+          </p:cNvPr>
+          <p:cNvSpPr/>
+          <p:nvPr/>
+        </p:nvSpPr>
+        <p:spPr>
+          <a:xfrm>
+            <a:off x="1125860" y="5517232"/>
+            <a:ext cx="9937104" cy="380553"/>
+          </a:xfrm>
+          <a:prstGeom prst="rect">
+            <a:avLst/>
+          </a:prstGeom>
+        </p:spPr>
+        <p:txBody>
+          <a:bodyPr wrap="square">
+            <a:spAutoFit/>
+          </a:bodyPr>
+          <a:lstStyle/>
+          <a:p>
+            <a:pPr>
+              <a:lnSpc>
+                <a:spcPct val="120000"/>
+              </a:lnSpc>
+            </a:pPr>
+            <a:r>
+              <a:rPr kumimoji="1" lang="zh-CN" altLang="en-US" dirty="0">
+                <a:latin typeface="楷体" panose="02010609060101010101" pitchFamily="49" charset="-122"/>
+                <a:ea typeface="楷体" panose="02010609060101010101" pitchFamily="49" charset="-122"/>
+              </a:rPr>
+              <a:t>每次投放白色石头</a:t>
+            </a:r>
+            <a:r>
+              <a:rPr kumimoji="1" lang="en-US" altLang="zh-CN" dirty="0">
+                <a:latin typeface="楷体" panose="02010609060101010101" pitchFamily="49" charset="-122"/>
+                <a:ea typeface="楷体" panose="02010609060101010101" pitchFamily="49" charset="-122"/>
+              </a:rPr>
+              <a:t>=IF THEN ELSE(1-</a:t>
+            </a:r>
+            <a:r>
+              <a:rPr kumimoji="1" lang="zh-CN" altLang="en-US" dirty="0">
+                <a:latin typeface="楷体" panose="02010609060101010101" pitchFamily="49" charset="-122"/>
+                <a:ea typeface="楷体" panose="02010609060101010101" pitchFamily="49" charset="-122"/>
+              </a:rPr>
+              <a:t>随机投放的石头概率</a:t>
+            </a:r>
+            <a:r>
+              <a:rPr kumimoji="1" lang="en-US" altLang="zh-CN" dirty="0">
+                <a:latin typeface="楷体" panose="02010609060101010101" pitchFamily="49" charset="-122"/>
+                <a:ea typeface="楷体" panose="02010609060101010101" pitchFamily="49" charset="-122"/>
+              </a:rPr>
+              <a:t>&lt;</a:t>
+            </a:r>
+            <a:r>
+              <a:rPr kumimoji="1" lang="zh-CN" altLang="en-US" dirty="0">
+                <a:latin typeface="楷体" panose="02010609060101010101" pitchFamily="49" charset="-122"/>
+                <a:ea typeface="楷体" panose="02010609060101010101" pitchFamily="49" charset="-122"/>
+              </a:rPr>
+              <a:t>白色石头比例</a:t>
+            </a:r>
+            <a:r>
+              <a:rPr kumimoji="1" lang="en-US" altLang="zh-CN" dirty="0">
+                <a:latin typeface="楷体" panose="02010609060101010101" pitchFamily="49" charset="-122"/>
+                <a:ea typeface="楷体" panose="02010609060101010101" pitchFamily="49" charset="-122"/>
+              </a:rPr>
+              <a:t>, </a:t>
+            </a:r>
+            <a:r>
+              <a:rPr kumimoji="1" lang="zh-CN" altLang="en-US" dirty="0">
+                <a:latin typeface="楷体" panose="02010609060101010101" pitchFamily="49" charset="-122"/>
+                <a:ea typeface="楷体" panose="02010609060101010101" pitchFamily="49" charset="-122"/>
+              </a:rPr>
+              <a:t>每次投放的石头 </a:t>
+            </a:r>
+            <a:r>
+              <a:rPr kumimoji="1" lang="en-US" altLang="zh-CN" dirty="0">
+                <a:latin typeface="楷体" panose="02010609060101010101" pitchFamily="49" charset="-122"/>
+                <a:ea typeface="楷体" panose="02010609060101010101" pitchFamily="49" charset="-122"/>
+              </a:rPr>
+              <a:t>, 0)</a:t>
+            </a:r>
+          </a:p>
+        </p:txBody>
+      </p:sp>
+    </p:spTree>
+    <p:extLst>
+      <p:ext uri="{BB962C8B-B14F-4D97-AF65-F5344CB8AC3E}">
+        <p14:creationId xmlns:p14="http://schemas.microsoft.com/office/powerpoint/2010/main" val="3900310609"/>
+      </p:ext>
+    </p:extLst>
+  </p:cSld>
+  <p:clrMapOvr>
+    <a:masterClrMapping/>
+  </p:clrMapOvr>
+  <mc:AlternateContent xmlns:mc="http://schemas.openxmlformats.org/markup-compatibility/2006" xmlns:p14="http://schemas.microsoft.com/office/powerpoint/2010/main">
+    <mc:Choice Requires="p14">
+      <p:transition spd="med" p14:dur="700">
+        <p:fade/>
+      </p:transition>
+    </mc:Choice>
+    <mc:Fallback xmlns="">
+      <p:transition spd="med">
+        <p:fade/>
+      </p:transition>
+    </mc:Fallback>
+  </mc:AlternateContent>
+  <p:timing>
+    <p:tnLst>
+      <p:par>
+        <p:cTn id="1" dur="indefinite" restart="never" nodeType="tmRoot">
+          <p:childTnLst>
+            <p:seq concurrent="1" nextAc="seek">
+              <p:cTn id="2" dur="indefinite" nodeType="mainSeq">
+                <p:childTnLst>
+                  <p:par>
+                    <p:cTn id="3" fill="hold">
+                      <p:stCondLst>
+                        <p:cond delay="indefinite"/>
+                      </p:stCondLst>
+                      <p:childTnLst>
+                        <p:par>
+                          <p:cTn id="4" fill="hold">
+                            <p:stCondLst>
+                              <p:cond delay="0"/>
+                            </p:stCondLst>
+                            <p:childTnLst>
+                              <p:par>
+                                <p:cTn id="5" presetID="42" presetClass="entr" presetSubtype="0" fill="hold" grpId="0" nodeType="clickEffect">
+                                  <p:stCondLst>
+                                    <p:cond delay="0"/>
+                                  </p:stCondLst>
+                                  <p:childTnLst>
+                                    <p:set>
+                                      <p:cBhvr>
+                                        <p:cTn id="6" dur="1" fill="hold">
+                                          <p:stCondLst>
+                                            <p:cond delay="0"/>
+                                          </p:stCondLst>
+                                        </p:cTn>
+                                        <p:tgtEl>
+                                          <p:spTgt spid="2"/>
+                                        </p:tgtEl>
+                                        <p:attrNameLst>
+                                          <p:attrName>style.visibility</p:attrName>
+                                        </p:attrNameLst>
+                                      </p:cBhvr>
+                                      <p:to>
+                                        <p:strVal val="visible"/>
+                                      </p:to>
+                                    </p:set>
+                                    <p:animEffect transition="in" filter="fade">
+                                      <p:cBhvr>
+                                        <p:cTn id="7" dur="1000"/>
+                                        <p:tgtEl>
+                                          <p:spTgt spid="2"/>
+                                        </p:tgtEl>
+                                      </p:cBhvr>
+                                    </p:animEffect>
+                                    <p:anim calcmode="lin" valueType="num">
+                                      <p:cBhvr>
+                                        <p:cTn id="8" dur="1000" fill="hold"/>
+                                        <p:tgtEl>
+                                          <p:spTgt spid="2"/>
+                                        </p:tgtEl>
+                                        <p:attrNameLst>
+                                          <p:attrName>ppt_x</p:attrName>
+                                        </p:attrNameLst>
+                                      </p:cBhvr>
+                                      <p:tavLst>
+                                        <p:tav tm="0">
+                                          <p:val>
+                                            <p:strVal val="#ppt_x"/>
+                                          </p:val>
+                                        </p:tav>
+                                        <p:tav tm="100000">
+                                          <p:val>
+                                            <p:strVal val="#ppt_x"/>
+                                          </p:val>
+                                        </p:tav>
+                                      </p:tavLst>
+                                    </p:anim>
+                                    <p:anim calcmode="lin" valueType="num">
+                                      <p:cBhvr>
+                                        <p:cTn id="9" dur="1000" fill="hold"/>
+                                        <p:tgtEl>
+                                          <p:spTgt spid="2"/>
+                                        </p:tgtEl>
+                                        <p:attrNameLst>
+                                          <p:attrName>ppt_y</p:attrName>
+                                        </p:attrNameLst>
+                                      </p:cBhvr>
+                                      <p:tavLst>
+                                        <p:tav tm="0">
+                                          <p:val>
+                                            <p:strVal val="#ppt_y+.1"/>
+                                          </p:val>
+                                        </p:tav>
+                                        <p:tav tm="100000">
+                                          <p:val>
+                                            <p:strVal val="#ppt_y"/>
+                                          </p:val>
+                                        </p:tav>
+                                      </p:tavLst>
+                                    </p:anim>
+                                  </p:childTnLst>
+                                </p:cTn>
+                              </p:par>
+                            </p:childTnLst>
+                          </p:cTn>
+                        </p:par>
+                      </p:childTnLst>
+                    </p:cTn>
+                  </p:par>
+                  <p:par>
+                    <p:cTn id="10" fill="hold">
+                      <p:stCondLst>
+                        <p:cond delay="indefinite"/>
+                      </p:stCondLst>
+                      <p:childTnLst>
+                        <p:par>
+                          <p:cTn id="11" fill="hold">
+                            <p:stCondLst>
+                              <p:cond delay="0"/>
+                            </p:stCondLst>
+                            <p:childTnLst>
+                              <p:par>
+                                <p:cTn id="12" presetID="42" presetClass="entr" presetSubtype="0" fill="hold" grpId="0" nodeType="clickEffect">
+                                  <p:stCondLst>
+                                    <p:cond delay="0"/>
+                                  </p:stCondLst>
+                                  <p:childTnLst>
+                                    <p:set>
+                                      <p:cBhvr>
+                                        <p:cTn id="13" dur="1" fill="hold">
+                                          <p:stCondLst>
+                                            <p:cond delay="0"/>
+                                          </p:stCondLst>
+                                        </p:cTn>
+                                        <p:tgtEl>
+                                          <p:spTgt spid="3"/>
+                                        </p:tgtEl>
+                                        <p:attrNameLst>
+                                          <p:attrName>style.visibility</p:attrName>
+                                        </p:attrNameLst>
+                                      </p:cBhvr>
+                                      <p:to>
+                                        <p:strVal val="visible"/>
+                                      </p:to>
+                                    </p:set>
+                                    <p:animEffect transition="in" filter="fade">
+                                      <p:cBhvr>
+                                        <p:cTn id="14" dur="1000"/>
+                                        <p:tgtEl>
+                                          <p:spTgt spid="3"/>
+                                        </p:tgtEl>
+                                      </p:cBhvr>
+                                    </p:animEffect>
+                                    <p:anim calcmode="lin" valueType="num">
+                                      <p:cBhvr>
+                                        <p:cTn id="15" dur="1000" fill="hold"/>
+                                        <p:tgtEl>
+                                          <p:spTgt spid="3"/>
+                                        </p:tgtEl>
+                                        <p:attrNameLst>
+                                          <p:attrName>ppt_x</p:attrName>
+                                        </p:attrNameLst>
+                                      </p:cBhvr>
+                                      <p:tavLst>
+                                        <p:tav tm="0">
+                                          <p:val>
+                                            <p:strVal val="#ppt_x"/>
+                                          </p:val>
+                                        </p:tav>
+                                        <p:tav tm="100000">
+                                          <p:val>
+                                            <p:strVal val="#ppt_x"/>
+                                          </p:val>
+                                        </p:tav>
+                                      </p:tavLst>
+                                    </p:anim>
+                                    <p:anim calcmode="lin" valueType="num">
+                                      <p:cBhvr>
+                                        <p:cTn id="16" dur="1000" fill="hold"/>
+                                        <p:tgtEl>
+                                          <p:spTgt spid="3"/>
+                                        </p:tgtEl>
+                                        <p:attrNameLst>
+                                          <p:attrName>ppt_y</p:attrName>
+                                        </p:attrNameLst>
+                                      </p:cBhvr>
+                                      <p:tavLst>
+                                        <p:tav tm="0">
+                                          <p:val>
+                                            <p:strVal val="#ppt_y+.1"/>
+                                          </p:val>
+                                        </p:tav>
+                                        <p:tav tm="100000">
+                                          <p:val>
+                                            <p:strVal val="#ppt_y"/>
+                                          </p:val>
+                                        </p:tav>
+                                      </p:tavLst>
+                                    </p:anim>
+                                  </p:childTnLst>
+                                </p:cTn>
+                              </p:par>
+                            </p:childTnLst>
+                          </p:cTn>
+                        </p:par>
+                      </p:childTnLst>
+                    </p:cTn>
+                  </p:par>
+                </p:childTnLst>
+              </p:cTn>
+              <p:prevCondLst>
+                <p:cond evt="onPrev" delay="0">
+                  <p:tgtEl>
+                    <p:sldTgt/>
+                  </p:tgtEl>
+                </p:cond>
+              </p:prevCondLst>
+              <p:nextCondLst>
+                <p:cond evt="onNext" delay="0">
+                  <p:tgtEl>
+                    <p:sldTgt/>
+                  </p:tgtEl>
+                </p:cond>
+              </p:nextCondLst>
+            </p:seq>
+          </p:childTnLst>
+        </p:cTn>
+      </p:par>
+    </p:tnLst>
+    <p:bldLst>
+      <p:bldP spid="2" grpId="0"/>
+      <p:bldP spid="3" grpId="0"/>
+    </p:bldLst>
+  </p:timing>
+</p:sld>
+</file>
+
+<file path=ppt/slides/slide11.xml><?xml version="1.0" encoding="utf-8"?>
 <p:sld xmlns:a="http://schemas.openxmlformats.org/drawingml/2006/main" xmlns:r="http://schemas.openxmlformats.org/officeDocument/2006/relationships" xmlns:p="http://schemas.openxmlformats.org/presentationml/2006/main">
   <p:cSld>
     <p:spTree>
@@ -8636,7 +11614,7 @@
 </p:sld>
 </file>
 
-<file path=ppt/slides/slide11.xml><?xml version="1.0" encoding="utf-8"?>
+<file path=ppt/slides/slide12.xml><?xml version="1.0" encoding="utf-8"?>
 <p:sld xmlns:a="http://schemas.openxmlformats.org/drawingml/2006/main" xmlns:r="http://schemas.openxmlformats.org/officeDocument/2006/relationships" xmlns:p="http://schemas.openxmlformats.org/presentationml/2006/main">
   <p:cSld>
     <p:spTree>
@@ -8976,7 +11954,7 @@
 </p:sld>
 </file>
 
-<file path=ppt/slides/slide12.xml><?xml version="1.0" encoding="utf-8"?>
+<file path=ppt/slides/slide13.xml><?xml version="1.0" encoding="utf-8"?>
 <p:sld xmlns:a="http://schemas.openxmlformats.org/drawingml/2006/main" xmlns:r="http://schemas.openxmlformats.org/officeDocument/2006/relationships" xmlns:p="http://schemas.openxmlformats.org/presentationml/2006/main">
   <p:cSld>
     <p:spTree>
@@ -9156,7 +12134,7 @@
 </p:sld>
 </file>
 
-<file path=ppt/slides/slide13.xml><?xml version="1.0" encoding="utf-8"?>
+<file path=ppt/slides/slide14.xml><?xml version="1.0" encoding="utf-8"?>
 <p:sld xmlns:a="http://schemas.openxmlformats.org/drawingml/2006/main" xmlns:r="http://schemas.openxmlformats.org/officeDocument/2006/relationships" xmlns:p="http://schemas.openxmlformats.org/presentationml/2006/main">
   <p:cSld>
     <p:spTree>
@@ -9459,7 +12437,7 @@
 </p:sld>
 </file>
 
-<file path=ppt/slides/slide14.xml><?xml version="1.0" encoding="utf-8"?>
+<file path=ppt/slides/slide15.xml><?xml version="1.0" encoding="utf-8"?>
 <p:sld xmlns:a="http://schemas.openxmlformats.org/drawingml/2006/main" xmlns:r="http://schemas.openxmlformats.org/officeDocument/2006/relationships" xmlns:p="http://schemas.openxmlformats.org/presentationml/2006/main">
   <p:cSld>
     <p:spTree>
@@ -12146,6 +15124,36 @@
           </a:prstGeom>
         </p:spPr>
       </p:pic>
+      <p:pic>
+        <p:nvPicPr>
+          <p:cNvPr id="8" name="图片 7">
+            <a:extLst>
+              <a:ext uri="{FF2B5EF4-FFF2-40B4-BE49-F238E27FC236}">
+                <a16:creationId xmlns:a16="http://schemas.microsoft.com/office/drawing/2014/main" id="{CD8B40CF-89B6-0B44-8FD5-648C7A3B5EDA}"/>
+              </a:ext>
+            </a:extLst>
+          </p:cNvPr>
+          <p:cNvPicPr>
+            <a:picLocks noChangeAspect="1"/>
+          </p:cNvPicPr>
+          <p:nvPr/>
+        </p:nvPicPr>
+        <p:blipFill>
+          <a:blip r:embed="rId5"/>
+          <a:stretch>
+            <a:fillRect/>
+          </a:stretch>
+        </p:blipFill>
+        <p:spPr>
+          <a:xfrm>
+            <a:off x="621804" y="3571875"/>
+            <a:ext cx="5554985" cy="3086100"/>
+          </a:xfrm>
+          <a:prstGeom prst="rect">
+            <a:avLst/>
+          </a:prstGeom>
+        </p:spPr>
+      </p:pic>
     </p:spTree>
     <p:extLst>
       <p:ext uri="{BB962C8B-B14F-4D97-AF65-F5344CB8AC3E}">
@@ -12470,6 +15478,913 @@
 </file>
 
 <file path=ppt/slides/slide7.xml><?xml version="1.0" encoding="utf-8"?>
+<p:sld xmlns:a="http://schemas.openxmlformats.org/drawingml/2006/main" xmlns:r="http://schemas.openxmlformats.org/officeDocument/2006/relationships" xmlns:p="http://schemas.openxmlformats.org/presentationml/2006/main">
+  <p:cSld>
+    <p:spTree>
+      <p:nvGrpSpPr>
+        <p:cNvPr id="1" name=""/>
+        <p:cNvGrpSpPr/>
+        <p:nvPr/>
+      </p:nvGrpSpPr>
+      <p:grpSpPr>
+        <a:xfrm>
+          <a:off x="0" y="0"/>
+          <a:ext cx="0" cy="0"/>
+          <a:chOff x="0" y="0"/>
+          <a:chExt cx="0" cy="0"/>
+        </a:xfrm>
+      </p:grpSpPr>
+      <p:sp>
+        <p:nvSpPr>
+          <p:cNvPr id="2" name="标题 1"/>
+          <p:cNvSpPr>
+            <a:spLocks noGrp="1"/>
+          </p:cNvSpPr>
+          <p:nvPr>
+            <p:ph type="title"/>
+          </p:nvPr>
+        </p:nvSpPr>
+        <p:spPr/>
+        <p:txBody>
+          <a:bodyPr/>
+          <a:lstStyle/>
+          <a:p>
+            <a:r>
+              <a:rPr lang="en-US" altLang="zh-CN" dirty="0"/>
+              <a:t>S</a:t>
+            </a:r>
+            <a:r>
+              <a:rPr lang="zh-CN" altLang="en-US" dirty="0"/>
+              <a:t>型增长模式</a:t>
+            </a:r>
+          </a:p>
+        </p:txBody>
+      </p:sp>
+      <p:sp>
+        <p:nvSpPr>
+          <p:cNvPr id="3" name="内容占位符 2"/>
+          <p:cNvSpPr>
+            <a:spLocks noGrp="1"/>
+          </p:cNvSpPr>
+          <p:nvPr>
+            <p:ph idx="1"/>
+          </p:nvPr>
+        </p:nvSpPr>
+        <p:spPr>
+          <a:xfrm>
+            <a:off x="1341884" y="1603775"/>
+            <a:ext cx="8533423" cy="4572000"/>
+          </a:xfrm>
+        </p:spPr>
+        <p:txBody>
+          <a:bodyPr/>
+          <a:lstStyle/>
+          <a:p>
+            <a:r>
+              <a:rPr lang="zh-CN" altLang="en-US" dirty="0"/>
+              <a:t>正负回路同时存在于系统中</a:t>
+            </a:r>
+            <a:endParaRPr lang="en-US" altLang="zh-CN" dirty="0"/>
+          </a:p>
+          <a:p>
+            <a:pPr lvl="1"/>
+            <a:r>
+              <a:rPr lang="zh-CN" altLang="en-US" dirty="0"/>
+              <a:t>正反馈回路持续强化系统变化趋势</a:t>
+            </a:r>
+            <a:endParaRPr lang="en-US" altLang="zh-CN" dirty="0"/>
+          </a:p>
+          <a:p>
+            <a:pPr lvl="1"/>
+            <a:r>
+              <a:rPr lang="zh-CN" altLang="en-US" dirty="0"/>
+              <a:t>负反馈回路迫使系统向平衡点变化</a:t>
+            </a:r>
+            <a:endParaRPr lang="en-US" altLang="zh-CN" dirty="0"/>
+          </a:p>
+          <a:p>
+            <a:r>
+              <a:rPr lang="zh-CN" altLang="en-US" dirty="0"/>
+              <a:t>主导回路</a:t>
+            </a:r>
+            <a:endParaRPr lang="en-US" altLang="zh-CN" dirty="0"/>
+          </a:p>
+          <a:p>
+            <a:pPr lvl="1"/>
+            <a:r>
+              <a:rPr lang="zh-CN" altLang="en-US" dirty="0"/>
+              <a:t>正反馈 系统对外表现出强化特征</a:t>
+            </a:r>
+            <a:endParaRPr lang="en-US" altLang="zh-CN" dirty="0"/>
+          </a:p>
+          <a:p>
+            <a:pPr lvl="1"/>
+            <a:r>
+              <a:rPr lang="zh-CN" altLang="en-US" dirty="0"/>
+              <a:t>负反馈 系统对外表现出寻的特征</a:t>
+            </a:r>
+            <a:endParaRPr lang="en-US" altLang="zh-CN" dirty="0"/>
+          </a:p>
+          <a:p>
+            <a:r>
+              <a:rPr lang="zh-CN" altLang="en-US" dirty="0"/>
+              <a:t>主导回路的转化</a:t>
+            </a:r>
+            <a:endParaRPr lang="en-US" altLang="zh-CN" dirty="0"/>
+          </a:p>
+          <a:p>
+            <a:pPr lvl="1"/>
+            <a:r>
+              <a:rPr lang="zh-CN" altLang="en-US" dirty="0"/>
+              <a:t>发展阶段正反馈回路是主导回路</a:t>
+            </a:r>
+            <a:endParaRPr lang="en-US" altLang="zh-CN" dirty="0"/>
+          </a:p>
+          <a:p>
+            <a:pPr lvl="1"/>
+            <a:r>
+              <a:rPr lang="zh-CN" altLang="en-US" dirty="0"/>
+              <a:t>发展到一定程度负反馈成为主导回路，制约正反馈</a:t>
+            </a:r>
+          </a:p>
+        </p:txBody>
+      </p:sp>
+      <p:grpSp>
+        <p:nvGrpSpPr>
+          <p:cNvPr id="6" name="组合 5"/>
+          <p:cNvGrpSpPr/>
+          <p:nvPr/>
+        </p:nvGrpSpPr>
+        <p:grpSpPr>
+          <a:xfrm>
+            <a:off x="5734372" y="260648"/>
+            <a:ext cx="6073511" cy="2088232"/>
+            <a:chOff x="4726260" y="2276872"/>
+            <a:chExt cx="6721985" cy="2088232"/>
+          </a:xfrm>
+        </p:grpSpPr>
+        <p:graphicFrame>
+          <p:nvGraphicFramePr>
+            <p:cNvPr id="4" name="图示 3"/>
+            <p:cNvGraphicFramePr/>
+            <p:nvPr>
+              <p:extLst/>
+            </p:nvPr>
+          </p:nvGraphicFramePr>
+          <p:xfrm>
+            <a:off x="4726260" y="2276872"/>
+            <a:ext cx="6721985" cy="2088232"/>
+          </p:xfrm>
+          <a:graphic>
+            <a:graphicData uri="http://schemas.openxmlformats.org/drawingml/2006/diagram">
+              <dgm:relIds xmlns:dgm="http://schemas.openxmlformats.org/drawingml/2006/diagram" xmlns:r="http://schemas.openxmlformats.org/officeDocument/2006/relationships" r:dm="rId2" r:lo="rId3" r:qs="rId4" r:cs="rId5"/>
+            </a:graphicData>
+          </a:graphic>
+        </p:graphicFrame>
+        <p:sp>
+          <p:nvSpPr>
+            <p:cNvPr id="5" name="等腰三角形 4"/>
+            <p:cNvSpPr/>
+            <p:nvPr/>
+          </p:nvSpPr>
+          <p:spPr>
+            <a:xfrm>
+              <a:off x="7966620" y="3320988"/>
+              <a:ext cx="432048" cy="360040"/>
+            </a:xfrm>
+            <a:prstGeom prst="triangle">
+              <a:avLst/>
+            </a:prstGeom>
+            <a:solidFill>
+              <a:srgbClr val="7030A0"/>
+            </a:solidFill>
+          </p:spPr>
+          <p:style>
+            <a:lnRef idx="2">
+              <a:schemeClr val="accent1">
+                <a:shade val="50000"/>
+              </a:schemeClr>
+            </a:lnRef>
+            <a:fillRef idx="1">
+              <a:schemeClr val="accent1"/>
+            </a:fillRef>
+            <a:effectRef idx="0">
+              <a:schemeClr val="accent1"/>
+            </a:effectRef>
+            <a:fontRef idx="minor">
+              <a:schemeClr val="lt1"/>
+            </a:fontRef>
+          </p:style>
+          <p:txBody>
+            <a:bodyPr rtlCol="0" anchor="ctr"/>
+            <a:lstStyle/>
+            <a:p>
+              <a:pPr algn="ctr"/>
+              <a:endParaRPr lang="zh-CN" altLang="en-US" sz="1400"/>
+            </a:p>
+          </p:txBody>
+        </p:sp>
+      </p:grpSp>
+    </p:spTree>
+    <p:extLst>
+      <p:ext uri="{BB962C8B-B14F-4D97-AF65-F5344CB8AC3E}">
+        <p14:creationId xmlns:p14="http://schemas.microsoft.com/office/powerpoint/2010/main" val="4268064543"/>
+      </p:ext>
+    </p:extLst>
+  </p:cSld>
+  <p:clrMapOvr>
+    <a:masterClrMapping/>
+  </p:clrMapOvr>
+  <mc:AlternateContent xmlns:mc="http://schemas.openxmlformats.org/markup-compatibility/2006" xmlns:p14="http://schemas.microsoft.com/office/powerpoint/2010/main">
+    <mc:Choice Requires="p14">
+      <p:transition spd="med" p14:dur="700">
+        <p:fade/>
+      </p:transition>
+    </mc:Choice>
+    <mc:Fallback xmlns="">
+      <p:transition spd="med">
+        <p:fade/>
+      </p:transition>
+    </mc:Fallback>
+  </mc:AlternateContent>
+  <p:timing>
+    <p:tnLst>
+      <p:par>
+        <p:cTn id="1" dur="indefinite" restart="never" nodeType="tmRoot">
+          <p:childTnLst>
+            <p:seq concurrent="1" nextAc="seek">
+              <p:cTn id="2" dur="indefinite" nodeType="mainSeq">
+                <p:childTnLst>
+                  <p:par>
+                    <p:cTn id="3" fill="hold">
+                      <p:stCondLst>
+                        <p:cond delay="indefinite"/>
+                        <p:cond evt="onBegin" delay="0">
+                          <p:tn val="2"/>
+                        </p:cond>
+                      </p:stCondLst>
+                      <p:childTnLst>
+                        <p:par>
+                          <p:cTn id="4" fill="hold">
+                            <p:stCondLst>
+                              <p:cond delay="0"/>
+                            </p:stCondLst>
+                            <p:childTnLst>
+                              <p:par>
+                                <p:cTn id="5" presetID="10" presetClass="entr" presetSubtype="0" fill="hold" grpId="0" nodeType="afterEffect">
+                                  <p:stCondLst>
+                                    <p:cond delay="0"/>
+                                  </p:stCondLst>
+                                  <p:childTnLst>
+                                    <p:set>
+                                      <p:cBhvr>
+                                        <p:cTn id="6" dur="1" fill="hold">
+                                          <p:stCondLst>
+                                            <p:cond delay="0"/>
+                                          </p:stCondLst>
+                                        </p:cTn>
+                                        <p:tgtEl>
+                                          <p:spTgt spid="2"/>
+                                        </p:tgtEl>
+                                        <p:attrNameLst>
+                                          <p:attrName>style.visibility</p:attrName>
+                                        </p:attrNameLst>
+                                      </p:cBhvr>
+                                      <p:to>
+                                        <p:strVal val="visible"/>
+                                      </p:to>
+                                    </p:set>
+                                    <p:animEffect transition="in" filter="fade">
+                                      <p:cBhvr>
+                                        <p:cTn id="7" dur="500"/>
+                                        <p:tgtEl>
+                                          <p:spTgt spid="2"/>
+                                        </p:tgtEl>
+                                      </p:cBhvr>
+                                    </p:animEffect>
+                                  </p:childTnLst>
+                                </p:cTn>
+                              </p:par>
+                            </p:childTnLst>
+                          </p:cTn>
+                        </p:par>
+                        <p:par>
+                          <p:cTn id="8" fill="hold">
+                            <p:stCondLst>
+                              <p:cond delay="500"/>
+                            </p:stCondLst>
+                            <p:childTnLst>
+                              <p:par>
+                                <p:cTn id="9" presetID="42" presetClass="entr" presetSubtype="0" fill="hold" nodeType="afterEffect">
+                                  <p:stCondLst>
+                                    <p:cond delay="0"/>
+                                  </p:stCondLst>
+                                  <p:childTnLst>
+                                    <p:set>
+                                      <p:cBhvr>
+                                        <p:cTn id="10" dur="1" fill="hold">
+                                          <p:stCondLst>
+                                            <p:cond delay="0"/>
+                                          </p:stCondLst>
+                                        </p:cTn>
+                                        <p:tgtEl>
+                                          <p:spTgt spid="6"/>
+                                        </p:tgtEl>
+                                        <p:attrNameLst>
+                                          <p:attrName>style.visibility</p:attrName>
+                                        </p:attrNameLst>
+                                      </p:cBhvr>
+                                      <p:to>
+                                        <p:strVal val="visible"/>
+                                      </p:to>
+                                    </p:set>
+                                    <p:animEffect transition="in" filter="fade">
+                                      <p:cBhvr>
+                                        <p:cTn id="11" dur="1000"/>
+                                        <p:tgtEl>
+                                          <p:spTgt spid="6"/>
+                                        </p:tgtEl>
+                                      </p:cBhvr>
+                                    </p:animEffect>
+                                    <p:anim calcmode="lin" valueType="num">
+                                      <p:cBhvr>
+                                        <p:cTn id="12" dur="1000" fill="hold"/>
+                                        <p:tgtEl>
+                                          <p:spTgt spid="6"/>
+                                        </p:tgtEl>
+                                        <p:attrNameLst>
+                                          <p:attrName>ppt_x</p:attrName>
+                                        </p:attrNameLst>
+                                      </p:cBhvr>
+                                      <p:tavLst>
+                                        <p:tav tm="0">
+                                          <p:val>
+                                            <p:strVal val="#ppt_x"/>
+                                          </p:val>
+                                        </p:tav>
+                                        <p:tav tm="100000">
+                                          <p:val>
+                                            <p:strVal val="#ppt_x"/>
+                                          </p:val>
+                                        </p:tav>
+                                      </p:tavLst>
+                                    </p:anim>
+                                    <p:anim calcmode="lin" valueType="num">
+                                      <p:cBhvr>
+                                        <p:cTn id="13" dur="1000" fill="hold"/>
+                                        <p:tgtEl>
+                                          <p:spTgt spid="6"/>
+                                        </p:tgtEl>
+                                        <p:attrNameLst>
+                                          <p:attrName>ppt_y</p:attrName>
+                                        </p:attrNameLst>
+                                      </p:cBhvr>
+                                      <p:tavLst>
+                                        <p:tav tm="0">
+                                          <p:val>
+                                            <p:strVal val="#ppt_y+.1"/>
+                                          </p:val>
+                                        </p:tav>
+                                        <p:tav tm="100000">
+                                          <p:val>
+                                            <p:strVal val="#ppt_y"/>
+                                          </p:val>
+                                        </p:tav>
+                                      </p:tavLst>
+                                    </p:anim>
+                                  </p:childTnLst>
+                                </p:cTn>
+                              </p:par>
+                            </p:childTnLst>
+                          </p:cTn>
+                        </p:par>
+                      </p:childTnLst>
+                    </p:cTn>
+                  </p:par>
+                  <p:par>
+                    <p:cTn id="14" fill="hold">
+                      <p:stCondLst>
+                        <p:cond delay="indefinite"/>
+                      </p:stCondLst>
+                      <p:childTnLst>
+                        <p:par>
+                          <p:cTn id="15" fill="hold">
+                            <p:stCondLst>
+                              <p:cond delay="0"/>
+                            </p:stCondLst>
+                            <p:childTnLst>
+                              <p:par>
+                                <p:cTn id="16" presetID="10" presetClass="entr" presetSubtype="0" fill="hold" nodeType="clickEffect">
+                                  <p:stCondLst>
+                                    <p:cond delay="0"/>
+                                  </p:stCondLst>
+                                  <p:childTnLst>
+                                    <p:set>
+                                      <p:cBhvr>
+                                        <p:cTn id="17" dur="1" fill="hold">
+                                          <p:stCondLst>
+                                            <p:cond delay="0"/>
+                                          </p:stCondLst>
+                                        </p:cTn>
+                                        <p:tgtEl>
+                                          <p:spTgt spid="3">
+                                            <p:txEl>
+                                              <p:pRg st="0" end="0"/>
+                                            </p:txEl>
+                                          </p:spTgt>
+                                        </p:tgtEl>
+                                        <p:attrNameLst>
+                                          <p:attrName>style.visibility</p:attrName>
+                                        </p:attrNameLst>
+                                      </p:cBhvr>
+                                      <p:to>
+                                        <p:strVal val="visible"/>
+                                      </p:to>
+                                    </p:set>
+                                    <p:animEffect transition="in" filter="fade">
+                                      <p:cBhvr>
+                                        <p:cTn id="18" dur="500"/>
+                                        <p:tgtEl>
+                                          <p:spTgt spid="3">
+                                            <p:txEl>
+                                              <p:pRg st="0" end="0"/>
+                                            </p:txEl>
+                                          </p:spTgt>
+                                        </p:tgtEl>
+                                      </p:cBhvr>
+                                    </p:animEffect>
+                                  </p:childTnLst>
+                                </p:cTn>
+                              </p:par>
+                            </p:childTnLst>
+                          </p:cTn>
+                        </p:par>
+                        <p:par>
+                          <p:cTn id="19" fill="hold">
+                            <p:stCondLst>
+                              <p:cond delay="500"/>
+                            </p:stCondLst>
+                            <p:childTnLst>
+                              <p:par>
+                                <p:cTn id="20" presetID="10" presetClass="entr" presetSubtype="0" fill="hold" nodeType="afterEffect">
+                                  <p:stCondLst>
+                                    <p:cond delay="0"/>
+                                  </p:stCondLst>
+                                  <p:childTnLst>
+                                    <p:set>
+                                      <p:cBhvr>
+                                        <p:cTn id="21" dur="1" fill="hold">
+                                          <p:stCondLst>
+                                            <p:cond delay="0"/>
+                                          </p:stCondLst>
+                                        </p:cTn>
+                                        <p:tgtEl>
+                                          <p:spTgt spid="3">
+                                            <p:txEl>
+                                              <p:pRg st="1" end="1"/>
+                                            </p:txEl>
+                                          </p:spTgt>
+                                        </p:tgtEl>
+                                        <p:attrNameLst>
+                                          <p:attrName>style.visibility</p:attrName>
+                                        </p:attrNameLst>
+                                      </p:cBhvr>
+                                      <p:to>
+                                        <p:strVal val="visible"/>
+                                      </p:to>
+                                    </p:set>
+                                    <p:animEffect transition="in" filter="fade">
+                                      <p:cBhvr>
+                                        <p:cTn id="22" dur="500"/>
+                                        <p:tgtEl>
+                                          <p:spTgt spid="3">
+                                            <p:txEl>
+                                              <p:pRg st="1" end="1"/>
+                                            </p:txEl>
+                                          </p:spTgt>
+                                        </p:tgtEl>
+                                      </p:cBhvr>
+                                    </p:animEffect>
+                                  </p:childTnLst>
+                                </p:cTn>
+                              </p:par>
+                            </p:childTnLst>
+                          </p:cTn>
+                        </p:par>
+                        <p:par>
+                          <p:cTn id="23" fill="hold">
+                            <p:stCondLst>
+                              <p:cond delay="1000"/>
+                            </p:stCondLst>
+                            <p:childTnLst>
+                              <p:par>
+                                <p:cTn id="24" presetID="10" presetClass="entr" presetSubtype="0" fill="hold" nodeType="afterEffect">
+                                  <p:stCondLst>
+                                    <p:cond delay="0"/>
+                                  </p:stCondLst>
+                                  <p:childTnLst>
+                                    <p:set>
+                                      <p:cBhvr>
+                                        <p:cTn id="25" dur="1" fill="hold">
+                                          <p:stCondLst>
+                                            <p:cond delay="0"/>
+                                          </p:stCondLst>
+                                        </p:cTn>
+                                        <p:tgtEl>
+                                          <p:spTgt spid="3">
+                                            <p:txEl>
+                                              <p:pRg st="2" end="2"/>
+                                            </p:txEl>
+                                          </p:spTgt>
+                                        </p:tgtEl>
+                                        <p:attrNameLst>
+                                          <p:attrName>style.visibility</p:attrName>
+                                        </p:attrNameLst>
+                                      </p:cBhvr>
+                                      <p:to>
+                                        <p:strVal val="visible"/>
+                                      </p:to>
+                                    </p:set>
+                                    <p:animEffect transition="in" filter="fade">
+                                      <p:cBhvr>
+                                        <p:cTn id="26" dur="500"/>
+                                        <p:tgtEl>
+                                          <p:spTgt spid="3">
+                                            <p:txEl>
+                                              <p:pRg st="2" end="2"/>
+                                            </p:txEl>
+                                          </p:spTgt>
+                                        </p:tgtEl>
+                                      </p:cBhvr>
+                                    </p:animEffect>
+                                  </p:childTnLst>
+                                </p:cTn>
+                              </p:par>
+                            </p:childTnLst>
+                          </p:cTn>
+                        </p:par>
+                      </p:childTnLst>
+                    </p:cTn>
+                  </p:par>
+                  <p:par>
+                    <p:cTn id="27" fill="hold">
+                      <p:stCondLst>
+                        <p:cond delay="indefinite"/>
+                      </p:stCondLst>
+                      <p:childTnLst>
+                        <p:par>
+                          <p:cTn id="28" fill="hold">
+                            <p:stCondLst>
+                              <p:cond delay="0"/>
+                            </p:stCondLst>
+                            <p:childTnLst>
+                              <p:par>
+                                <p:cTn id="29" presetID="10" presetClass="entr" presetSubtype="0" fill="hold" nodeType="clickEffect">
+                                  <p:stCondLst>
+                                    <p:cond delay="0"/>
+                                  </p:stCondLst>
+                                  <p:childTnLst>
+                                    <p:set>
+                                      <p:cBhvr>
+                                        <p:cTn id="30" dur="1" fill="hold">
+                                          <p:stCondLst>
+                                            <p:cond delay="0"/>
+                                          </p:stCondLst>
+                                        </p:cTn>
+                                        <p:tgtEl>
+                                          <p:spTgt spid="3">
+                                            <p:txEl>
+                                              <p:pRg st="3" end="3"/>
+                                            </p:txEl>
+                                          </p:spTgt>
+                                        </p:tgtEl>
+                                        <p:attrNameLst>
+                                          <p:attrName>style.visibility</p:attrName>
+                                        </p:attrNameLst>
+                                      </p:cBhvr>
+                                      <p:to>
+                                        <p:strVal val="visible"/>
+                                      </p:to>
+                                    </p:set>
+                                    <p:animEffect transition="in" filter="fade">
+                                      <p:cBhvr>
+                                        <p:cTn id="31" dur="500"/>
+                                        <p:tgtEl>
+                                          <p:spTgt spid="3">
+                                            <p:txEl>
+                                              <p:pRg st="3" end="3"/>
+                                            </p:txEl>
+                                          </p:spTgt>
+                                        </p:tgtEl>
+                                      </p:cBhvr>
+                                    </p:animEffect>
+                                  </p:childTnLst>
+                                </p:cTn>
+                              </p:par>
+                            </p:childTnLst>
+                          </p:cTn>
+                        </p:par>
+                        <p:par>
+                          <p:cTn id="32" fill="hold">
+                            <p:stCondLst>
+                              <p:cond delay="500"/>
+                            </p:stCondLst>
+                            <p:childTnLst>
+                              <p:par>
+                                <p:cTn id="33" presetID="10" presetClass="entr" presetSubtype="0" fill="hold" nodeType="afterEffect">
+                                  <p:stCondLst>
+                                    <p:cond delay="0"/>
+                                  </p:stCondLst>
+                                  <p:childTnLst>
+                                    <p:set>
+                                      <p:cBhvr>
+                                        <p:cTn id="34" dur="1" fill="hold">
+                                          <p:stCondLst>
+                                            <p:cond delay="0"/>
+                                          </p:stCondLst>
+                                        </p:cTn>
+                                        <p:tgtEl>
+                                          <p:spTgt spid="3">
+                                            <p:txEl>
+                                              <p:pRg st="4" end="4"/>
+                                            </p:txEl>
+                                          </p:spTgt>
+                                        </p:tgtEl>
+                                        <p:attrNameLst>
+                                          <p:attrName>style.visibility</p:attrName>
+                                        </p:attrNameLst>
+                                      </p:cBhvr>
+                                      <p:to>
+                                        <p:strVal val="visible"/>
+                                      </p:to>
+                                    </p:set>
+                                    <p:animEffect transition="in" filter="fade">
+                                      <p:cBhvr>
+                                        <p:cTn id="35" dur="500"/>
+                                        <p:tgtEl>
+                                          <p:spTgt spid="3">
+                                            <p:txEl>
+                                              <p:pRg st="4" end="4"/>
+                                            </p:txEl>
+                                          </p:spTgt>
+                                        </p:tgtEl>
+                                      </p:cBhvr>
+                                    </p:animEffect>
+                                  </p:childTnLst>
+                                </p:cTn>
+                              </p:par>
+                            </p:childTnLst>
+                          </p:cTn>
+                        </p:par>
+                        <p:par>
+                          <p:cTn id="36" fill="hold">
+                            <p:stCondLst>
+                              <p:cond delay="1000"/>
+                            </p:stCondLst>
+                            <p:childTnLst>
+                              <p:par>
+                                <p:cTn id="37" presetID="10" presetClass="entr" presetSubtype="0" fill="hold" nodeType="afterEffect">
+                                  <p:stCondLst>
+                                    <p:cond delay="0"/>
+                                  </p:stCondLst>
+                                  <p:childTnLst>
+                                    <p:set>
+                                      <p:cBhvr>
+                                        <p:cTn id="38" dur="1" fill="hold">
+                                          <p:stCondLst>
+                                            <p:cond delay="0"/>
+                                          </p:stCondLst>
+                                        </p:cTn>
+                                        <p:tgtEl>
+                                          <p:spTgt spid="3">
+                                            <p:txEl>
+                                              <p:pRg st="5" end="5"/>
+                                            </p:txEl>
+                                          </p:spTgt>
+                                        </p:tgtEl>
+                                        <p:attrNameLst>
+                                          <p:attrName>style.visibility</p:attrName>
+                                        </p:attrNameLst>
+                                      </p:cBhvr>
+                                      <p:to>
+                                        <p:strVal val="visible"/>
+                                      </p:to>
+                                    </p:set>
+                                    <p:animEffect transition="in" filter="fade">
+                                      <p:cBhvr>
+                                        <p:cTn id="39" dur="500"/>
+                                        <p:tgtEl>
+                                          <p:spTgt spid="3">
+                                            <p:txEl>
+                                              <p:pRg st="5" end="5"/>
+                                            </p:txEl>
+                                          </p:spTgt>
+                                        </p:tgtEl>
+                                      </p:cBhvr>
+                                    </p:animEffect>
+                                  </p:childTnLst>
+                                </p:cTn>
+                              </p:par>
+                            </p:childTnLst>
+                          </p:cTn>
+                        </p:par>
+                      </p:childTnLst>
+                    </p:cTn>
+                  </p:par>
+                  <p:par>
+                    <p:cTn id="40" fill="hold">
+                      <p:stCondLst>
+                        <p:cond delay="indefinite"/>
+                      </p:stCondLst>
+                      <p:childTnLst>
+                        <p:par>
+                          <p:cTn id="41" fill="hold">
+                            <p:stCondLst>
+                              <p:cond delay="0"/>
+                            </p:stCondLst>
+                            <p:childTnLst>
+                              <p:par>
+                                <p:cTn id="42" presetID="10" presetClass="entr" presetSubtype="0" fill="hold" nodeType="clickEffect">
+                                  <p:stCondLst>
+                                    <p:cond delay="0"/>
+                                  </p:stCondLst>
+                                  <p:childTnLst>
+                                    <p:set>
+                                      <p:cBhvr>
+                                        <p:cTn id="43" dur="1" fill="hold">
+                                          <p:stCondLst>
+                                            <p:cond delay="0"/>
+                                          </p:stCondLst>
+                                        </p:cTn>
+                                        <p:tgtEl>
+                                          <p:spTgt spid="3">
+                                            <p:txEl>
+                                              <p:pRg st="6" end="6"/>
+                                            </p:txEl>
+                                          </p:spTgt>
+                                        </p:tgtEl>
+                                        <p:attrNameLst>
+                                          <p:attrName>style.visibility</p:attrName>
+                                        </p:attrNameLst>
+                                      </p:cBhvr>
+                                      <p:to>
+                                        <p:strVal val="visible"/>
+                                      </p:to>
+                                    </p:set>
+                                    <p:animEffect transition="in" filter="fade">
+                                      <p:cBhvr>
+                                        <p:cTn id="44" dur="500"/>
+                                        <p:tgtEl>
+                                          <p:spTgt spid="3">
+                                            <p:txEl>
+                                              <p:pRg st="6" end="6"/>
+                                            </p:txEl>
+                                          </p:spTgt>
+                                        </p:tgtEl>
+                                      </p:cBhvr>
+                                    </p:animEffect>
+                                  </p:childTnLst>
+                                </p:cTn>
+                              </p:par>
+                            </p:childTnLst>
+                          </p:cTn>
+                        </p:par>
+                        <p:par>
+                          <p:cTn id="45" fill="hold">
+                            <p:stCondLst>
+                              <p:cond delay="500"/>
+                            </p:stCondLst>
+                            <p:childTnLst>
+                              <p:par>
+                                <p:cTn id="46" presetID="10" presetClass="entr" presetSubtype="0" fill="hold" nodeType="afterEffect">
+                                  <p:stCondLst>
+                                    <p:cond delay="0"/>
+                                  </p:stCondLst>
+                                  <p:childTnLst>
+                                    <p:set>
+                                      <p:cBhvr>
+                                        <p:cTn id="47" dur="1" fill="hold">
+                                          <p:stCondLst>
+                                            <p:cond delay="0"/>
+                                          </p:stCondLst>
+                                        </p:cTn>
+                                        <p:tgtEl>
+                                          <p:spTgt spid="3">
+                                            <p:txEl>
+                                              <p:pRg st="7" end="7"/>
+                                            </p:txEl>
+                                          </p:spTgt>
+                                        </p:tgtEl>
+                                        <p:attrNameLst>
+                                          <p:attrName>style.visibility</p:attrName>
+                                        </p:attrNameLst>
+                                      </p:cBhvr>
+                                      <p:to>
+                                        <p:strVal val="visible"/>
+                                      </p:to>
+                                    </p:set>
+                                    <p:animEffect transition="in" filter="fade">
+                                      <p:cBhvr>
+                                        <p:cTn id="48" dur="500"/>
+                                        <p:tgtEl>
+                                          <p:spTgt spid="3">
+                                            <p:txEl>
+                                              <p:pRg st="7" end="7"/>
+                                            </p:txEl>
+                                          </p:spTgt>
+                                        </p:tgtEl>
+                                      </p:cBhvr>
+                                    </p:animEffect>
+                                  </p:childTnLst>
+                                </p:cTn>
+                              </p:par>
+                            </p:childTnLst>
+                          </p:cTn>
+                        </p:par>
+                        <p:par>
+                          <p:cTn id="49" fill="hold">
+                            <p:stCondLst>
+                              <p:cond delay="1000"/>
+                            </p:stCondLst>
+                            <p:childTnLst>
+                              <p:par>
+                                <p:cTn id="50" presetID="10" presetClass="entr" presetSubtype="0" fill="hold" nodeType="afterEffect">
+                                  <p:stCondLst>
+                                    <p:cond delay="0"/>
+                                  </p:stCondLst>
+                                  <p:childTnLst>
+                                    <p:set>
+                                      <p:cBhvr>
+                                        <p:cTn id="51" dur="1" fill="hold">
+                                          <p:stCondLst>
+                                            <p:cond delay="0"/>
+                                          </p:stCondLst>
+                                        </p:cTn>
+                                        <p:tgtEl>
+                                          <p:spTgt spid="3">
+                                            <p:txEl>
+                                              <p:pRg st="8" end="8"/>
+                                            </p:txEl>
+                                          </p:spTgt>
+                                        </p:tgtEl>
+                                        <p:attrNameLst>
+                                          <p:attrName>style.visibility</p:attrName>
+                                        </p:attrNameLst>
+                                      </p:cBhvr>
+                                      <p:to>
+                                        <p:strVal val="visible"/>
+                                      </p:to>
+                                    </p:set>
+                                    <p:animEffect transition="in" filter="fade">
+                                      <p:cBhvr>
+                                        <p:cTn id="52" dur="500"/>
+                                        <p:tgtEl>
+                                          <p:spTgt spid="3">
+                                            <p:txEl>
+                                              <p:pRg st="8" end="8"/>
+                                            </p:txEl>
+                                          </p:spTgt>
+                                        </p:tgtEl>
+                                      </p:cBhvr>
+                                    </p:animEffect>
+                                  </p:childTnLst>
+                                </p:cTn>
+                              </p:par>
+                            </p:childTnLst>
+                          </p:cTn>
+                        </p:par>
+                      </p:childTnLst>
+                    </p:cTn>
+                  </p:par>
+                </p:childTnLst>
+              </p:cTn>
+              <p:prevCondLst>
+                <p:cond evt="onPrev" delay="0">
+                  <p:tgtEl>
+                    <p:sldTgt/>
+                  </p:tgtEl>
+                </p:cond>
+              </p:prevCondLst>
+              <p:nextCondLst>
+                <p:cond evt="onNext" delay="0">
+                  <p:tgtEl>
+                    <p:sldTgt/>
+                  </p:tgtEl>
+                </p:cond>
+              </p:nextCondLst>
+            </p:seq>
+          </p:childTnLst>
+        </p:cTn>
+      </p:par>
+    </p:tnLst>
+    <p:bldLst>
+      <p:bldP spid="2" grpId="0"/>
+    </p:bldLst>
+  </p:timing>
+</p:sld>
+</file>
+
+<file path=ppt/slides/slide8.xml><?xml version="1.0" encoding="utf-8"?>
 <p:sld xmlns:a="http://schemas.openxmlformats.org/drawingml/2006/main" xmlns:r="http://schemas.openxmlformats.org/officeDocument/2006/relationships" xmlns:p="http://schemas.openxmlformats.org/presentationml/2006/main">
   <p:cSld>
     <p:spTree>
@@ -13239,7 +17154,7 @@
 </p:sld>
 </file>
 
-<file path=ppt/slides/slide8.xml><?xml version="1.0" encoding="utf-8"?>
+<file path=ppt/slides/slide9.xml><?xml version="1.0" encoding="utf-8"?>
 <p:sld xmlns:a="http://schemas.openxmlformats.org/drawingml/2006/main" xmlns:r="http://schemas.openxmlformats.org/officeDocument/2006/relationships" xmlns:p="http://schemas.openxmlformats.org/presentationml/2006/main">
   <p:cSld>
     <p:spTree>
@@ -13326,486 +17241,6 @@
       </p:transition>
     </mc:Fallback>
   </mc:AlternateContent>
-</p:sld>
-</file>
-
-<file path=ppt/slides/slide9.xml><?xml version="1.0" encoding="utf-8"?>
-<p:sld xmlns:a="http://schemas.openxmlformats.org/drawingml/2006/main" xmlns:r="http://schemas.openxmlformats.org/officeDocument/2006/relationships" xmlns:p="http://schemas.openxmlformats.org/presentationml/2006/main">
-  <p:cSld>
-    <p:spTree>
-      <p:nvGrpSpPr>
-        <p:cNvPr id="1" name=""/>
-        <p:cNvGrpSpPr/>
-        <p:nvPr/>
-      </p:nvGrpSpPr>
-      <p:grpSpPr>
-        <a:xfrm>
-          <a:off x="0" y="0"/>
-          <a:ext cx="0" cy="0"/>
-          <a:chOff x="0" y="0"/>
-          <a:chExt cx="0" cy="0"/>
-        </a:xfrm>
-      </p:grpSpPr>
-      <p:pic>
-        <p:nvPicPr>
-          <p:cNvPr id="4" name="图片 3"/>
-          <p:cNvPicPr>
-            <a:picLocks noChangeAspect="1"/>
-          </p:cNvPicPr>
-          <p:nvPr/>
-        </p:nvPicPr>
-        <p:blipFill>
-          <a:blip r:embed="rId2"/>
-          <a:stretch>
-            <a:fillRect/>
-          </a:stretch>
-        </p:blipFill>
-        <p:spPr>
-          <a:xfrm>
-            <a:off x="2566020" y="459183"/>
-            <a:ext cx="7979298" cy="5609737"/>
-          </a:xfrm>
-          <a:prstGeom prst="rect">
-            <a:avLst/>
-          </a:prstGeom>
-        </p:spPr>
-      </p:pic>
-      <p:sp>
-        <p:nvSpPr>
-          <p:cNvPr id="2" name="矩形 1">
-            <a:extLst>
-              <a:ext uri="{FF2B5EF4-FFF2-40B4-BE49-F238E27FC236}">
-                <a16:creationId xmlns:a16="http://schemas.microsoft.com/office/drawing/2014/main" id="{D63B7F8A-C3CA-0744-BC8E-52D204AA117C}"/>
-              </a:ext>
-            </a:extLst>
-          </p:cNvPr>
-          <p:cNvSpPr/>
-          <p:nvPr/>
-        </p:nvSpPr>
-        <p:spPr>
-          <a:xfrm>
-            <a:off x="1104834" y="268907"/>
-            <a:ext cx="9577064" cy="380553"/>
-          </a:xfrm>
-          <a:prstGeom prst="rect">
-            <a:avLst/>
-          </a:prstGeom>
-        </p:spPr>
-        <p:txBody>
-          <a:bodyPr wrap="square">
-            <a:spAutoFit/>
-          </a:bodyPr>
-          <a:lstStyle/>
-          <a:p>
-            <a:pPr>
-              <a:lnSpc>
-                <a:spcPct val="120000"/>
-              </a:lnSpc>
-            </a:pPr>
-            <a:r>
-              <a:rPr kumimoji="1" lang="zh-CN" altLang="en-US" dirty="0">
-                <a:latin typeface="楷体" panose="02010609060101010101" pitchFamily="49" charset="-122"/>
-                <a:ea typeface="楷体" panose="02010609060101010101" pitchFamily="49" charset="-122"/>
-              </a:rPr>
-              <a:t>每次投放黑色石头</a:t>
-            </a:r>
-            <a:r>
-              <a:rPr kumimoji="1" lang="en-US" altLang="zh-CN" dirty="0">
-                <a:latin typeface="楷体" panose="02010609060101010101" pitchFamily="49" charset="-122"/>
-                <a:ea typeface="楷体" panose="02010609060101010101" pitchFamily="49" charset="-122"/>
-              </a:rPr>
-              <a:t>=IF THEN ELSE(</a:t>
-            </a:r>
-            <a:r>
-              <a:rPr kumimoji="1" lang="zh-CN" altLang="en-US" dirty="0">
-                <a:latin typeface="楷体" panose="02010609060101010101" pitchFamily="49" charset="-122"/>
-                <a:ea typeface="楷体" panose="02010609060101010101" pitchFamily="49" charset="-122"/>
-              </a:rPr>
-              <a:t>随机投放的石头概率</a:t>
-            </a:r>
-            <a:r>
-              <a:rPr kumimoji="1" lang="en-US" altLang="zh-CN" dirty="0">
-                <a:latin typeface="楷体" panose="02010609060101010101" pitchFamily="49" charset="-122"/>
-                <a:ea typeface="楷体" panose="02010609060101010101" pitchFamily="49" charset="-122"/>
-              </a:rPr>
-              <a:t>&lt;</a:t>
-            </a:r>
-            <a:r>
-              <a:rPr kumimoji="1" lang="zh-CN" altLang="en-US" dirty="0">
-                <a:latin typeface="楷体" panose="02010609060101010101" pitchFamily="49" charset="-122"/>
-                <a:ea typeface="楷体" panose="02010609060101010101" pitchFamily="49" charset="-122"/>
-              </a:rPr>
-              <a:t>黑色石头比例</a:t>
-            </a:r>
-            <a:r>
-              <a:rPr kumimoji="1" lang="en-US" altLang="zh-CN" dirty="0">
-                <a:latin typeface="楷体" panose="02010609060101010101" pitchFamily="49" charset="-122"/>
-                <a:ea typeface="楷体" panose="02010609060101010101" pitchFamily="49" charset="-122"/>
-              </a:rPr>
-              <a:t>, </a:t>
-            </a:r>
-            <a:r>
-              <a:rPr kumimoji="1" lang="zh-CN" altLang="en-US" dirty="0">
-                <a:latin typeface="楷体" panose="02010609060101010101" pitchFamily="49" charset="-122"/>
-                <a:ea typeface="楷体" panose="02010609060101010101" pitchFamily="49" charset="-122"/>
-              </a:rPr>
-              <a:t>每次投放的石头 </a:t>
-            </a:r>
-            <a:r>
-              <a:rPr kumimoji="1" lang="en-US" altLang="zh-CN" dirty="0">
-                <a:latin typeface="楷体" panose="02010609060101010101" pitchFamily="49" charset="-122"/>
-                <a:ea typeface="楷体" panose="02010609060101010101" pitchFamily="49" charset="-122"/>
-              </a:rPr>
-              <a:t>,0 )</a:t>
-            </a:r>
-          </a:p>
-        </p:txBody>
-      </p:sp>
-      <p:sp>
-        <p:nvSpPr>
-          <p:cNvPr id="3" name="矩形 2">
-            <a:extLst>
-              <a:ext uri="{FF2B5EF4-FFF2-40B4-BE49-F238E27FC236}">
-                <a16:creationId xmlns:a16="http://schemas.microsoft.com/office/drawing/2014/main" id="{E440893E-63CF-F943-BC67-32A8351650C6}"/>
-              </a:ext>
-            </a:extLst>
-          </p:cNvPr>
-          <p:cNvSpPr/>
-          <p:nvPr/>
-        </p:nvSpPr>
-        <p:spPr>
-          <a:xfrm>
-            <a:off x="1125860" y="5517232"/>
-            <a:ext cx="9937104" cy="380553"/>
-          </a:xfrm>
-          <a:prstGeom prst="rect">
-            <a:avLst/>
-          </a:prstGeom>
-        </p:spPr>
-        <p:txBody>
-          <a:bodyPr wrap="square">
-            <a:spAutoFit/>
-          </a:bodyPr>
-          <a:lstStyle/>
-          <a:p>
-            <a:pPr>
-              <a:lnSpc>
-                <a:spcPct val="120000"/>
-              </a:lnSpc>
-            </a:pPr>
-            <a:r>
-              <a:rPr kumimoji="1" lang="zh-CN" altLang="en-US" dirty="0">
-                <a:latin typeface="楷体" panose="02010609060101010101" pitchFamily="49" charset="-122"/>
-                <a:ea typeface="楷体" panose="02010609060101010101" pitchFamily="49" charset="-122"/>
-              </a:rPr>
-              <a:t>每次投放白色石头</a:t>
-            </a:r>
-            <a:r>
-              <a:rPr kumimoji="1" lang="en-US" altLang="zh-CN" dirty="0">
-                <a:latin typeface="楷体" panose="02010609060101010101" pitchFamily="49" charset="-122"/>
-                <a:ea typeface="楷体" panose="02010609060101010101" pitchFamily="49" charset="-122"/>
-              </a:rPr>
-              <a:t>=IF THEN ELSE(1-</a:t>
-            </a:r>
-            <a:r>
-              <a:rPr kumimoji="1" lang="zh-CN" altLang="en-US" dirty="0">
-                <a:latin typeface="楷体" panose="02010609060101010101" pitchFamily="49" charset="-122"/>
-                <a:ea typeface="楷体" panose="02010609060101010101" pitchFamily="49" charset="-122"/>
-              </a:rPr>
-              <a:t>随机投放的石头概率</a:t>
-            </a:r>
-            <a:r>
-              <a:rPr kumimoji="1" lang="en-US" altLang="zh-CN" dirty="0">
-                <a:latin typeface="楷体" panose="02010609060101010101" pitchFamily="49" charset="-122"/>
-                <a:ea typeface="楷体" panose="02010609060101010101" pitchFamily="49" charset="-122"/>
-              </a:rPr>
-              <a:t>&lt;</a:t>
-            </a:r>
-            <a:r>
-              <a:rPr kumimoji="1" lang="zh-CN" altLang="en-US" dirty="0">
-                <a:latin typeface="楷体" panose="02010609060101010101" pitchFamily="49" charset="-122"/>
-                <a:ea typeface="楷体" panose="02010609060101010101" pitchFamily="49" charset="-122"/>
-              </a:rPr>
-              <a:t>白色石头比例</a:t>
-            </a:r>
-            <a:r>
-              <a:rPr kumimoji="1" lang="en-US" altLang="zh-CN" dirty="0">
-                <a:latin typeface="楷体" panose="02010609060101010101" pitchFamily="49" charset="-122"/>
-                <a:ea typeface="楷体" panose="02010609060101010101" pitchFamily="49" charset="-122"/>
-              </a:rPr>
-              <a:t>, </a:t>
-            </a:r>
-            <a:r>
-              <a:rPr kumimoji="1" lang="zh-CN" altLang="en-US" dirty="0">
-                <a:latin typeface="楷体" panose="02010609060101010101" pitchFamily="49" charset="-122"/>
-                <a:ea typeface="楷体" panose="02010609060101010101" pitchFamily="49" charset="-122"/>
-              </a:rPr>
-              <a:t>每次投放的石头 </a:t>
-            </a:r>
-            <a:r>
-              <a:rPr kumimoji="1" lang="en-US" altLang="zh-CN" dirty="0">
-                <a:latin typeface="楷体" panose="02010609060101010101" pitchFamily="49" charset="-122"/>
-                <a:ea typeface="楷体" panose="02010609060101010101" pitchFamily="49" charset="-122"/>
-              </a:rPr>
-              <a:t>, 0)</a:t>
-            </a:r>
-          </a:p>
-        </p:txBody>
-      </p:sp>
-    </p:spTree>
-    <p:extLst>
-      <p:ext uri="{BB962C8B-B14F-4D97-AF65-F5344CB8AC3E}">
-        <p14:creationId xmlns:p14="http://schemas.microsoft.com/office/powerpoint/2010/main" val="3900310609"/>
-      </p:ext>
-    </p:extLst>
-  </p:cSld>
-  <p:clrMapOvr>
-    <a:masterClrMapping/>
-  </p:clrMapOvr>
-  <mc:AlternateContent xmlns:mc="http://schemas.openxmlformats.org/markup-compatibility/2006" xmlns:p14="http://schemas.microsoft.com/office/powerpoint/2010/main">
-    <mc:Choice Requires="p14">
-      <p:transition spd="med" p14:dur="700">
-        <p:fade/>
-      </p:transition>
-    </mc:Choice>
-    <mc:Fallback xmlns="">
-      <p:transition spd="med">
-        <p:fade/>
-      </p:transition>
-    </mc:Fallback>
-  </mc:AlternateContent>
-  <p:timing>
-    <p:tnLst>
-      <p:par>
-        <p:cTn id="1" dur="indefinite" restart="never" nodeType="tmRoot">
-          <p:childTnLst>
-            <p:seq concurrent="1" nextAc="seek">
-              <p:cTn id="2" dur="indefinite" nodeType="mainSeq">
-                <p:childTnLst>
-                  <p:par>
-                    <p:cTn id="3" fill="hold">
-                      <p:stCondLst>
-                        <p:cond delay="indefinite"/>
-                      </p:stCondLst>
-                      <p:childTnLst>
-                        <p:par>
-                          <p:cTn id="4" fill="hold">
-                            <p:stCondLst>
-                              <p:cond delay="0"/>
-                            </p:stCondLst>
-                            <p:childTnLst>
-                              <p:par>
-                                <p:cTn id="5" presetID="42" presetClass="entr" presetSubtype="0" fill="hold" grpId="0" nodeType="clickEffect">
-                                  <p:stCondLst>
-                                    <p:cond delay="0"/>
-                                  </p:stCondLst>
-                                  <p:childTnLst>
-                                    <p:set>
-                                      <p:cBhvr>
-                                        <p:cTn id="6" dur="1" fill="hold">
-                                          <p:stCondLst>
-                                            <p:cond delay="0"/>
-                                          </p:stCondLst>
-                                        </p:cTn>
-                                        <p:tgtEl>
-                                          <p:spTgt spid="2"/>
-                                        </p:tgtEl>
-                                        <p:attrNameLst>
-                                          <p:attrName>style.visibility</p:attrName>
-                                        </p:attrNameLst>
-                                      </p:cBhvr>
-                                      <p:to>
-                                        <p:strVal val="visible"/>
-                                      </p:to>
-                                    </p:set>
-                                    <p:animEffect transition="in" filter="fade">
-                                      <p:cBhvr>
-                                        <p:cTn id="7" dur="1000"/>
-                                        <p:tgtEl>
-                                          <p:spTgt spid="2"/>
-                                        </p:tgtEl>
-                                      </p:cBhvr>
-                                    </p:animEffect>
-                                    <p:anim calcmode="lin" valueType="num">
-                                      <p:cBhvr>
-                                        <p:cTn id="8" dur="1000" fill="hold"/>
-                                        <p:tgtEl>
-                                          <p:spTgt spid="2"/>
-                                        </p:tgtEl>
-                                        <p:attrNameLst>
-                                          <p:attrName>ppt_x</p:attrName>
-                                        </p:attrNameLst>
-                                      </p:cBhvr>
-                                      <p:tavLst>
-                                        <p:tav tm="0">
-                                          <p:val>
-                                            <p:strVal val="#ppt_x"/>
-                                          </p:val>
-                                        </p:tav>
-                                        <p:tav tm="100000">
-                                          <p:val>
-                                            <p:strVal val="#ppt_x"/>
-                                          </p:val>
-                                        </p:tav>
-                                      </p:tavLst>
-                                    </p:anim>
-                                    <p:anim calcmode="lin" valueType="num">
-                                      <p:cBhvr>
-                                        <p:cTn id="9" dur="1000" fill="hold"/>
-                                        <p:tgtEl>
-                                          <p:spTgt spid="2"/>
-                                        </p:tgtEl>
-                                        <p:attrNameLst>
-                                          <p:attrName>ppt_y</p:attrName>
-                                        </p:attrNameLst>
-                                      </p:cBhvr>
-                                      <p:tavLst>
-                                        <p:tav tm="0">
-                                          <p:val>
-                                            <p:strVal val="#ppt_y+.1"/>
-                                          </p:val>
-                                        </p:tav>
-                                        <p:tav tm="100000">
-                                          <p:val>
-                                            <p:strVal val="#ppt_y"/>
-                                          </p:val>
-                                        </p:tav>
-                                      </p:tavLst>
-                                    </p:anim>
-                                  </p:childTnLst>
-                                </p:cTn>
-                              </p:par>
-                            </p:childTnLst>
-                          </p:cTn>
-                        </p:par>
-                      </p:childTnLst>
-                    </p:cTn>
-                  </p:par>
-                  <p:par>
-                    <p:cTn id="10" fill="hold">
-                      <p:stCondLst>
-                        <p:cond delay="indefinite"/>
-                      </p:stCondLst>
-                      <p:childTnLst>
-                        <p:par>
-                          <p:cTn id="11" fill="hold">
-                            <p:stCondLst>
-                              <p:cond delay="0"/>
-                            </p:stCondLst>
-                            <p:childTnLst>
-                              <p:par>
-                                <p:cTn id="12" presetID="42" presetClass="entr" presetSubtype="0" fill="hold" grpId="0" nodeType="clickEffect">
-                                  <p:stCondLst>
-                                    <p:cond delay="0"/>
-                                  </p:stCondLst>
-                                  <p:childTnLst>
-                                    <p:set>
-                                      <p:cBhvr>
-                                        <p:cTn id="13" dur="1" fill="hold">
-                                          <p:stCondLst>
-                                            <p:cond delay="0"/>
-                                          </p:stCondLst>
-                                        </p:cTn>
-                                        <p:tgtEl>
-                                          <p:spTgt spid="3"/>
-                                        </p:tgtEl>
-                                        <p:attrNameLst>
-                                          <p:attrName>style.visibility</p:attrName>
-                                        </p:attrNameLst>
-                                      </p:cBhvr>
-                                      <p:to>
-                                        <p:strVal val="visible"/>
-                                      </p:to>
-                                    </p:set>
-                                    <p:animEffect transition="in" filter="fade">
-                                      <p:cBhvr>
-                                        <p:cTn id="14" dur="1000"/>
-                                        <p:tgtEl>
-                                          <p:spTgt spid="3"/>
-                                        </p:tgtEl>
-                                      </p:cBhvr>
-                                    </p:animEffect>
-                                    <p:anim calcmode="lin" valueType="num">
-                                      <p:cBhvr>
-                                        <p:cTn id="15" dur="1000" fill="hold"/>
-                                        <p:tgtEl>
-                                          <p:spTgt spid="3"/>
-                                        </p:tgtEl>
-                                        <p:attrNameLst>
-                                          <p:attrName>ppt_x</p:attrName>
-                                        </p:attrNameLst>
-                                      </p:cBhvr>
-                                      <p:tavLst>
-                                        <p:tav tm="0">
-                                          <p:val>
-                                            <p:strVal val="#ppt_x"/>
-                                          </p:val>
-                                        </p:tav>
-                                        <p:tav tm="100000">
-                                          <p:val>
-                                            <p:strVal val="#ppt_x"/>
-                                          </p:val>
-                                        </p:tav>
-                                      </p:tavLst>
-                                    </p:anim>
-                                    <p:anim calcmode="lin" valueType="num">
-                                      <p:cBhvr>
-                                        <p:cTn id="16" dur="1000" fill="hold"/>
-                                        <p:tgtEl>
-                                          <p:spTgt spid="3"/>
-                                        </p:tgtEl>
-                                        <p:attrNameLst>
-                                          <p:attrName>ppt_y</p:attrName>
-                                        </p:attrNameLst>
-                                      </p:cBhvr>
-                                      <p:tavLst>
-                                        <p:tav tm="0">
-                                          <p:val>
-                                            <p:strVal val="#ppt_y+.1"/>
-                                          </p:val>
-                                        </p:tav>
-                                        <p:tav tm="100000">
-                                          <p:val>
-                                            <p:strVal val="#ppt_y"/>
-                                          </p:val>
-                                        </p:tav>
-                                      </p:tavLst>
-                                    </p:anim>
-                                  </p:childTnLst>
-                                </p:cTn>
-                              </p:par>
-                            </p:childTnLst>
-                          </p:cTn>
-                        </p:par>
-                      </p:childTnLst>
-                    </p:cTn>
-                  </p:par>
-                </p:childTnLst>
-              </p:cTn>
-              <p:prevCondLst>
-                <p:cond evt="onPrev" delay="0">
-                  <p:tgtEl>
-                    <p:sldTgt/>
-                  </p:tgtEl>
-                </p:cond>
-              </p:prevCondLst>
-              <p:nextCondLst>
-                <p:cond evt="onNext" delay="0">
-                  <p:tgtEl>
-                    <p:sldTgt/>
-                  </p:tgtEl>
-                </p:cond>
-              </p:nextCondLst>
-            </p:seq>
-          </p:childTnLst>
-        </p:cTn>
-      </p:par>
-    </p:tnLst>
-    <p:bldLst>
-      <p:bldP spid="2" grpId="0"/>
-      <p:bldP spid="3" grpId="0"/>
-    </p:bldLst>
-  </p:timing>
 </p:sld>
 </file>
 
@@ -14404,35 +17839,17 @@
 
 <file path=customXml/item1.xml><?xml version="1.0" encoding="utf-8"?>
 <Control xmlns="http://schemas.microsoft.com/VisualStudio/2011/storyboarding/control">
-  <Id Name="System.Storyboarding.Annotation.StickyNote" Revision="1" Stencil="System.Storyboarding.Annotation" StencilVersion="0.1"/>
+  <Id Name="System.Storyboarding.WindowsApps.WindowsAppsListBox" Revision="1" Stencil="System.Storyboarding.WindowsApps" StencilVersion="0.1"/>
 </Control>
 </file>
 
 <file path=customXml/item2.xml><?xml version="1.0" encoding="utf-8"?>
 <Control xmlns="http://schemas.microsoft.com/VisualStudio/2011/storyboarding/control">
-  <Id Name="System.Storyboarding.Common.DragSelection" Revision="1" Stencil="System.Storyboarding.Common" StencilVersion="0.1"/>
+  <Id Name="System.Storyboarding.WindowsApps.WindowsAppsProgressRing" Revision="1" Stencil="System.Storyboarding.WindowsApps" StencilVersion="0.1"/>
 </Control>
 </file>
 
 <file path=customXml/item3.xml><?xml version="1.0" encoding="utf-8"?>
-<Control xmlns="http://schemas.microsoft.com/VisualStudio/2011/storyboarding/control">
-  <Id Name="5e505f8e-b0aa-429a-bb4c-92ab0e8a8ee6" RevisionId="d2083f08-ba4f-4330-87aa-e4d23a4443d7" Stencil="172d6d98-e5c9-42e9-a209-79f7a94bbd38" StencilRevisionId="00000000-0000-0000-0000-000000000000" StencilVersion="0.0"/>
-</Control>
-</file>
-
-<file path=customXml/item4.xml><?xml version="1.0" encoding="utf-8"?>
-<Control xmlns="http://schemas.microsoft.com/VisualStudio/2011/storyboarding/control">
-  <Id Name="System.Storyboarding.WindowsApps.WindowsAppsListBox" Revision="1" Stencil="System.Storyboarding.WindowsApps" StencilVersion="0.1"/>
-</Control>
-</file>
-
-<file path=customXml/item5.xml><?xml version="1.0" encoding="utf-8"?>
-<Control xmlns="http://schemas.microsoft.com/VisualStudio/2011/storyboarding/control">
-  <Id Name="System.Storyboarding.WindowsApps.WindowsAppsProgressRing" Revision="1" Stencil="System.Storyboarding.WindowsApps" StencilVersion="0.1"/>
-</Control>
-</file>
-
-<file path=customXml/item6.xml><?xml version="1.0" encoding="utf-8"?>
 <p:properties xmlns:p="http://schemas.microsoft.com/office/2006/metadata/properties" xmlns:xsi="http://www.w3.org/2001/XMLSchema-instance" xmlns:pc="http://schemas.microsoft.com/office/infopath/2007/PartnerControls">
   <documentManagement>
     <_dlc_DocId xmlns="b4ebf394-daf6-497a-96c5-a2f8c10b38cf">TT6HZDVJM2HV-178-321</_dlc_DocId>
@@ -14444,14 +17861,32 @@
 </p:properties>
 </file>
 
-<file path=customXml/item7.xml><?xml version="1.0" encoding="utf-8"?>
+<file path=customXml/item4.xml><?xml version="1.0" encoding="utf-8"?>
 <Control xmlns="http://schemas.microsoft.com/VisualStudio/2011/storyboarding/control">
   <Id Name="System.Storyboarding.Common.TextInput" Revision="1" Stencil="System.Storyboarding.Common" StencilVersion="0.1"/>
 </Control>
 </file>
 
+<file path=customXml/item5.xml><?xml version="1.0" encoding="utf-8"?>
+<Control xmlns="http://schemas.microsoft.com/VisualStudio/2011/storyboarding/control">
+  <Id Name="System.Storyboarding.Annotation.StickyNote" Revision="1" Stencil="System.Storyboarding.Annotation" StencilVersion="0.1"/>
+</Control>
+</file>
+
+<file path=customXml/item6.xml><?xml version="1.0" encoding="utf-8"?>
+<Control xmlns="http://schemas.microsoft.com/VisualStudio/2011/storyboarding/control">
+  <Id Name="System.Storyboarding.Common.DragSelection" Revision="1" Stencil="System.Storyboarding.Common" StencilVersion="0.1"/>
+</Control>
+</file>
+
+<file path=customXml/item7.xml><?xml version="1.0" encoding="utf-8"?>
+<Control xmlns="http://schemas.microsoft.com/VisualStudio/2011/storyboarding/control">
+  <Id Name="5e505f8e-b0aa-429a-bb4c-92ab0e8a8ee6" RevisionId="d2083f08-ba4f-4330-87aa-e4d23a4443d7" Stencil="172d6d98-e5c9-42e9-a209-79f7a94bbd38" StencilRevisionId="00000000-0000-0000-0000-000000000000" StencilVersion="0.0"/>
+</Control>
+</file>
+
 <file path=customXml/itemProps1.xml><?xml version="1.0" encoding="utf-8"?>
-<ds:datastoreItem xmlns:ds="http://schemas.openxmlformats.org/officeDocument/2006/customXml" ds:itemID="{35CD12A2-2187-402A-B9D9-EF68624DB0B9}">
+<ds:datastoreItem xmlns:ds="http://schemas.openxmlformats.org/officeDocument/2006/customXml" ds:itemID="{925928FA-66B2-4992-9AF7-6AAB34665E06}">
   <ds:schemaRefs>
     <ds:schemaRef ds:uri="http://schemas.microsoft.com/VisualStudio/2011/storyboarding/control"/>
   </ds:schemaRefs>
@@ -14459,7 +17894,7 @@
 </file>
 
 <file path=customXml/itemProps2.xml><?xml version="1.0" encoding="utf-8"?>
-<ds:datastoreItem xmlns:ds="http://schemas.openxmlformats.org/officeDocument/2006/customXml" ds:itemID="{74F50758-6994-47AF-ADB4-84074E43B95D}">
+<ds:datastoreItem xmlns:ds="http://schemas.openxmlformats.org/officeDocument/2006/customXml" ds:itemID="{EE994FE8-9D1B-4C75-9803-F4D3D8088B5B}">
   <ds:schemaRefs>
     <ds:schemaRef ds:uri="http://schemas.microsoft.com/VisualStudio/2011/storyboarding/control"/>
   </ds:schemaRefs>
@@ -14467,30 +17902,6 @@
 </file>
 
 <file path=customXml/itemProps3.xml><?xml version="1.0" encoding="utf-8"?>
-<ds:datastoreItem xmlns:ds="http://schemas.openxmlformats.org/officeDocument/2006/customXml" ds:itemID="{22271091-DDCE-44B5-B608-BB96BCA0C299}">
-  <ds:schemaRefs>
-    <ds:schemaRef ds:uri="http://schemas.microsoft.com/VisualStudio/2011/storyboarding/control"/>
-  </ds:schemaRefs>
-</ds:datastoreItem>
-</file>
-
-<file path=customXml/itemProps4.xml><?xml version="1.0" encoding="utf-8"?>
-<ds:datastoreItem xmlns:ds="http://schemas.openxmlformats.org/officeDocument/2006/customXml" ds:itemID="{925928FA-66B2-4992-9AF7-6AAB34665E06}">
-  <ds:schemaRefs>
-    <ds:schemaRef ds:uri="http://schemas.microsoft.com/VisualStudio/2011/storyboarding/control"/>
-  </ds:schemaRefs>
-</ds:datastoreItem>
-</file>
-
-<file path=customXml/itemProps5.xml><?xml version="1.0" encoding="utf-8"?>
-<ds:datastoreItem xmlns:ds="http://schemas.openxmlformats.org/officeDocument/2006/customXml" ds:itemID="{EE994FE8-9D1B-4C75-9803-F4D3D8088B5B}">
-  <ds:schemaRefs>
-    <ds:schemaRef ds:uri="http://schemas.microsoft.com/VisualStudio/2011/storyboarding/control"/>
-  </ds:schemaRefs>
-</ds:datastoreItem>
-</file>
-
-<file path=customXml/itemProps6.xml><?xml version="1.0" encoding="utf-8"?>
 <ds:datastoreItem xmlns:ds="http://schemas.openxmlformats.org/officeDocument/2006/customXml" ds:itemID="{1322E1B6-B69B-4B1E-9F64-FFB1E4A65691}">
   <ds:schemaRefs>
     <ds:schemaRef ds:uri="http://schemas.microsoft.com/office/2006/metadata/properties"/>
@@ -14500,10 +17911,34 @@
 </ds:datastoreItem>
 </file>
 
-<file path=customXml/itemProps7.xml><?xml version="1.0" encoding="utf-8"?>
+<file path=customXml/itemProps4.xml><?xml version="1.0" encoding="utf-8"?>
 <ds:datastoreItem xmlns:ds="http://schemas.openxmlformats.org/officeDocument/2006/customXml" ds:itemID="{195C3A57-25C5-4CAC-A396-8711CE839175}">
   <ds:schemaRefs>
     <ds:schemaRef ds:uri="http://schemas.microsoft.com/VisualStudio/2011/storyboarding/control"/>
   </ds:schemaRefs>
 </ds:datastoreItem>
+</file>
+
+<file path=customXml/itemProps5.xml><?xml version="1.0" encoding="utf-8"?>
+<ds:datastoreItem xmlns:ds="http://schemas.openxmlformats.org/officeDocument/2006/customXml" ds:itemID="{35CD12A2-2187-402A-B9D9-EF68624DB0B9}">
+  <ds:schemaRefs>
+    <ds:schemaRef ds:uri="http://schemas.microsoft.com/VisualStudio/2011/storyboarding/control"/>
+  </ds:schemaRefs>
+</ds:datastoreItem>
+</file>
+
+<file path=customXml/itemProps6.xml><?xml version="1.0" encoding="utf-8"?>
+<ds:datastoreItem xmlns:ds="http://schemas.openxmlformats.org/officeDocument/2006/customXml" ds:itemID="{74F50758-6994-47AF-ADB4-84074E43B95D}">
+  <ds:schemaRefs>
+    <ds:schemaRef ds:uri="http://schemas.microsoft.com/VisualStudio/2011/storyboarding/control"/>
+  </ds:schemaRefs>
+</ds:datastoreItem>
+</file>
+
+<file path=customXml/itemProps7.xml><?xml version="1.0" encoding="utf-8"?>
+<ds:datastoreItem xmlns:ds="http://schemas.openxmlformats.org/officeDocument/2006/customXml" ds:itemID="{22271091-DDCE-44B5-B608-BB96BCA0C299}">
+  <ds:schemaRefs>
+    <ds:schemaRef ds:uri="http://schemas.microsoft.com/VisualStudio/2011/storyboarding/control"/>
+  </ds:schemaRefs>
+</ds:datastoreItem>
 </file>